--- a/doc/advanced/slides/lesson_05.pptx
+++ b/doc/advanced/slides/lesson_05.pptx
@@ -5,28 +5,45 @@
     <p:sldMasterId id="2147483648" r:id="rId1"/>
   </p:sldMasterIdLst>
   <p:notesMasterIdLst>
-    <p:notesMasterId r:id="rId21"/>
+    <p:notesMasterId r:id="rId38"/>
   </p:notesMasterIdLst>
   <p:sldIdLst>
     <p:sldId id="256" r:id="rId2"/>
     <p:sldId id="257" r:id="rId3"/>
-    <p:sldId id="272" r:id="rId4"/>
-    <p:sldId id="273" r:id="rId5"/>
-    <p:sldId id="274" r:id="rId6"/>
-    <p:sldId id="275" r:id="rId7"/>
-    <p:sldId id="276" r:id="rId8"/>
-    <p:sldId id="277" r:id="rId9"/>
-    <p:sldId id="278" r:id="rId10"/>
-    <p:sldId id="279" r:id="rId11"/>
-    <p:sldId id="280" r:id="rId12"/>
-    <p:sldId id="281" r:id="rId13"/>
-    <p:sldId id="282" r:id="rId14"/>
-    <p:sldId id="283" r:id="rId15"/>
-    <p:sldId id="284" r:id="rId16"/>
-    <p:sldId id="285" r:id="rId17"/>
-    <p:sldId id="286" r:id="rId18"/>
-    <p:sldId id="287" r:id="rId19"/>
-    <p:sldId id="271" r:id="rId20"/>
+    <p:sldId id="299" r:id="rId4"/>
+    <p:sldId id="301" r:id="rId5"/>
+    <p:sldId id="303" r:id="rId6"/>
+    <p:sldId id="302" r:id="rId7"/>
+    <p:sldId id="304" r:id="rId8"/>
+    <p:sldId id="305" r:id="rId9"/>
+    <p:sldId id="306" r:id="rId10"/>
+    <p:sldId id="272" r:id="rId11"/>
+    <p:sldId id="273" r:id="rId12"/>
+    <p:sldId id="276" r:id="rId13"/>
+    <p:sldId id="277" r:id="rId14"/>
+    <p:sldId id="278" r:id="rId15"/>
+    <p:sldId id="279" r:id="rId16"/>
+    <p:sldId id="280" r:id="rId17"/>
+    <p:sldId id="282" r:id="rId18"/>
+    <p:sldId id="274" r:id="rId19"/>
+    <p:sldId id="275" r:id="rId20"/>
+    <p:sldId id="283" r:id="rId21"/>
+    <p:sldId id="284" r:id="rId22"/>
+    <p:sldId id="285" r:id="rId23"/>
+    <p:sldId id="286" r:id="rId24"/>
+    <p:sldId id="287" r:id="rId25"/>
+    <p:sldId id="288" r:id="rId26"/>
+    <p:sldId id="289" r:id="rId27"/>
+    <p:sldId id="298" r:id="rId28"/>
+    <p:sldId id="291" r:id="rId29"/>
+    <p:sldId id="290" r:id="rId30"/>
+    <p:sldId id="292" r:id="rId31"/>
+    <p:sldId id="293" r:id="rId32"/>
+    <p:sldId id="294" r:id="rId33"/>
+    <p:sldId id="295" r:id="rId34"/>
+    <p:sldId id="296" r:id="rId35"/>
+    <p:sldId id="297" r:id="rId36"/>
+    <p:sldId id="271" r:id="rId37"/>
   </p:sldIdLst>
   <p:sldSz cx="12192000" cy="6858000"/>
   <p:notesSz cx="6858000" cy="9144000"/>
@@ -215,7 +232,7 @@
           <a:p>
             <a:fld id="{9B5B52BA-3295-0343-9E28-A260A811DD10}" type="datetimeFigureOut">
               <a:rPr lang="en-US" smtClean="0"/>
-              <a:t>03-Sep-18</a:t>
+              <a:t>8/4/19</a:t>
             </a:fld>
             <a:endParaRPr lang="en-US"/>
           </a:p>
@@ -279,38 +296,37 @@
           <a:p>
             <a:pPr lvl="0"/>
             <a:r>
-              <a:rPr lang="en-US" smtClean="0"/>
+              <a:rPr lang="en-US"/>
               <a:t>Click to edit Master text styles</a:t>
             </a:r>
           </a:p>
           <a:p>
             <a:pPr lvl="1"/>
             <a:r>
-              <a:rPr lang="en-US" smtClean="0"/>
+              <a:rPr lang="en-US"/>
               <a:t>Second level</a:t>
             </a:r>
           </a:p>
           <a:p>
             <a:pPr lvl="2"/>
             <a:r>
-              <a:rPr lang="en-US" smtClean="0"/>
+              <a:rPr lang="en-US"/>
               <a:t>Third level</a:t>
             </a:r>
           </a:p>
           <a:p>
             <a:pPr lvl="3"/>
             <a:r>
-              <a:rPr lang="en-US" smtClean="0"/>
+              <a:rPr lang="en-US"/>
               <a:t>Fourth level</a:t>
             </a:r>
           </a:p>
           <a:p>
             <a:pPr lvl="4"/>
             <a:r>
-              <a:rPr lang="en-US" smtClean="0"/>
+              <a:rPr lang="en-US"/>
               <a:t>Fifth level</a:t>
             </a:r>
-            <a:endParaRPr lang="en-US"/>
           </a:p>
         </p:txBody>
       </p:sp>
@@ -548,7 +564,7 @@
           <a:p>
             <a:fld id="{D6FB5A5B-CC88-B64A-8F56-0DBE0ACA83DE}" type="slidenum">
               <a:rPr lang="en-US" smtClean="0"/>
-              <a:t>19</a:t>
+              <a:t>36</a:t>
             </a:fld>
             <a:endParaRPr lang="en-US"/>
           </a:p>
@@ -609,10 +625,9 @@
           </a:lstStyle>
           <a:p>
             <a:r>
-              <a:rPr lang="en-US" dirty="0" smtClean="0"/>
+              <a:rPr lang="en-US" dirty="0"/>
               <a:t>Click to edit Master title style</a:t>
             </a:r>
-            <a:endParaRPr lang="en-US" dirty="0"/>
           </a:p>
         </p:txBody>
       </p:sp>
@@ -674,10 +689,9 @@
           </a:lstStyle>
           <a:p>
             <a:r>
-              <a:rPr lang="en-US" dirty="0" smtClean="0"/>
+              <a:rPr lang="en-US" dirty="0"/>
               <a:t>Click to edit Master subtitle style</a:t>
             </a:r>
-            <a:endParaRPr lang="en-US" dirty="0"/>
           </a:p>
         </p:txBody>
       </p:sp>
@@ -698,7 +712,7 @@
           <a:p>
             <a:fld id="{04F1D4A2-813C-F741-B481-C92B3A596030}" type="datetimeFigureOut">
               <a:rPr lang="en-US" smtClean="0"/>
-              <a:t>03-Sep-18</a:t>
+              <a:t>8/4/19</a:t>
             </a:fld>
             <a:endParaRPr lang="en-US"/>
           </a:p>
@@ -792,10 +806,9 @@
           <a:lstStyle/>
           <a:p>
             <a:r>
-              <a:rPr lang="en-US" smtClean="0"/>
+              <a:rPr lang="en-US"/>
               <a:t>Click to edit Master title style</a:t>
             </a:r>
-            <a:endParaRPr lang="en-US"/>
           </a:p>
         </p:txBody>
       </p:sp>
@@ -816,38 +829,37 @@
           <a:p>
             <a:pPr lvl="0"/>
             <a:r>
-              <a:rPr lang="en-US" smtClean="0"/>
+              <a:rPr lang="en-US"/>
               <a:t>Click to edit Master text styles</a:t>
             </a:r>
           </a:p>
           <a:p>
             <a:pPr lvl="1"/>
             <a:r>
-              <a:rPr lang="en-US" smtClean="0"/>
+              <a:rPr lang="en-US"/>
               <a:t>Second level</a:t>
             </a:r>
           </a:p>
           <a:p>
             <a:pPr lvl="2"/>
             <a:r>
-              <a:rPr lang="en-US" smtClean="0"/>
+              <a:rPr lang="en-US"/>
               <a:t>Third level</a:t>
             </a:r>
           </a:p>
           <a:p>
             <a:pPr lvl="3"/>
             <a:r>
-              <a:rPr lang="en-US" smtClean="0"/>
+              <a:rPr lang="en-US"/>
               <a:t>Fourth level</a:t>
             </a:r>
           </a:p>
           <a:p>
             <a:pPr lvl="4"/>
             <a:r>
-              <a:rPr lang="en-US" smtClean="0"/>
+              <a:rPr lang="en-US"/>
               <a:t>Fifth level</a:t>
             </a:r>
-            <a:endParaRPr lang="en-US"/>
           </a:p>
         </p:txBody>
       </p:sp>
@@ -868,7 +880,7 @@
           <a:p>
             <a:fld id="{04F1D4A2-813C-F741-B481-C92B3A596030}" type="datetimeFigureOut">
               <a:rPr lang="en-US" smtClean="0"/>
-              <a:t>03-Sep-18</a:t>
+              <a:t>8/4/19</a:t>
             </a:fld>
             <a:endParaRPr lang="en-US"/>
           </a:p>
@@ -967,10 +979,9 @@
           <a:lstStyle/>
           <a:p>
             <a:r>
-              <a:rPr lang="en-US" smtClean="0"/>
+              <a:rPr lang="en-US"/>
               <a:t>Click to edit Master title style</a:t>
             </a:r>
-            <a:endParaRPr lang="en-US"/>
           </a:p>
         </p:txBody>
       </p:sp>
@@ -996,38 +1007,37 @@
           <a:p>
             <a:pPr lvl="0"/>
             <a:r>
-              <a:rPr lang="en-US" smtClean="0"/>
+              <a:rPr lang="en-US"/>
               <a:t>Click to edit Master text styles</a:t>
             </a:r>
           </a:p>
           <a:p>
             <a:pPr lvl="1"/>
             <a:r>
-              <a:rPr lang="en-US" smtClean="0"/>
+              <a:rPr lang="en-US"/>
               <a:t>Second level</a:t>
             </a:r>
           </a:p>
           <a:p>
             <a:pPr lvl="2"/>
             <a:r>
-              <a:rPr lang="en-US" smtClean="0"/>
+              <a:rPr lang="en-US"/>
               <a:t>Third level</a:t>
             </a:r>
           </a:p>
           <a:p>
             <a:pPr lvl="3"/>
             <a:r>
-              <a:rPr lang="en-US" smtClean="0"/>
+              <a:rPr lang="en-US"/>
               <a:t>Fourth level</a:t>
             </a:r>
           </a:p>
           <a:p>
             <a:pPr lvl="4"/>
             <a:r>
-              <a:rPr lang="en-US" smtClean="0"/>
+              <a:rPr lang="en-US"/>
               <a:t>Fifth level</a:t>
             </a:r>
-            <a:endParaRPr lang="en-US"/>
           </a:p>
         </p:txBody>
       </p:sp>
@@ -1048,7 +1058,7 @@
           <a:p>
             <a:fld id="{04F1D4A2-813C-F741-B481-C92B3A596030}" type="datetimeFigureOut">
               <a:rPr lang="en-US" smtClean="0"/>
-              <a:t>03-Sep-18</a:t>
+              <a:t>8/4/19</a:t>
             </a:fld>
             <a:endParaRPr lang="en-US"/>
           </a:p>
@@ -1146,10 +1156,9 @@
           </a:lstStyle>
           <a:p>
             <a:r>
-              <a:rPr lang="en-US" dirty="0" smtClean="0"/>
+              <a:rPr lang="en-US" dirty="0"/>
               <a:t>Click to edit Master title style</a:t>
             </a:r>
-            <a:endParaRPr lang="en-US" dirty="0"/>
           </a:p>
         </p:txBody>
       </p:sp>
@@ -1177,38 +1186,37 @@
           <a:p>
             <a:pPr lvl="0"/>
             <a:r>
-              <a:rPr lang="en-US" dirty="0" smtClean="0"/>
+              <a:rPr lang="en-US" dirty="0"/>
               <a:t>Click to edit Master text styles</a:t>
             </a:r>
           </a:p>
           <a:p>
             <a:pPr lvl="1"/>
             <a:r>
-              <a:rPr lang="en-US" dirty="0" smtClean="0"/>
+              <a:rPr lang="en-US" dirty="0"/>
               <a:t>Second level</a:t>
             </a:r>
           </a:p>
           <a:p>
             <a:pPr lvl="2"/>
             <a:r>
-              <a:rPr lang="en-US" dirty="0" smtClean="0"/>
+              <a:rPr lang="en-US" dirty="0"/>
               <a:t>Third level</a:t>
             </a:r>
           </a:p>
           <a:p>
             <a:pPr lvl="3"/>
             <a:r>
-              <a:rPr lang="en-US" dirty="0" smtClean="0"/>
+              <a:rPr lang="en-US" dirty="0"/>
               <a:t>Fourth level</a:t>
             </a:r>
           </a:p>
           <a:p>
             <a:pPr lvl="4"/>
             <a:r>
-              <a:rPr lang="en-US" dirty="0" smtClean="0"/>
+              <a:rPr lang="en-US" dirty="0"/>
               <a:t>Fifth level</a:t>
             </a:r>
-            <a:endParaRPr lang="en-US" dirty="0"/>
           </a:p>
         </p:txBody>
       </p:sp>
@@ -1229,7 +1237,7 @@
           <a:p>
             <a:fld id="{04F1D4A2-813C-F741-B481-C92B3A596030}" type="datetimeFigureOut">
               <a:rPr lang="en-US" smtClean="0"/>
-              <a:t>03-Sep-18</a:t>
+              <a:t>8/4/19</a:t>
             </a:fld>
             <a:endParaRPr lang="en-US"/>
           </a:p>
@@ -1332,10 +1340,9 @@
           </a:lstStyle>
           <a:p>
             <a:r>
-              <a:rPr lang="en-US" smtClean="0"/>
+              <a:rPr lang="en-US"/>
               <a:t>Click to edit Master title style</a:t>
             </a:r>
-            <a:endParaRPr lang="en-US"/>
           </a:p>
         </p:txBody>
       </p:sp>
@@ -1452,7 +1459,7 @@
           <a:p>
             <a:pPr lvl="0"/>
             <a:r>
-              <a:rPr lang="en-US" smtClean="0"/>
+              <a:rPr lang="en-US"/>
               <a:t>Click to edit Master text styles</a:t>
             </a:r>
           </a:p>
@@ -1475,7 +1482,7 @@
           <a:p>
             <a:fld id="{04F1D4A2-813C-F741-B481-C92B3A596030}" type="datetimeFigureOut">
               <a:rPr lang="en-US" smtClean="0"/>
-              <a:t>03-Sep-18</a:t>
+              <a:t>8/4/19</a:t>
             </a:fld>
             <a:endParaRPr lang="en-US"/>
           </a:p>
@@ -1569,10 +1576,9 @@
           <a:lstStyle/>
           <a:p>
             <a:r>
-              <a:rPr lang="en-US" smtClean="0"/>
+              <a:rPr lang="en-US"/>
               <a:t>Click to edit Master title style</a:t>
             </a:r>
-            <a:endParaRPr lang="en-US"/>
           </a:p>
         </p:txBody>
       </p:sp>
@@ -1598,38 +1604,37 @@
           <a:p>
             <a:pPr lvl="0"/>
             <a:r>
-              <a:rPr lang="en-US" smtClean="0"/>
+              <a:rPr lang="en-US"/>
               <a:t>Click to edit Master text styles</a:t>
             </a:r>
           </a:p>
           <a:p>
             <a:pPr lvl="1"/>
             <a:r>
-              <a:rPr lang="en-US" smtClean="0"/>
+              <a:rPr lang="en-US"/>
               <a:t>Second level</a:t>
             </a:r>
           </a:p>
           <a:p>
             <a:pPr lvl="2"/>
             <a:r>
-              <a:rPr lang="en-US" smtClean="0"/>
+              <a:rPr lang="en-US"/>
               <a:t>Third level</a:t>
             </a:r>
           </a:p>
           <a:p>
             <a:pPr lvl="3"/>
             <a:r>
-              <a:rPr lang="en-US" smtClean="0"/>
+              <a:rPr lang="en-US"/>
               <a:t>Fourth level</a:t>
             </a:r>
           </a:p>
           <a:p>
             <a:pPr lvl="4"/>
             <a:r>
-              <a:rPr lang="en-US" smtClean="0"/>
+              <a:rPr lang="en-US"/>
               <a:t>Fifth level</a:t>
             </a:r>
-            <a:endParaRPr lang="en-US"/>
           </a:p>
         </p:txBody>
       </p:sp>
@@ -1655,38 +1660,37 @@
           <a:p>
             <a:pPr lvl="0"/>
             <a:r>
-              <a:rPr lang="en-US" smtClean="0"/>
+              <a:rPr lang="en-US"/>
               <a:t>Click to edit Master text styles</a:t>
             </a:r>
           </a:p>
           <a:p>
             <a:pPr lvl="1"/>
             <a:r>
-              <a:rPr lang="en-US" smtClean="0"/>
+              <a:rPr lang="en-US"/>
               <a:t>Second level</a:t>
             </a:r>
           </a:p>
           <a:p>
             <a:pPr lvl="2"/>
             <a:r>
-              <a:rPr lang="en-US" smtClean="0"/>
+              <a:rPr lang="en-US"/>
               <a:t>Third level</a:t>
             </a:r>
           </a:p>
           <a:p>
             <a:pPr lvl="3"/>
             <a:r>
-              <a:rPr lang="en-US" smtClean="0"/>
+              <a:rPr lang="en-US"/>
               <a:t>Fourth level</a:t>
             </a:r>
           </a:p>
           <a:p>
             <a:pPr lvl="4"/>
             <a:r>
-              <a:rPr lang="en-US" smtClean="0"/>
+              <a:rPr lang="en-US"/>
               <a:t>Fifth level</a:t>
             </a:r>
-            <a:endParaRPr lang="en-US"/>
           </a:p>
         </p:txBody>
       </p:sp>
@@ -1707,7 +1711,7 @@
           <a:p>
             <a:fld id="{04F1D4A2-813C-F741-B481-C92B3A596030}" type="datetimeFigureOut">
               <a:rPr lang="en-US" smtClean="0"/>
-              <a:t>03-Sep-18</a:t>
+              <a:t>8/4/19</a:t>
             </a:fld>
             <a:endParaRPr lang="en-US"/>
           </a:p>
@@ -1806,10 +1810,9 @@
           <a:lstStyle/>
           <a:p>
             <a:r>
-              <a:rPr lang="en-US" smtClean="0"/>
+              <a:rPr lang="en-US"/>
               <a:t>Click to edit Master title style</a:t>
             </a:r>
-            <a:endParaRPr lang="en-US"/>
           </a:p>
         </p:txBody>
       </p:sp>
@@ -1872,7 +1875,7 @@
           <a:p>
             <a:pPr lvl="0"/>
             <a:r>
-              <a:rPr lang="en-US" smtClean="0"/>
+              <a:rPr lang="en-US"/>
               <a:t>Click to edit Master text styles</a:t>
             </a:r>
           </a:p>
@@ -1900,38 +1903,37 @@
           <a:p>
             <a:pPr lvl="0"/>
             <a:r>
-              <a:rPr lang="en-US" smtClean="0"/>
+              <a:rPr lang="en-US"/>
               <a:t>Click to edit Master text styles</a:t>
             </a:r>
           </a:p>
           <a:p>
             <a:pPr lvl="1"/>
             <a:r>
-              <a:rPr lang="en-US" smtClean="0"/>
+              <a:rPr lang="en-US"/>
               <a:t>Second level</a:t>
             </a:r>
           </a:p>
           <a:p>
             <a:pPr lvl="2"/>
             <a:r>
-              <a:rPr lang="en-US" smtClean="0"/>
+              <a:rPr lang="en-US"/>
               <a:t>Third level</a:t>
             </a:r>
           </a:p>
           <a:p>
             <a:pPr lvl="3"/>
             <a:r>
-              <a:rPr lang="en-US" smtClean="0"/>
+              <a:rPr lang="en-US"/>
               <a:t>Fourth level</a:t>
             </a:r>
           </a:p>
           <a:p>
             <a:pPr lvl="4"/>
             <a:r>
-              <a:rPr lang="en-US" smtClean="0"/>
+              <a:rPr lang="en-US"/>
               <a:t>Fifth level</a:t>
             </a:r>
-            <a:endParaRPr lang="en-US"/>
           </a:p>
         </p:txBody>
       </p:sp>
@@ -1994,7 +1996,7 @@
           <a:p>
             <a:pPr lvl="0"/>
             <a:r>
-              <a:rPr lang="en-US" smtClean="0"/>
+              <a:rPr lang="en-US"/>
               <a:t>Click to edit Master text styles</a:t>
             </a:r>
           </a:p>
@@ -2022,38 +2024,37 @@
           <a:p>
             <a:pPr lvl="0"/>
             <a:r>
-              <a:rPr lang="en-US" smtClean="0"/>
+              <a:rPr lang="en-US"/>
               <a:t>Click to edit Master text styles</a:t>
             </a:r>
           </a:p>
           <a:p>
             <a:pPr lvl="1"/>
             <a:r>
-              <a:rPr lang="en-US" smtClean="0"/>
+              <a:rPr lang="en-US"/>
               <a:t>Second level</a:t>
             </a:r>
           </a:p>
           <a:p>
             <a:pPr lvl="2"/>
             <a:r>
-              <a:rPr lang="en-US" smtClean="0"/>
+              <a:rPr lang="en-US"/>
               <a:t>Third level</a:t>
             </a:r>
           </a:p>
           <a:p>
             <a:pPr lvl="3"/>
             <a:r>
-              <a:rPr lang="en-US" smtClean="0"/>
+              <a:rPr lang="en-US"/>
               <a:t>Fourth level</a:t>
             </a:r>
           </a:p>
           <a:p>
             <a:pPr lvl="4"/>
             <a:r>
-              <a:rPr lang="en-US" smtClean="0"/>
+              <a:rPr lang="en-US"/>
               <a:t>Fifth level</a:t>
             </a:r>
-            <a:endParaRPr lang="en-US"/>
           </a:p>
         </p:txBody>
       </p:sp>
@@ -2074,7 +2075,7 @@
           <a:p>
             <a:fld id="{04F1D4A2-813C-F741-B481-C92B3A596030}" type="datetimeFigureOut">
               <a:rPr lang="en-US" smtClean="0"/>
-              <a:t>03-Sep-18</a:t>
+              <a:t>8/4/19</a:t>
             </a:fld>
             <a:endParaRPr lang="en-US"/>
           </a:p>
@@ -2168,10 +2169,9 @@
           <a:lstStyle/>
           <a:p>
             <a:r>
-              <a:rPr lang="en-US" smtClean="0"/>
+              <a:rPr lang="en-US"/>
               <a:t>Click to edit Master title style</a:t>
             </a:r>
-            <a:endParaRPr lang="en-US"/>
           </a:p>
         </p:txBody>
       </p:sp>
@@ -2192,7 +2192,7 @@
           <a:p>
             <a:fld id="{04F1D4A2-813C-F741-B481-C92B3A596030}" type="datetimeFigureOut">
               <a:rPr lang="en-US" smtClean="0"/>
-              <a:t>03-Sep-18</a:t>
+              <a:t>8/4/19</a:t>
             </a:fld>
             <a:endParaRPr lang="en-US"/>
           </a:p>
@@ -2287,7 +2287,7 @@
           <a:p>
             <a:fld id="{04F1D4A2-813C-F741-B481-C92B3A596030}" type="datetimeFigureOut">
               <a:rPr lang="en-US" smtClean="0"/>
-              <a:t>03-Sep-18</a:t>
+              <a:t>8/4/19</a:t>
             </a:fld>
             <a:endParaRPr lang="en-US"/>
           </a:p>
@@ -2390,10 +2390,9 @@
           </a:lstStyle>
           <a:p>
             <a:r>
-              <a:rPr lang="en-US" smtClean="0"/>
+              <a:rPr lang="en-US"/>
               <a:t>Click to edit Master title style</a:t>
             </a:r>
-            <a:endParaRPr lang="en-US"/>
           </a:p>
         </p:txBody>
       </p:sp>
@@ -2447,38 +2446,37 @@
           <a:p>
             <a:pPr lvl="0"/>
             <a:r>
-              <a:rPr lang="en-US" smtClean="0"/>
+              <a:rPr lang="en-US"/>
               <a:t>Click to edit Master text styles</a:t>
             </a:r>
           </a:p>
           <a:p>
             <a:pPr lvl="1"/>
             <a:r>
-              <a:rPr lang="en-US" smtClean="0"/>
+              <a:rPr lang="en-US"/>
               <a:t>Second level</a:t>
             </a:r>
           </a:p>
           <a:p>
             <a:pPr lvl="2"/>
             <a:r>
-              <a:rPr lang="en-US" smtClean="0"/>
+              <a:rPr lang="en-US"/>
               <a:t>Third level</a:t>
             </a:r>
           </a:p>
           <a:p>
             <a:pPr lvl="3"/>
             <a:r>
-              <a:rPr lang="en-US" smtClean="0"/>
+              <a:rPr lang="en-US"/>
               <a:t>Fourth level</a:t>
             </a:r>
           </a:p>
           <a:p>
             <a:pPr lvl="4"/>
             <a:r>
-              <a:rPr lang="en-US" smtClean="0"/>
+              <a:rPr lang="en-US"/>
               <a:t>Fifth level</a:t>
             </a:r>
-            <a:endParaRPr lang="en-US"/>
           </a:p>
         </p:txBody>
       </p:sp>
@@ -2541,7 +2539,7 @@
           <a:p>
             <a:pPr lvl="0"/>
             <a:r>
-              <a:rPr lang="en-US" smtClean="0"/>
+              <a:rPr lang="en-US"/>
               <a:t>Click to edit Master text styles</a:t>
             </a:r>
           </a:p>
@@ -2564,7 +2562,7 @@
           <a:p>
             <a:fld id="{04F1D4A2-813C-F741-B481-C92B3A596030}" type="datetimeFigureOut">
               <a:rPr lang="en-US" smtClean="0"/>
-              <a:t>03-Sep-18</a:t>
+              <a:t>8/4/19</a:t>
             </a:fld>
             <a:endParaRPr lang="en-US"/>
           </a:p>
@@ -2667,10 +2665,9 @@
           </a:lstStyle>
           <a:p>
             <a:r>
-              <a:rPr lang="en-US" smtClean="0"/>
+              <a:rPr lang="en-US"/>
               <a:t>Click to edit Master title style</a:t>
             </a:r>
-            <a:endParaRPr lang="en-US"/>
           </a:p>
         </p:txBody>
       </p:sp>
@@ -2794,7 +2791,7 @@
           <a:p>
             <a:pPr lvl="0"/>
             <a:r>
-              <a:rPr lang="en-US" smtClean="0"/>
+              <a:rPr lang="en-US"/>
               <a:t>Click to edit Master text styles</a:t>
             </a:r>
           </a:p>
@@ -2817,7 +2814,7 @@
           <a:p>
             <a:fld id="{04F1D4A2-813C-F741-B481-C92B3A596030}" type="datetimeFigureOut">
               <a:rPr lang="en-US" smtClean="0"/>
-              <a:t>03-Sep-18</a:t>
+              <a:t>8/4/19</a:t>
             </a:fld>
             <a:endParaRPr lang="en-US"/>
           </a:p>
@@ -2926,10 +2923,9 @@
           <a:lstStyle/>
           <a:p>
             <a:r>
-              <a:rPr lang="en-US" dirty="0" smtClean="0"/>
+              <a:rPr lang="en-US" dirty="0"/>
               <a:t>Click to edit Master title style</a:t>
             </a:r>
-            <a:endParaRPr lang="en-US" dirty="0"/>
           </a:p>
         </p:txBody>
       </p:sp>
@@ -2960,38 +2956,37 @@
           <a:p>
             <a:pPr lvl="0"/>
             <a:r>
-              <a:rPr lang="en-US" smtClean="0"/>
+              <a:rPr lang="en-US"/>
               <a:t>Click to edit Master text styles</a:t>
             </a:r>
           </a:p>
           <a:p>
             <a:pPr lvl="1"/>
             <a:r>
-              <a:rPr lang="en-US" smtClean="0"/>
+              <a:rPr lang="en-US"/>
               <a:t>Second level</a:t>
             </a:r>
           </a:p>
           <a:p>
             <a:pPr lvl="2"/>
             <a:r>
-              <a:rPr lang="en-US" smtClean="0"/>
+              <a:rPr lang="en-US"/>
               <a:t>Third level</a:t>
             </a:r>
           </a:p>
           <a:p>
             <a:pPr lvl="3"/>
             <a:r>
-              <a:rPr lang="en-US" smtClean="0"/>
+              <a:rPr lang="en-US"/>
               <a:t>Fourth level</a:t>
             </a:r>
           </a:p>
           <a:p>
             <a:pPr lvl="4"/>
             <a:r>
-              <a:rPr lang="en-US" smtClean="0"/>
+              <a:rPr lang="en-US"/>
               <a:t>Fifth level</a:t>
             </a:r>
-            <a:endParaRPr lang="en-US"/>
           </a:p>
         </p:txBody>
       </p:sp>
@@ -3030,7 +3025,7 @@
           <a:p>
             <a:fld id="{04F1D4A2-813C-F741-B481-C92B3A596030}" type="datetimeFigureOut">
               <a:rPr lang="en-US" smtClean="0"/>
-              <a:t>03-Sep-18</a:t>
+              <a:t>8/4/19</a:t>
             </a:fld>
             <a:endParaRPr lang="en-US"/>
           </a:p>
@@ -3448,47 +3443,38 @@
         <p:spPr>
           <a:xfrm>
             <a:off x="115329" y="1122362"/>
-            <a:ext cx="12002529" cy="3612923"/>
+            <a:ext cx="12002529" cy="4355800"/>
           </a:xfrm>
         </p:spPr>
         <p:txBody>
           <a:bodyPr>
-            <a:normAutofit/>
+            <a:normAutofit fontScale="90000"/>
           </a:bodyPr>
           <a:lstStyle/>
           <a:p>
             <a:pPr algn="l"/>
             <a:r>
-              <a:rPr lang="en-US" dirty="0" smtClean="0"/>
+              <a:rPr lang="en-US" dirty="0"/>
               <a:t>Enterprise </a:t>
             </a:r>
             <a:r>
-              <a:rPr lang="en-US" dirty="0" err="1" smtClean="0"/>
+              <a:rPr lang="en-US" dirty="0" err="1"/>
               <a:t>Programmering</a:t>
             </a:r>
             <a:r>
-              <a:rPr lang="en-US" dirty="0" smtClean="0"/>
+              <a:rPr lang="en-US" dirty="0"/>
               <a:t> 2</a:t>
             </a:r>
             <a:br>
-              <a:rPr lang="en-US" dirty="0" smtClean="0"/>
+              <a:rPr lang="en-US" dirty="0"/>
             </a:br>
-            <a:r>
-              <a:rPr lang="en-US" dirty="0" smtClean="0"/>
-              <a:t/>
-            </a:r>
             <a:br>
-              <a:rPr lang="en-US" dirty="0" smtClean="0"/>
+              <a:rPr lang="en-US" dirty="0"/>
             </a:br>
             <a:r>
-              <a:rPr lang="en-US" dirty="0" smtClean="0"/>
-              <a:t>Lesson </a:t>
-            </a:r>
-            <a:r>
-              <a:rPr lang="en-US" dirty="0" smtClean="0"/>
-              <a:t>05: Wrap and Pagination</a:t>
-            </a:r>
-            <a:endParaRPr lang="en-US" dirty="0"/>
+              <a:rPr lang="en-US" dirty="0"/>
+              <a:t>Lesson 05: 3xx Redirection, Conditional Requests and Caching</a:t>
+            </a:r>
           </a:p>
         </p:txBody>
       </p:sp>
@@ -3516,14 +3502,18 @@
           <a:p>
             <a:pPr algn="r"/>
             <a:r>
-              <a:rPr lang="en-US" dirty="0" smtClean="0"/>
-              <a:t>Dr. Andrea </a:t>
-            </a:r>
-            <a:r>
-              <a:rPr lang="en-US" dirty="0" err="1" smtClean="0"/>
+              <a:rPr lang="en-US"/>
+              <a:t>Prof. </a:t>
+            </a:r>
+            <a:r>
+              <a:rPr lang="en-US" dirty="0"/>
+              <a:t>Andrea </a:t>
+            </a:r>
+            <a:r>
+              <a:rPr lang="en-US" dirty="0" err="1"/>
               <a:t>Arcuri</a:t>
             </a:r>
-            <a:endParaRPr lang="en-US" dirty="0" smtClean="0"/>
+            <a:endParaRPr lang="en-US" dirty="0"/>
           </a:p>
         </p:txBody>
       </p:sp>
@@ -3573,78 +3563,16 @@
           <a:lstStyle/>
           <a:p>
             <a:r>
-              <a:rPr lang="en-US" dirty="0" smtClean="0"/>
-              <a:t>Amount of Data</a:t>
-            </a:r>
-            <a:endParaRPr lang="en-US" dirty="0"/>
-          </a:p>
-        </p:txBody>
-      </p:sp>
-      <p:sp>
-        <p:nvSpPr>
-          <p:cNvPr id="5" name="Content Placeholder 4"/>
-          <p:cNvSpPr>
-            <a:spLocks noGrp="1"/>
-          </p:cNvSpPr>
-          <p:nvPr>
-            <p:ph idx="1"/>
-          </p:nvPr>
-        </p:nvSpPr>
-        <p:spPr>
-          <a:xfrm>
-            <a:off x="321275" y="1825624"/>
-            <a:ext cx="11738919" cy="4912927"/>
-          </a:xfrm>
-        </p:spPr>
-        <p:txBody>
-          <a:bodyPr/>
-          <a:lstStyle/>
-          <a:p>
-            <a:r>
-              <a:rPr lang="en-US" dirty="0" smtClean="0"/>
-              <a:t>Example: </a:t>
-            </a:r>
-            <a:r>
-              <a:rPr lang="en-US" b="1" dirty="0" smtClean="0"/>
-              <a:t>GET /news</a:t>
-            </a:r>
-          </a:p>
-          <a:p>
-            <a:r>
-              <a:rPr lang="en-US" dirty="0" smtClean="0"/>
-              <a:t>Return all news in database, marshalling into JSON</a:t>
-            </a:r>
-          </a:p>
-          <a:p>
-            <a:r>
-              <a:rPr lang="en-US" dirty="0" smtClean="0"/>
-              <a:t>But what if the database has 2 billion news???</a:t>
-            </a:r>
-          </a:p>
-          <a:p>
-            <a:r>
-              <a:rPr lang="en-US" dirty="0" smtClean="0"/>
-              <a:t>You do not want to return terabytes of data for a single GET…</a:t>
-            </a:r>
-          </a:p>
-          <a:p>
-            <a:r>
-              <a:rPr lang="en-US" dirty="0" smtClean="0"/>
-              <a:t>It would end up in a easy to exploit Denial-Of-Service (DOS) attack</a:t>
-            </a:r>
-          </a:p>
-          <a:p>
-            <a:pPr marL="0" indent="0">
-              <a:buNone/>
-            </a:pPr>
-            <a:endParaRPr lang="en-US" dirty="0"/>
+              <a:rPr lang="en-US" dirty="0"/>
+              <a:t>Conditional Requests</a:t>
+            </a:r>
           </a:p>
         </p:txBody>
       </p:sp>
     </p:spTree>
     <p:extLst>
       <p:ext uri="{BB962C8B-B14F-4D97-AF65-F5344CB8AC3E}">
-        <p14:creationId xmlns:p14="http://schemas.microsoft.com/office/powerpoint/2010/main" val="1580370292"/>
+        <p14:creationId xmlns:p14="http://schemas.microsoft.com/office/powerpoint/2010/main" val="786422261"/>
       </p:ext>
     </p:extLst>
   </p:cSld>
@@ -3673,7 +3601,7 @@
       </p:grpSpPr>
       <p:sp>
         <p:nvSpPr>
-          <p:cNvPr id="2" name="Title 1"/>
+          <p:cNvPr id="4" name="Title 3"/>
           <p:cNvSpPr>
             <a:spLocks noGrp="1"/>
           </p:cNvSpPr>
@@ -3683,8 +3611,8 @@
         </p:nvSpPr>
         <p:spPr>
           <a:xfrm>
-            <a:off x="335692" y="109752"/>
-            <a:ext cx="4631724" cy="1325563"/>
+            <a:off x="838200" y="365125"/>
+            <a:ext cx="10515600" cy="1325563"/>
           </a:xfrm>
         </p:spPr>
         <p:txBody>
@@ -3692,185 +3620,117 @@
           <a:lstStyle/>
           <a:p>
             <a:r>
-              <a:rPr lang="en-US" dirty="0" smtClean="0"/>
-              <a:t>Searches</a:t>
-            </a:r>
-            <a:endParaRPr lang="en-US" dirty="0"/>
-          </a:p>
-        </p:txBody>
-      </p:sp>
-      <p:pic>
-        <p:nvPicPr>
-          <p:cNvPr id="4" name="Picture 3"/>
-          <p:cNvPicPr>
-            <a:picLocks noChangeAspect="1"/>
-          </p:cNvPicPr>
-          <p:nvPr/>
-        </p:nvPicPr>
-        <p:blipFill>
-          <a:blip r:embed="rId2"/>
-          <a:stretch>
-            <a:fillRect/>
-          </a:stretch>
-        </p:blipFill>
-        <p:spPr>
-          <a:xfrm>
-            <a:off x="220067" y="1558882"/>
-            <a:ext cx="6012960" cy="3723141"/>
-          </a:xfrm>
-          <a:prstGeom prst="rect">
-            <a:avLst/>
-          </a:prstGeom>
-        </p:spPr>
-      </p:pic>
-      <p:pic>
-        <p:nvPicPr>
-          <p:cNvPr id="5" name="Picture 4"/>
-          <p:cNvPicPr>
-            <a:picLocks noChangeAspect="1"/>
-          </p:cNvPicPr>
-          <p:nvPr/>
-        </p:nvPicPr>
-        <p:blipFill>
-          <a:blip r:embed="rId3"/>
-          <a:stretch>
-            <a:fillRect/>
-          </a:stretch>
-        </p:blipFill>
-        <p:spPr>
-          <a:xfrm>
-            <a:off x="6918827" y="1558882"/>
-            <a:ext cx="5116010" cy="4661460"/>
-          </a:xfrm>
-          <a:prstGeom prst="rect">
-            <a:avLst/>
-          </a:prstGeom>
-        </p:spPr>
-      </p:pic>
-      <p:sp>
-        <p:nvSpPr>
-          <p:cNvPr id="6" name="Right Arrow 5"/>
-          <p:cNvSpPr/>
-          <p:nvPr/>
-        </p:nvSpPr>
-        <p:spPr>
-          <a:xfrm rot="19915600">
-            <a:off x="695999" y="2734111"/>
-            <a:ext cx="978408" cy="484632"/>
-          </a:xfrm>
-          <a:prstGeom prst="rightArrow">
-            <a:avLst/>
-          </a:prstGeom>
-        </p:spPr>
-        <p:style>
-          <a:lnRef idx="2">
-            <a:schemeClr val="accent1">
-              <a:shade val="50000"/>
-            </a:schemeClr>
-          </a:lnRef>
-          <a:fillRef idx="1">
-            <a:schemeClr val="accent1"/>
-          </a:fillRef>
-          <a:effectRef idx="0">
-            <a:schemeClr val="accent1"/>
-          </a:effectRef>
-          <a:fontRef idx="minor">
-            <a:schemeClr val="lt1"/>
-          </a:fontRef>
-        </p:style>
-        <p:txBody>
-          <a:bodyPr rtlCol="0" anchor="ctr"/>
-          <a:lstStyle/>
-          <a:p>
-            <a:pPr algn="ctr"/>
-            <a:endParaRPr lang="en-US"/>
-          </a:p>
-        </p:txBody>
-      </p:sp>
-      <p:sp>
-        <p:nvSpPr>
-          <p:cNvPr id="7" name="Right Arrow 6"/>
-          <p:cNvSpPr/>
-          <p:nvPr/>
-        </p:nvSpPr>
-        <p:spPr>
-          <a:xfrm rot="12812276">
-            <a:off x="11105535" y="6136240"/>
-            <a:ext cx="978408" cy="484632"/>
-          </a:xfrm>
-          <a:prstGeom prst="rightArrow">
-            <a:avLst/>
-          </a:prstGeom>
-        </p:spPr>
-        <p:style>
-          <a:lnRef idx="2">
-            <a:schemeClr val="accent1">
-              <a:shade val="50000"/>
-            </a:schemeClr>
-          </a:lnRef>
-          <a:fillRef idx="1">
-            <a:schemeClr val="accent1"/>
-          </a:fillRef>
-          <a:effectRef idx="0">
-            <a:schemeClr val="accent1"/>
-          </a:effectRef>
-          <a:fontRef idx="minor">
-            <a:schemeClr val="lt1"/>
-          </a:fontRef>
-        </p:style>
-        <p:txBody>
-          <a:bodyPr rtlCol="0" anchor="ctr"/>
-          <a:lstStyle/>
-          <a:p>
-            <a:pPr algn="ctr"/>
-            <a:endParaRPr lang="en-US"/>
-          </a:p>
-        </p:txBody>
-      </p:sp>
-      <p:sp>
-        <p:nvSpPr>
-          <p:cNvPr id="8" name="Right Arrow 7"/>
-          <p:cNvSpPr/>
-          <p:nvPr/>
-        </p:nvSpPr>
-        <p:spPr>
-          <a:xfrm rot="19991254">
-            <a:off x="7077075" y="6100915"/>
-            <a:ext cx="978408" cy="484632"/>
-          </a:xfrm>
-          <a:prstGeom prst="rightArrow">
-            <a:avLst/>
-          </a:prstGeom>
-        </p:spPr>
-        <p:style>
-          <a:lnRef idx="2">
-            <a:schemeClr val="accent1">
-              <a:shade val="50000"/>
-            </a:schemeClr>
-          </a:lnRef>
-          <a:fillRef idx="1">
-            <a:schemeClr val="accent1"/>
-          </a:fillRef>
-          <a:effectRef idx="0">
-            <a:schemeClr val="accent1"/>
-          </a:effectRef>
-          <a:fontRef idx="minor">
-            <a:schemeClr val="lt1"/>
-          </a:fontRef>
-        </p:style>
-        <p:txBody>
-          <a:bodyPr rtlCol="0" anchor="ctr"/>
-          <a:lstStyle/>
-          <a:p>
-            <a:pPr algn="ctr"/>
-            <a:endParaRPr lang="en-US"/>
+              <a:rPr lang="en-US" dirty="0"/>
+              <a:t>GET The Same Data </a:t>
+            </a:r>
+          </a:p>
+        </p:txBody>
+      </p:sp>
+      <p:sp>
+        <p:nvSpPr>
+          <p:cNvPr id="5" name="Content Placeholder 4"/>
+          <p:cNvSpPr>
+            <a:spLocks noGrp="1"/>
+          </p:cNvSpPr>
+          <p:nvPr>
+            <p:ph idx="1"/>
+          </p:nvPr>
+        </p:nvSpPr>
+        <p:spPr>
+          <a:xfrm>
+            <a:off x="304799" y="1690688"/>
+            <a:ext cx="11631827" cy="5080815"/>
+          </a:xfrm>
+        </p:spPr>
+        <p:txBody>
+          <a:bodyPr>
+            <a:normAutofit/>
+          </a:bodyPr>
+          <a:lstStyle/>
+          <a:p>
+            <a:r>
+              <a:rPr lang="en-US" dirty="0"/>
+              <a:t>It is not uncommon to do GET on the same endpoints, several times</a:t>
+            </a:r>
+          </a:p>
+          <a:p>
+            <a:r>
+              <a:rPr lang="en-US" dirty="0" err="1"/>
+              <a:t>Eg</a:t>
+            </a:r>
+            <a:r>
+              <a:rPr lang="en-US" dirty="0"/>
+              <a:t>, think of home pages of sites you visit often</a:t>
+            </a:r>
+          </a:p>
+          <a:p>
+            <a:pPr lvl="1"/>
+            <a:r>
+              <a:rPr lang="en-US" i="1" dirty="0"/>
+              <a:t>google.com</a:t>
+            </a:r>
+            <a:r>
+              <a:rPr lang="en-US" dirty="0"/>
+              <a:t>, </a:t>
+            </a:r>
+            <a:r>
+              <a:rPr lang="en-US" i="1" dirty="0"/>
+              <a:t>facebook.com</a:t>
+            </a:r>
+            <a:r>
+              <a:rPr lang="en-US" dirty="0"/>
+              <a:t>, etc.</a:t>
+            </a:r>
+          </a:p>
+          <a:p>
+            <a:r>
+              <a:rPr lang="en-US" dirty="0"/>
+              <a:t>You still need to make a GET, but then could save on </a:t>
+            </a:r>
+            <a:r>
+              <a:rPr lang="en-US" i="1" dirty="0"/>
+              <a:t>bandwidth</a:t>
+            </a:r>
+            <a:r>
+              <a:rPr lang="en-US" dirty="0"/>
+              <a:t> if server says previous response is still </a:t>
+            </a:r>
+            <a:r>
+              <a:rPr lang="en-US" i="1" dirty="0"/>
+              <a:t>valid</a:t>
+            </a:r>
+          </a:p>
+          <a:p>
+            <a:pPr lvl="1"/>
+            <a:r>
+              <a:rPr lang="en-US" dirty="0"/>
+              <a:t>and so not provide payload in HTTP response body </a:t>
+            </a:r>
+          </a:p>
+          <a:p>
+            <a:r>
+              <a:rPr lang="en-US" dirty="0"/>
+              <a:t>However, need to save previous response somewhere, </a:t>
+            </a:r>
+            <a:r>
+              <a:rPr lang="en-US" dirty="0" err="1"/>
+              <a:t>eg</a:t>
+            </a:r>
+            <a:r>
+              <a:rPr lang="en-US" dirty="0"/>
+              <a:t> a </a:t>
+            </a:r>
+            <a:r>
+              <a:rPr lang="en-US" i="1" dirty="0"/>
+              <a:t>cache</a:t>
+            </a:r>
           </a:p>
         </p:txBody>
       </p:sp>
     </p:spTree>
     <p:extLst>
       <p:ext uri="{BB962C8B-B14F-4D97-AF65-F5344CB8AC3E}">
-        <p14:creationId xmlns:p14="http://schemas.microsoft.com/office/powerpoint/2010/main" val="3082396223"/>
+        <p14:creationId xmlns:p14="http://schemas.microsoft.com/office/powerpoint/2010/main" val="1954393428"/>
       </p:ext>
     </p:extLst>
   </p:cSld>
@@ -3913,10 +3773,9 @@
           <a:lstStyle/>
           <a:p>
             <a:r>
-              <a:rPr lang="en-US" dirty="0" smtClean="0"/>
-              <a:t>Page</a:t>
-            </a:r>
-            <a:endParaRPr lang="en-US" dirty="0"/>
+              <a:rPr lang="en-US" dirty="0"/>
+              <a:t>Response Validity</a:t>
+            </a:r>
           </a:p>
         </p:txBody>
       </p:sp>
@@ -3932,8 +3791,8 @@
         </p:nvSpPr>
         <p:spPr>
           <a:xfrm>
-            <a:off x="222422" y="1825624"/>
-            <a:ext cx="11763632" cy="4888213"/>
+            <a:off x="255373" y="1825624"/>
+            <a:ext cx="11763632" cy="4863500"/>
           </a:xfrm>
         </p:spPr>
         <p:txBody>
@@ -3941,79 +3800,60 @@
           <a:lstStyle/>
           <a:p>
             <a:r>
-              <a:rPr lang="en-US" dirty="0" smtClean="0"/>
-              <a:t>Instead of billions of elements, just return a single </a:t>
-            </a:r>
-            <a:r>
-              <a:rPr lang="en-US" i="1" dirty="0" smtClean="0"/>
-              <a:t>Page</a:t>
-            </a:r>
-          </a:p>
-          <a:p>
-            <a:r>
-              <a:rPr lang="en-US" dirty="0" smtClean="0"/>
-              <a:t>A </a:t>
-            </a:r>
-            <a:r>
-              <a:rPr lang="en-US" i="1" dirty="0" smtClean="0"/>
-              <a:t>Page</a:t>
-            </a:r>
-            <a:r>
-              <a:rPr lang="en-US" dirty="0" smtClean="0"/>
-              <a:t> will contain </a:t>
-            </a:r>
-            <a:r>
-              <a:rPr lang="en-US" i="1" dirty="0" smtClean="0"/>
-              <a:t>n</a:t>
-            </a:r>
-            <a:r>
-              <a:rPr lang="en-US" dirty="0" smtClean="0"/>
-              <a:t> elements (</a:t>
-            </a:r>
-            <a:r>
-              <a:rPr lang="en-US" dirty="0" err="1" smtClean="0"/>
-              <a:t>eg</a:t>
-            </a:r>
-            <a:r>
-              <a:rPr lang="en-US" dirty="0" smtClean="0"/>
-              <a:t> 10 or 20) from the collection</a:t>
-            </a:r>
-          </a:p>
-          <a:p>
-            <a:r>
-              <a:rPr lang="en-US" dirty="0" smtClean="0"/>
-              <a:t>It will have information on the </a:t>
-            </a:r>
-            <a:r>
-              <a:rPr lang="en-US" i="1" dirty="0" smtClean="0"/>
-              <a:t>previous </a:t>
-            </a:r>
-            <a:r>
-              <a:rPr lang="en-US" dirty="0" smtClean="0"/>
-              <a:t>and the </a:t>
-            </a:r>
-            <a:r>
-              <a:rPr lang="en-US" i="1" dirty="0" smtClean="0"/>
-              <a:t>next</a:t>
-            </a:r>
-            <a:r>
-              <a:rPr lang="en-US" dirty="0" smtClean="0"/>
-              <a:t> page</a:t>
-            </a:r>
-          </a:p>
-          <a:p>
-            <a:r>
-              <a:rPr lang="en-US" dirty="0" smtClean="0"/>
-              <a:t>If you want, can iterate over the whole collection by checking one page at a time, following the </a:t>
-            </a:r>
-            <a:r>
-              <a:rPr lang="en-US" i="1" dirty="0" smtClean="0"/>
-              <a:t>next</a:t>
-            </a:r>
-            <a:r>
-              <a:rPr lang="en-US" dirty="0" smtClean="0"/>
-              <a:t> links</a:t>
-            </a:r>
+              <a:rPr lang="en-US" dirty="0"/>
+              <a:t>2 ways to specify validity, using HTTP Headers</a:t>
+            </a:r>
+          </a:p>
+          <a:p>
+            <a:r>
+              <a:rPr lang="en-US" i="1" dirty="0"/>
+              <a:t>Last-modified</a:t>
+            </a:r>
+            <a:r>
+              <a:rPr lang="en-US" dirty="0"/>
+              <a:t>: tells when the resource was last modified</a:t>
+            </a:r>
+          </a:p>
+          <a:p>
+            <a:pPr lvl="1"/>
+            <a:r>
+              <a:rPr lang="en-US" dirty="0"/>
+              <a:t>the clock is based on the server, NOT the client</a:t>
+            </a:r>
+          </a:p>
+          <a:p>
+            <a:r>
+              <a:rPr lang="en-US" i="1" dirty="0" err="1"/>
+              <a:t>ETag</a:t>
+            </a:r>
+            <a:r>
+              <a:rPr lang="en-US" dirty="0"/>
+              <a:t>: a unique string identifier representing the current status of the resource</a:t>
+            </a:r>
+          </a:p>
+          <a:p>
+            <a:pPr lvl="1"/>
+            <a:r>
+              <a:rPr lang="en-US" dirty="0"/>
+              <a:t>if the state of the resource changes, then the </a:t>
+            </a:r>
+            <a:r>
+              <a:rPr lang="en-US" dirty="0" err="1"/>
+              <a:t>ETag</a:t>
+            </a:r>
+            <a:r>
+              <a:rPr lang="en-US" dirty="0"/>
+              <a:t> should change as well</a:t>
+            </a:r>
+          </a:p>
+          <a:p>
+            <a:pPr lvl="1"/>
+            <a:r>
+              <a:rPr lang="en-US" dirty="0"/>
+              <a:t>could be computed as a hash of the response</a:t>
+            </a:r>
+          </a:p>
+          <a:p>
             <a:endParaRPr lang="en-US" dirty="0"/>
           </a:p>
         </p:txBody>
@@ -4021,7 +3861,7 @@
     </p:spTree>
     <p:extLst>
       <p:ext uri="{BB962C8B-B14F-4D97-AF65-F5344CB8AC3E}">
-        <p14:creationId xmlns:p14="http://schemas.microsoft.com/office/powerpoint/2010/main" val="2930635211"/>
+        <p14:creationId xmlns:p14="http://schemas.microsoft.com/office/powerpoint/2010/main" val="1865537663"/>
       </p:ext>
     </p:extLst>
   </p:cSld>
@@ -4050,6 +3890,28 @@
       </p:grpSpPr>
       <p:sp>
         <p:nvSpPr>
+          <p:cNvPr id="2" name="Title 1"/>
+          <p:cNvSpPr>
+            <a:spLocks noGrp="1"/>
+          </p:cNvSpPr>
+          <p:nvPr>
+            <p:ph type="title"/>
+          </p:nvPr>
+        </p:nvSpPr>
+        <p:spPr/>
+        <p:txBody>
+          <a:bodyPr/>
+          <a:lstStyle/>
+          <a:p>
+            <a:r>
+              <a:rPr lang="en-US" dirty="0"/>
+              <a:t>Last-Modified</a:t>
+            </a:r>
+          </a:p>
+        </p:txBody>
+      </p:sp>
+      <p:sp>
+        <p:nvSpPr>
           <p:cNvPr id="3" name="Content Placeholder 2"/>
           <p:cNvSpPr>
             <a:spLocks noGrp="1"/>
@@ -4060,324 +3922,59 @@
         </p:nvSpPr>
         <p:spPr>
           <a:xfrm>
-            <a:off x="148281" y="156519"/>
-            <a:ext cx="11755395" cy="6507892"/>
-          </a:xfrm>
-        </p:spPr>
-        <p:txBody>
-          <a:bodyPr>
-            <a:normAutofit/>
-          </a:bodyPr>
-          <a:lstStyle/>
-          <a:p>
-            <a:pPr marL="0" indent="0">
-              <a:buNone/>
-            </a:pPr>
-            <a:r>
-              <a:rPr lang="en-US" dirty="0" err="1" smtClean="0"/>
-              <a:t>dto</a:t>
-            </a:r>
-            <a:r>
-              <a:rPr lang="en-US" dirty="0" smtClean="0"/>
-              <a:t> = {  “</a:t>
-            </a:r>
-            <a:r>
-              <a:rPr lang="en-US" b="1" dirty="0" smtClean="0"/>
-              <a:t>list</a:t>
-            </a:r>
-            <a:r>
-              <a:rPr lang="en-US" dirty="0" smtClean="0"/>
-              <a:t>”: [ … ],    </a:t>
-            </a:r>
-            <a:r>
-              <a:rPr lang="en-US" i="1" dirty="0" smtClean="0"/>
-              <a:t>//the actual payload</a:t>
-            </a:r>
-          </a:p>
-          <a:p>
-            <a:pPr marL="0" indent="0">
-              <a:buNone/>
-            </a:pPr>
+            <a:off x="296561" y="1825625"/>
+            <a:ext cx="11763633" cy="4921164"/>
+          </a:xfrm>
+        </p:spPr>
+        <p:txBody>
+          <a:bodyPr/>
+          <a:lstStyle/>
+          <a:p>
+            <a:r>
+              <a:rPr lang="en-US" dirty="0"/>
+              <a:t>Usually easy to compute</a:t>
+            </a:r>
+          </a:p>
+          <a:p>
+            <a:r>
+              <a:rPr lang="en-US" dirty="0"/>
+              <a:t>But need to be stored somewhere on the server </a:t>
+            </a:r>
+          </a:p>
+          <a:p>
+            <a:pPr lvl="1"/>
+            <a:r>
+              <a:rPr lang="en-US" dirty="0" err="1"/>
+              <a:t>eg</a:t>
+            </a:r>
+            <a:r>
+              <a:rPr lang="en-US" dirty="0"/>
+              <a:t>, an extra column in the database tables</a:t>
+            </a:r>
+          </a:p>
+          <a:p>
+            <a:r>
+              <a:rPr lang="en-US" dirty="0"/>
+              <a:t>Issue: HTTP Date resolution is based on </a:t>
+            </a:r>
             <a:r>
               <a:rPr lang="en-US" i="1" dirty="0"/>
-              <a:t> </a:t>
-            </a:r>
-            <a:r>
-              <a:rPr lang="en-US" i="1" dirty="0" smtClean="0"/>
-              <a:t>  </a:t>
-            </a:r>
-            <a:r>
-              <a:rPr lang="en-US" dirty="0" smtClean="0"/>
-              <a:t>           “</a:t>
-            </a:r>
-            <a:r>
-              <a:rPr lang="en-US" b="1" dirty="0" err="1" smtClean="0"/>
-              <a:t>rangeMin</a:t>
-            </a:r>
-            <a:r>
-              <a:rPr lang="en-US" dirty="0" smtClean="0"/>
-              <a:t>”: 40,</a:t>
-            </a:r>
-          </a:p>
-          <a:p>
-            <a:pPr marL="0" indent="0">
-              <a:buNone/>
-            </a:pPr>
-            <a:r>
-              <a:rPr lang="en-US" i="1" dirty="0"/>
-              <a:t> </a:t>
-            </a:r>
-            <a:r>
-              <a:rPr lang="en-US" i="1" dirty="0" smtClean="0"/>
-              <a:t>             </a:t>
-            </a:r>
-            <a:r>
-              <a:rPr lang="en-US" dirty="0" smtClean="0"/>
-              <a:t>“</a:t>
-            </a:r>
-            <a:r>
-              <a:rPr lang="en-US" b="1" dirty="0" err="1" smtClean="0"/>
-              <a:t>rangeMax</a:t>
-            </a:r>
-            <a:r>
-              <a:rPr lang="en-US" dirty="0" smtClean="0"/>
-              <a:t>”: 49,   </a:t>
-            </a:r>
-            <a:r>
-              <a:rPr lang="en-US" i="1" dirty="0" smtClean="0"/>
-              <a:t>//so, 10 element pages</a:t>
-            </a:r>
-          </a:p>
-          <a:p>
-            <a:pPr marL="0" indent="0">
-              <a:buNone/>
-            </a:pPr>
-            <a:r>
-              <a:rPr lang="en-US" i="1" dirty="0"/>
-              <a:t> </a:t>
-            </a:r>
-            <a:r>
-              <a:rPr lang="en-US" i="1" dirty="0" smtClean="0"/>
-              <a:t>             “</a:t>
-            </a:r>
-            <a:r>
-              <a:rPr lang="en-US" b="1" i="1" dirty="0" err="1" smtClean="0"/>
-              <a:t>totalSize</a:t>
-            </a:r>
-            <a:r>
-              <a:rPr lang="en-US" i="1" dirty="0" smtClean="0"/>
-              <a:t>”: 66400000, </a:t>
-            </a:r>
-          </a:p>
-          <a:p>
-            <a:pPr marL="0" indent="0">
-              <a:buNone/>
-            </a:pPr>
-            <a:r>
-              <a:rPr lang="en-US" i="1" dirty="0"/>
-              <a:t> </a:t>
-            </a:r>
-            <a:r>
-              <a:rPr lang="en-US" i="1" dirty="0" smtClean="0"/>
-              <a:t>             “</a:t>
-            </a:r>
-            <a:r>
-              <a:rPr lang="en-US" b="1" i="1" dirty="0" smtClean="0"/>
-              <a:t>_links</a:t>
-            </a:r>
-            <a:r>
-              <a:rPr lang="en-US" i="1" dirty="0" smtClean="0"/>
-              <a:t>”:[</a:t>
-            </a:r>
-          </a:p>
-          <a:p>
-            <a:pPr marL="0" indent="0">
-              <a:buNone/>
-            </a:pPr>
-            <a:r>
-              <a:rPr lang="en-US" i="1" dirty="0"/>
-              <a:t> </a:t>
-            </a:r>
-            <a:r>
-              <a:rPr lang="en-US" i="1" dirty="0" smtClean="0"/>
-              <a:t>                  “</a:t>
-            </a:r>
-            <a:r>
-              <a:rPr lang="en-US" b="1" i="1" dirty="0" smtClean="0"/>
-              <a:t>next</a:t>
-            </a:r>
-            <a:r>
-              <a:rPr lang="en-US" i="1" dirty="0" smtClean="0"/>
-              <a:t>”: {“</a:t>
-            </a:r>
-            <a:r>
-              <a:rPr lang="en-US" i="1" dirty="0" err="1" smtClean="0"/>
-              <a:t>href</a:t>
-            </a:r>
-            <a:r>
-              <a:rPr lang="en-US" i="1" dirty="0" smtClean="0"/>
-              <a:t>”: “/</a:t>
-            </a:r>
-            <a:r>
-              <a:rPr lang="en-US" i="1" dirty="0" err="1" smtClean="0"/>
-              <a:t>news?</a:t>
-            </a:r>
-            <a:r>
-              <a:rPr lang="en-US" b="1" i="1" dirty="0" err="1" smtClean="0"/>
-              <a:t>offset</a:t>
-            </a:r>
-            <a:r>
-              <a:rPr lang="en-US" i="1" dirty="0" smtClean="0"/>
-              <a:t>=50&amp;</a:t>
-            </a:r>
-            <a:r>
-              <a:rPr lang="en-US" b="1" i="1" dirty="0" smtClean="0"/>
-              <a:t>limit</a:t>
-            </a:r>
-            <a:r>
-              <a:rPr lang="en-US" i="1" dirty="0" smtClean="0"/>
-              <a:t>=10”},</a:t>
-            </a:r>
-          </a:p>
-          <a:p>
-            <a:pPr marL="0" indent="0">
-              <a:buNone/>
-            </a:pPr>
-            <a:r>
-              <a:rPr lang="en-US" i="1" dirty="0" smtClean="0"/>
-              <a:t>                   “</a:t>
-            </a:r>
-            <a:r>
-              <a:rPr lang="en-US" b="1" i="1" dirty="0" smtClean="0"/>
-              <a:t>self</a:t>
-            </a:r>
-            <a:r>
-              <a:rPr lang="en-US" i="1" dirty="0" smtClean="0"/>
-              <a:t>”: </a:t>
-            </a:r>
-            <a:r>
-              <a:rPr lang="en-US" i="1" dirty="0"/>
-              <a:t>{“</a:t>
-            </a:r>
-            <a:r>
-              <a:rPr lang="en-US" i="1" dirty="0" err="1"/>
-              <a:t>href</a:t>
-            </a:r>
-            <a:r>
-              <a:rPr lang="en-US" i="1" dirty="0"/>
-              <a:t>”: </a:t>
-            </a:r>
-            <a:r>
-              <a:rPr lang="en-US" i="1" dirty="0" smtClean="0"/>
-              <a:t>“/</a:t>
-            </a:r>
-            <a:r>
-              <a:rPr lang="en-US" i="1" dirty="0" err="1" smtClean="0"/>
-              <a:t>news?</a:t>
-            </a:r>
-            <a:r>
-              <a:rPr lang="en-US" b="1" i="1" dirty="0" err="1" smtClean="0"/>
-              <a:t>offset</a:t>
-            </a:r>
-            <a:r>
-              <a:rPr lang="en-US" i="1" dirty="0" smtClean="0"/>
-              <a:t>=40&amp;</a:t>
-            </a:r>
-            <a:r>
-              <a:rPr lang="en-US" b="1" i="1" dirty="0" smtClean="0"/>
-              <a:t>limit</a:t>
-            </a:r>
-            <a:r>
-              <a:rPr lang="en-US" i="1" dirty="0" smtClean="0"/>
-              <a:t>=10”},</a:t>
-            </a:r>
-          </a:p>
-          <a:p>
-            <a:pPr marL="0" indent="0">
-              <a:buNone/>
-            </a:pPr>
-            <a:r>
-              <a:rPr lang="en-US" i="1" dirty="0"/>
-              <a:t> </a:t>
-            </a:r>
-            <a:r>
-              <a:rPr lang="en-US" i="1" dirty="0" smtClean="0"/>
-              <a:t>                  “</a:t>
-            </a:r>
-            <a:r>
-              <a:rPr lang="en-US" b="1" i="1" dirty="0" smtClean="0"/>
-              <a:t>previous</a:t>
-            </a:r>
-            <a:r>
-              <a:rPr lang="en-US" i="1" dirty="0" smtClean="0"/>
-              <a:t>”</a:t>
-            </a:r>
-            <a:r>
-              <a:rPr lang="en-US" i="1" dirty="0"/>
-              <a:t> : {“</a:t>
-            </a:r>
-            <a:r>
-              <a:rPr lang="en-US" i="1" dirty="0" err="1"/>
-              <a:t>href</a:t>
-            </a:r>
-            <a:r>
-              <a:rPr lang="en-US" i="1" dirty="0"/>
-              <a:t>”: </a:t>
-            </a:r>
-            <a:r>
-              <a:rPr lang="en-US" i="1" dirty="0" smtClean="0"/>
-              <a:t>“/</a:t>
-            </a:r>
-            <a:r>
-              <a:rPr lang="en-US" i="1" dirty="0" err="1" smtClean="0"/>
-              <a:t>news?</a:t>
-            </a:r>
-            <a:r>
-              <a:rPr lang="en-US" b="1" i="1" dirty="0" err="1" smtClean="0"/>
-              <a:t>offset</a:t>
-            </a:r>
-            <a:r>
-              <a:rPr lang="en-US" i="1" dirty="0" smtClean="0"/>
-              <a:t>=30&amp;</a:t>
-            </a:r>
-            <a:r>
-              <a:rPr lang="en-US" b="1" i="1" dirty="0" smtClean="0"/>
-              <a:t>limit</a:t>
-            </a:r>
-            <a:r>
-              <a:rPr lang="en-US" i="1" dirty="0" smtClean="0"/>
-              <a:t>=10”},</a:t>
-            </a:r>
-          </a:p>
-          <a:p>
-            <a:pPr marL="0" indent="0">
-              <a:buNone/>
-            </a:pPr>
-            <a:r>
-              <a:rPr lang="en-US" i="1" dirty="0"/>
-              <a:t> </a:t>
-            </a:r>
-            <a:r>
-              <a:rPr lang="en-US" i="1" dirty="0" smtClean="0"/>
-              <a:t>             ]</a:t>
-            </a:r>
-          </a:p>
-          <a:p>
-            <a:pPr marL="0" indent="0">
-              <a:buNone/>
-            </a:pPr>
-            <a:r>
-              <a:rPr lang="en-US" i="1" dirty="0" smtClean="0"/>
-              <a:t>          }</a:t>
-            </a:r>
-            <a:endParaRPr lang="en-US" i="1" dirty="0"/>
+              <a:t>seconds</a:t>
+            </a:r>
+          </a:p>
+          <a:p>
+            <a:pPr lvl="1"/>
+            <a:r>
+              <a:rPr lang="en-US" dirty="0"/>
+              <a:t>if several updates in the same second, might lose the most recent ones</a:t>
+            </a:r>
           </a:p>
         </p:txBody>
       </p:sp>
     </p:spTree>
     <p:extLst>
       <p:ext uri="{BB962C8B-B14F-4D97-AF65-F5344CB8AC3E}">
-        <p14:creationId xmlns:p14="http://schemas.microsoft.com/office/powerpoint/2010/main" val="1914574474"/>
+        <p14:creationId xmlns:p14="http://schemas.microsoft.com/office/powerpoint/2010/main" val="2657557742"/>
       </p:ext>
     </p:extLst>
   </p:cSld>
@@ -4420,8 +4017,8 @@
           <a:lstStyle/>
           <a:p>
             <a:r>
-              <a:rPr lang="en-US" dirty="0" smtClean="0"/>
-              <a:t>Offset/Limit</a:t>
+              <a:rPr lang="en-US" dirty="0" err="1"/>
+              <a:t>ETag</a:t>
             </a:r>
             <a:endParaRPr lang="en-US" dirty="0"/>
           </a:p>
@@ -4439,8 +4036,8 @@
         </p:nvSpPr>
         <p:spPr>
           <a:xfrm>
-            <a:off x="321276" y="1825625"/>
-            <a:ext cx="11648302" cy="4838786"/>
+            <a:off x="255373" y="1825624"/>
+            <a:ext cx="11763632" cy="4855261"/>
           </a:xfrm>
         </p:spPr>
         <p:txBody>
@@ -4448,77 +4045,51 @@
           <a:lstStyle/>
           <a:p>
             <a:r>
-              <a:rPr lang="en-US" dirty="0" smtClean="0"/>
-              <a:t>When dealing with large collections, need a way to specify the boundaries of a </a:t>
-            </a:r>
-            <a:r>
-              <a:rPr lang="en-US" i="1" dirty="0" smtClean="0"/>
-              <a:t>Page</a:t>
-            </a:r>
-          </a:p>
-          <a:p>
-            <a:r>
-              <a:rPr lang="en-US" dirty="0" smtClean="0"/>
-              <a:t>Example: </a:t>
-            </a:r>
-            <a:r>
-              <a:rPr lang="en-US" i="1" dirty="0" smtClean="0"/>
-              <a:t>GET /</a:t>
-            </a:r>
-            <a:r>
-              <a:rPr lang="en-US" i="1" dirty="0" err="1" smtClean="0"/>
-              <a:t>news?</a:t>
-            </a:r>
-            <a:r>
-              <a:rPr lang="en-US" b="1" i="1" dirty="0" err="1" smtClean="0"/>
-              <a:t>offset</a:t>
-            </a:r>
-            <a:r>
-              <a:rPr lang="en-US" i="1" dirty="0" smtClean="0"/>
-              <a:t>=40&amp;</a:t>
-            </a:r>
-            <a:r>
-              <a:rPr lang="en-US" b="1" i="1" dirty="0" smtClean="0"/>
-              <a:t>limit</a:t>
-            </a:r>
-            <a:r>
-              <a:rPr lang="en-US" i="1" dirty="0" smtClean="0"/>
-              <a:t>=10</a:t>
-            </a:r>
-            <a:endParaRPr lang="en-US" dirty="0" smtClean="0"/>
-          </a:p>
-          <a:p>
-            <a:r>
-              <a:rPr lang="en-US" i="1" dirty="0" smtClean="0"/>
-              <a:t>Offset</a:t>
-            </a:r>
-            <a:r>
-              <a:rPr lang="en-US" dirty="0" smtClean="0"/>
-              <a:t>: given the collection sorted like an array, this would be the starting index </a:t>
+              <a:rPr lang="en-US" dirty="0"/>
+              <a:t>As being a unique identifier, it is more precise than Last-Modified</a:t>
+            </a:r>
+          </a:p>
+          <a:p>
+            <a:r>
+              <a:rPr lang="en-US" dirty="0"/>
+              <a:t>But not always easy to define what to use as unique identifier for a resource</a:t>
+            </a:r>
+          </a:p>
+          <a:p>
+            <a:r>
+              <a:rPr lang="en-US" dirty="0"/>
+              <a:t>A </a:t>
             </a:r>
             <a:r>
               <a:rPr lang="en-US" i="1" dirty="0"/>
-              <a:t>i</a:t>
-            </a:r>
-            <a:endParaRPr lang="en-US" i="1" dirty="0" smtClean="0"/>
-          </a:p>
-          <a:p>
-            <a:r>
-              <a:rPr lang="en-US" i="1" dirty="0" smtClean="0"/>
-              <a:t>Limit: </a:t>
-            </a:r>
-            <a:r>
-              <a:rPr lang="en-US" dirty="0" smtClean="0"/>
-              <a:t>starting from the offset, how many elements to return</a:t>
-            </a:r>
-            <a:endParaRPr lang="en-US" i="1" dirty="0"/>
+              <a:t>hash </a:t>
+            </a:r>
+            <a:r>
+              <a:rPr lang="en-US" dirty="0"/>
+              <a:t>can be used (</a:t>
+            </a:r>
+            <a:r>
+              <a:rPr lang="en-US" dirty="0" err="1"/>
+              <a:t>eg</a:t>
+            </a:r>
+            <a:r>
+              <a:rPr lang="en-US" dirty="0"/>
+              <a:t> MD5), but there is always the risk of a potential collision</a:t>
+            </a:r>
+          </a:p>
+          <a:p>
+            <a:pPr lvl="1"/>
+            <a:r>
+              <a:rPr lang="en-US" dirty="0"/>
+              <a:t>albeit probability should be very low</a:t>
+            </a:r>
           </a:p>
         </p:txBody>
       </p:sp>
     </p:spTree>
     <p:extLst>
       <p:ext uri="{BB962C8B-B14F-4D97-AF65-F5344CB8AC3E}">
-        <p14:creationId xmlns:p14="http://schemas.microsoft.com/office/powerpoint/2010/main" val="2884338859"/>
+        <p14:creationId xmlns:p14="http://schemas.microsoft.com/office/powerpoint/2010/main" val="2370305942"/>
       </p:ext>
     </p:extLst>
   </p:cSld>
@@ -4561,10 +4132,9 @@
           <a:lstStyle/>
           <a:p>
             <a:r>
-              <a:rPr lang="en-US" dirty="0" smtClean="0"/>
-              <a:t>Links</a:t>
-            </a:r>
-            <a:endParaRPr lang="en-US" dirty="0"/>
+              <a:rPr lang="en-US" dirty="0"/>
+              <a:t>Conditional GET Requests</a:t>
+            </a:r>
           </a:p>
         </p:txBody>
       </p:sp>
@@ -4580,8 +4150,8 @@
         </p:nvSpPr>
         <p:spPr>
           <a:xfrm>
-            <a:off x="444843" y="1825625"/>
-            <a:ext cx="11500022" cy="4822310"/>
+            <a:off x="304799" y="1825624"/>
+            <a:ext cx="11623589" cy="4797597"/>
           </a:xfrm>
         </p:spPr>
         <p:txBody>
@@ -4589,54 +4159,77 @@
           <a:lstStyle/>
           <a:p>
             <a:r>
-              <a:rPr lang="en-US" dirty="0" smtClean="0"/>
-              <a:t>To access the next/previous pages, can compute the needed offsets/limits</a:t>
-            </a:r>
-          </a:p>
-          <a:p>
-            <a:r>
-              <a:rPr lang="en-US" dirty="0" smtClean="0"/>
-              <a:t>Or, we could just provide valid URLs in the JSON responses with “</a:t>
-            </a:r>
-            <a:r>
-              <a:rPr lang="en-US" i="1" dirty="0" smtClean="0"/>
-              <a:t>links</a:t>
-            </a:r>
-            <a:r>
-              <a:rPr lang="en-US" dirty="0" smtClean="0"/>
-              <a:t>” to those pages</a:t>
-            </a:r>
-          </a:p>
-          <a:p>
-            <a:r>
-              <a:rPr lang="en-US" dirty="0" smtClean="0"/>
-              <a:t>This is an instance of HATEOAS</a:t>
-            </a:r>
-          </a:p>
-          <a:p>
-            <a:pPr lvl="1"/>
+              <a:rPr lang="en-US" dirty="0"/>
+              <a:t>HTTP Headers </a:t>
+            </a:r>
             <a:r>
               <a:rPr lang="en-US" i="1" dirty="0"/>
-              <a:t>Hypermedia as the Engine of Application </a:t>
-            </a:r>
-            <a:r>
-              <a:rPr lang="en-US" i="1" dirty="0" smtClean="0"/>
-              <a:t>State</a:t>
-            </a:r>
-          </a:p>
-          <a:p>
-            <a:r>
-              <a:rPr lang="en-US" dirty="0" smtClean="0"/>
-              <a:t>Easier to navigate</a:t>
-            </a:r>
-            <a:endParaRPr lang="en-US" dirty="0"/>
+              <a:t>If-None-Match</a:t>
+            </a:r>
+            <a:r>
+              <a:rPr lang="en-US" dirty="0"/>
+              <a:t> and </a:t>
+            </a:r>
+            <a:r>
+              <a:rPr lang="en-US" i="1" dirty="0"/>
+              <a:t>If-Modified-Since</a:t>
+            </a:r>
+          </a:p>
+          <a:p>
+            <a:r>
+              <a:rPr lang="en-US" b="1" i="1" dirty="0"/>
+              <a:t>If-None-Match</a:t>
+            </a:r>
+            <a:r>
+              <a:rPr lang="en-US" dirty="0"/>
+              <a:t>: send the previously obtained </a:t>
+            </a:r>
+            <a:r>
+              <a:rPr lang="en-US" dirty="0" err="1"/>
+              <a:t>ETag</a:t>
+            </a:r>
+            <a:r>
+              <a:rPr lang="en-US" dirty="0"/>
+              <a:t>. Should get new payload only if </a:t>
+            </a:r>
+            <a:r>
+              <a:rPr lang="en-US" dirty="0" err="1"/>
+              <a:t>ETag</a:t>
+            </a:r>
+            <a:r>
+              <a:rPr lang="en-US" dirty="0"/>
+              <a:t> on server has changed</a:t>
+            </a:r>
+          </a:p>
+          <a:p>
+            <a:r>
+              <a:rPr lang="en-US" b="1" i="1" dirty="0"/>
+              <a:t>If-Modified-Since</a:t>
+            </a:r>
+            <a:r>
+              <a:rPr lang="en-US" dirty="0"/>
+              <a:t>: send the previously obtained Last-Modified timestamp. Should get new payload only if new update on server has happened</a:t>
+            </a:r>
+          </a:p>
+          <a:p>
+            <a:r>
+              <a:rPr lang="en-US" dirty="0"/>
+              <a:t>If server sends no payload because resource has not changed, then status code is </a:t>
+            </a:r>
+            <a:r>
+              <a:rPr lang="en-US" b="1" dirty="0"/>
+              <a:t>304</a:t>
+            </a:r>
+          </a:p>
+          <a:p>
+            <a:endParaRPr lang="en-US" i="1" dirty="0"/>
           </a:p>
         </p:txBody>
       </p:sp>
     </p:spTree>
     <p:extLst>
       <p:ext uri="{BB962C8B-B14F-4D97-AF65-F5344CB8AC3E}">
-        <p14:creationId xmlns:p14="http://schemas.microsoft.com/office/powerpoint/2010/main" val="767827934"/>
+        <p14:creationId xmlns:p14="http://schemas.microsoft.com/office/powerpoint/2010/main" val="3155198097"/>
       </p:ext>
     </p:extLst>
   </p:cSld>
@@ -4679,10 +4272,9 @@
           <a:lstStyle/>
           <a:p>
             <a:r>
-              <a:rPr lang="en-US" dirty="0" smtClean="0"/>
-              <a:t>Standard</a:t>
-            </a:r>
-            <a:endParaRPr lang="en-US" dirty="0"/>
+              <a:rPr lang="en-US" dirty="0"/>
+              <a:t>Conditional Changes </a:t>
+            </a:r>
           </a:p>
         </p:txBody>
       </p:sp>
@@ -4698,8 +4290,8 @@
         </p:nvSpPr>
         <p:spPr>
           <a:xfrm>
-            <a:off x="337751" y="1825624"/>
-            <a:ext cx="11574163" cy="4764645"/>
+            <a:off x="238897" y="1825624"/>
+            <a:ext cx="11804822" cy="4896451"/>
           </a:xfrm>
         </p:spPr>
         <p:txBody>
@@ -4707,26 +4299,39 @@
           <a:lstStyle/>
           <a:p>
             <a:r>
-              <a:rPr lang="en-US" dirty="0" smtClean="0"/>
-              <a:t>There is no official standard to define pages and links</a:t>
-            </a:r>
-          </a:p>
-          <a:p>
-            <a:endParaRPr lang="en-US" dirty="0" smtClean="0"/>
-          </a:p>
-          <a:p>
-            <a:r>
-              <a:rPr lang="en-US" dirty="0" smtClean="0"/>
-              <a:t>In the past, there were some attempts like HAL, but they look like abandoned</a:t>
-            </a:r>
-            <a:endParaRPr lang="en-US" dirty="0"/>
+              <a:rPr lang="en-US" dirty="0"/>
+              <a:t>You might want to do a POST/PUT/PATCH only if the state on server has not changed</a:t>
+            </a:r>
+          </a:p>
+          <a:p>
+            <a:r>
+              <a:rPr lang="en-US" dirty="0"/>
+              <a:t>A GET followed by a PUT would be two different requests, NOT done </a:t>
+            </a:r>
+            <a:r>
+              <a:rPr lang="en-US" i="1" dirty="0"/>
+              <a:t>atomically</a:t>
+            </a:r>
+          </a:p>
+          <a:p>
+            <a:pPr lvl="1"/>
+            <a:r>
+              <a:rPr lang="en-US" dirty="0"/>
+              <a:t>someone else might have modified the state between the GET and PUT</a:t>
+            </a:r>
+          </a:p>
+          <a:p>
+            <a:r>
+              <a:rPr lang="en-US" dirty="0"/>
+              <a:t>If the PUT is based on data read by GET, and you want to abort the PUT if someone else changed the state, you can have a conditional request </a:t>
+            </a:r>
           </a:p>
         </p:txBody>
       </p:sp>
     </p:spTree>
     <p:extLst>
       <p:ext uri="{BB962C8B-B14F-4D97-AF65-F5344CB8AC3E}">
-        <p14:creationId xmlns:p14="http://schemas.microsoft.com/office/powerpoint/2010/main" val="489897762"/>
+        <p14:creationId xmlns:p14="http://schemas.microsoft.com/office/powerpoint/2010/main" val="3762810073"/>
       </p:ext>
     </p:extLst>
   </p:cSld>
@@ -4763,145 +4368,116 @@
             <p:ph type="title"/>
           </p:nvPr>
         </p:nvSpPr>
-        <p:spPr/>
+        <p:spPr>
+          <a:xfrm>
+            <a:off x="230659" y="365125"/>
+            <a:ext cx="11697729" cy="1325563"/>
+          </a:xfrm>
+        </p:spPr>
+        <p:txBody>
+          <a:bodyPr>
+            <a:normAutofit fontScale="90000"/>
+          </a:bodyPr>
+          <a:lstStyle/>
+          <a:p>
+            <a:r>
+              <a:rPr lang="en-US" dirty="0"/>
+              <a:t>Cont. Conditional POST/PUT/PATCH</a:t>
+            </a:r>
+          </a:p>
+        </p:txBody>
+      </p:sp>
+      <p:sp>
+        <p:nvSpPr>
+          <p:cNvPr id="3" name="Content Placeholder 2"/>
+          <p:cNvSpPr>
+            <a:spLocks noGrp="1"/>
+          </p:cNvSpPr>
+          <p:nvPr>
+            <p:ph idx="1"/>
+          </p:nvPr>
+        </p:nvSpPr>
+        <p:spPr>
+          <a:xfrm>
+            <a:off x="321275" y="1825624"/>
+            <a:ext cx="11607113" cy="4797597"/>
+          </a:xfrm>
+        </p:spPr>
         <p:txBody>
           <a:bodyPr/>
           <a:lstStyle/>
           <a:p>
             <a:r>
-              <a:rPr lang="en-US" dirty="0" smtClean="0"/>
-              <a:t>Expansion</a:t>
-            </a:r>
-            <a:endParaRPr lang="en-US" dirty="0"/>
-          </a:p>
-        </p:txBody>
-      </p:sp>
-      <p:sp>
-        <p:nvSpPr>
-          <p:cNvPr id="3" name="Content Placeholder 2"/>
-          <p:cNvSpPr>
-            <a:spLocks noGrp="1"/>
-          </p:cNvSpPr>
-          <p:nvPr>
-            <p:ph idx="1"/>
-          </p:nvPr>
-        </p:nvSpPr>
-        <p:spPr>
-          <a:xfrm>
-            <a:off x="98855" y="1825624"/>
-            <a:ext cx="11796584" cy="4855261"/>
-          </a:xfrm>
-        </p:spPr>
-        <p:txBody>
-          <a:bodyPr>
-            <a:normAutofit/>
-          </a:bodyPr>
-          <a:lstStyle/>
-          <a:p>
-            <a:r>
-              <a:rPr lang="en-US" dirty="0" smtClean="0"/>
-              <a:t>A “news” might have a </a:t>
-            </a:r>
-            <a:r>
-              <a:rPr lang="en-US" i="1" dirty="0" smtClean="0"/>
-              <a:t>list</a:t>
-            </a:r>
-            <a:r>
-              <a:rPr lang="en-US" dirty="0" smtClean="0"/>
-              <a:t> of “comments”</a:t>
-            </a:r>
-          </a:p>
-          <a:p>
-            <a:r>
-              <a:rPr lang="en-US" dirty="0" smtClean="0"/>
-              <a:t>A “news” might also have a </a:t>
-            </a:r>
-            <a:r>
-              <a:rPr lang="en-US" i="1" dirty="0" smtClean="0"/>
-              <a:t>list</a:t>
-            </a:r>
-            <a:r>
-              <a:rPr lang="en-US" dirty="0" smtClean="0"/>
-              <a:t> of “</a:t>
-            </a:r>
-            <a:r>
-              <a:rPr lang="en-US" i="1" dirty="0" smtClean="0"/>
-              <a:t>users</a:t>
-            </a:r>
-            <a:r>
-              <a:rPr lang="en-US" dirty="0" smtClean="0"/>
-              <a:t>” that liked it </a:t>
-            </a:r>
-          </a:p>
-          <a:p>
-            <a:r>
-              <a:rPr lang="en-US" dirty="0" smtClean="0"/>
-              <a:t>When retrieving a single item, might not want to download as well the hundreds/thousands of other items related to it</a:t>
-            </a:r>
-          </a:p>
-          <a:p>
-            <a:r>
-              <a:rPr lang="en-US" dirty="0" smtClean="0"/>
-              <a:t>As returning those lists can be very expensive, can have special query parameters to choose if downloaded or not</a:t>
-            </a:r>
-          </a:p>
-          <a:p>
-            <a:r>
-              <a:rPr lang="en-US" dirty="0" err="1" smtClean="0"/>
-              <a:t>Eg</a:t>
-            </a:r>
-            <a:r>
-              <a:rPr lang="en-US" dirty="0" smtClean="0"/>
-              <a:t>.: GET /</a:t>
-            </a:r>
-            <a:r>
-              <a:rPr lang="en-US" dirty="0" err="1" smtClean="0"/>
-              <a:t>news?</a:t>
-            </a:r>
-            <a:r>
-              <a:rPr lang="en-US" b="1" dirty="0" err="1" smtClean="0"/>
-              <a:t>expand</a:t>
-            </a:r>
-            <a:r>
-              <a:rPr lang="en-US" dirty="0" smtClean="0"/>
-              <a:t>=NONE   (no lists)</a:t>
-            </a:r>
-          </a:p>
-          <a:p>
+              <a:rPr lang="en-US" b="1" i="1" dirty="0"/>
+              <a:t>If-Match</a:t>
+            </a:r>
+            <a:r>
+              <a:rPr lang="en-US" dirty="0"/>
+              <a:t>: do the change operation only if the </a:t>
+            </a:r>
             <a:r>
               <a:rPr lang="en-US" dirty="0" err="1"/>
-              <a:t>Eg</a:t>
-            </a:r>
-            <a:r>
-              <a:rPr lang="en-US" dirty="0"/>
-              <a:t>.: GET /</a:t>
-            </a:r>
-            <a:r>
-              <a:rPr lang="en-US" dirty="0" err="1" smtClean="0"/>
-              <a:t>news?</a:t>
-            </a:r>
-            <a:r>
-              <a:rPr lang="en-US" b="1" dirty="0" err="1" smtClean="0"/>
-              <a:t>expand</a:t>
-            </a:r>
-            <a:r>
-              <a:rPr lang="en-US" dirty="0" smtClean="0"/>
-              <a:t>=COMMENTS   (include comments)</a:t>
-            </a:r>
-            <a:endParaRPr lang="en-US" dirty="0"/>
-          </a:p>
-          <a:p>
-            <a:endParaRPr lang="en-US" dirty="0" smtClean="0"/>
-          </a:p>
-          <a:p>
-            <a:endParaRPr lang="en-US" dirty="0" smtClean="0"/>
+              <a:t>ETag</a:t>
+            </a:r>
+            <a:r>
+              <a:rPr lang="en-US" dirty="0"/>
+              <a:t> does match. Will use/send </a:t>
+            </a:r>
+            <a:r>
+              <a:rPr lang="en-US" dirty="0" err="1"/>
+              <a:t>ETag</a:t>
+            </a:r>
+            <a:r>
+              <a:rPr lang="en-US" dirty="0"/>
+              <a:t> from a previous GET</a:t>
+            </a:r>
+          </a:p>
+          <a:p>
+            <a:r>
+              <a:rPr lang="en-US" b="1" i="1" dirty="0"/>
+              <a:t>If-Unmodified-Since</a:t>
+            </a:r>
+            <a:r>
+              <a:rPr lang="en-US" dirty="0"/>
+              <a:t>: do the change operation only if the timestamp was not changed. Will use/send </a:t>
+            </a:r>
+            <a:r>
+              <a:rPr lang="en-US" i="1" dirty="0"/>
+              <a:t>Last-modified</a:t>
+            </a:r>
+            <a:r>
+              <a:rPr lang="en-US" dirty="0"/>
+              <a:t> value from a previous GET</a:t>
+            </a:r>
+          </a:p>
+          <a:p>
+            <a:r>
+              <a:rPr lang="en-US" dirty="0"/>
+              <a:t>If on the server those checks fail, the server will send a </a:t>
+            </a:r>
+            <a:r>
+              <a:rPr lang="en-US" b="1" dirty="0"/>
+              <a:t>412</a:t>
+            </a:r>
+            <a:r>
+              <a:rPr lang="en-US" dirty="0"/>
+              <a:t> </a:t>
+            </a:r>
+            <a:r>
+              <a:rPr lang="en-US" i="1" dirty="0"/>
+              <a:t>Precondition Failed</a:t>
+            </a:r>
+            <a:r>
+              <a:rPr lang="en-US" dirty="0"/>
+              <a:t>, and the operation is NOT executed </a:t>
+            </a:r>
           </a:p>
         </p:txBody>
       </p:sp>
     </p:spTree>
     <p:extLst>
       <p:ext uri="{BB962C8B-B14F-4D97-AF65-F5344CB8AC3E}">
-        <p14:creationId xmlns:p14="http://schemas.microsoft.com/office/powerpoint/2010/main" val="1152359187"/>
+        <p14:creationId xmlns:p14="http://schemas.microsoft.com/office/powerpoint/2010/main" val="734313590"/>
       </p:ext>
     </p:extLst>
   </p:cSld>
@@ -4944,121 +4520,35 @@
           <a:lstStyle/>
           <a:p>
             <a:r>
-              <a:rPr lang="en-US" dirty="0" smtClean="0"/>
-              <a:t>Tradeoff</a:t>
-            </a:r>
-            <a:endParaRPr lang="en-US" dirty="0"/>
-          </a:p>
-        </p:txBody>
-      </p:sp>
-      <p:sp>
-        <p:nvSpPr>
-          <p:cNvPr id="3" name="Content Placeholder 2"/>
-          <p:cNvSpPr>
-            <a:spLocks noGrp="1"/>
-          </p:cNvSpPr>
-          <p:nvPr>
-            <p:ph idx="1"/>
-          </p:nvPr>
-        </p:nvSpPr>
-        <p:spPr>
-          <a:xfrm>
-            <a:off x="255373" y="1825624"/>
-            <a:ext cx="11755395" cy="4847025"/>
-          </a:xfrm>
-        </p:spPr>
+              <a:rPr lang="en-US" dirty="0"/>
+              <a:t>HTTP Caches</a:t>
+            </a:r>
+          </a:p>
+        </p:txBody>
+      </p:sp>
+      <p:sp>
+        <p:nvSpPr>
+          <p:cNvPr id="3" name="Text Placeholder 2"/>
+          <p:cNvSpPr>
+            <a:spLocks noGrp="1"/>
+          </p:cNvSpPr>
+          <p:nvPr>
+            <p:ph type="body" idx="1"/>
+          </p:nvPr>
+        </p:nvSpPr>
+        <p:spPr/>
         <p:txBody>
           <a:bodyPr/>
           <a:lstStyle/>
           <a:p>
-            <a:r>
-              <a:rPr lang="en-US" dirty="0" smtClean="0"/>
-              <a:t>Option 1: never return those lists</a:t>
-            </a:r>
-          </a:p>
-          <a:p>
-            <a:pPr lvl="1"/>
-            <a:r>
-              <a:rPr lang="en-US" dirty="0" smtClean="0"/>
-              <a:t>But, then, need further HTTP calls to retrieve those lists if needed</a:t>
-            </a:r>
-          </a:p>
-          <a:p>
-            <a:r>
-              <a:rPr lang="en-US" dirty="0" smtClean="0"/>
-              <a:t>Option 2: create “</a:t>
-            </a:r>
-            <a:r>
-              <a:rPr lang="en-US" i="1" dirty="0" smtClean="0"/>
-              <a:t>expand</a:t>
-            </a:r>
-            <a:r>
-              <a:rPr lang="en-US" dirty="0" smtClean="0"/>
-              <a:t>” query parameters to control what returned</a:t>
-            </a:r>
-          </a:p>
-          <a:p>
-            <a:pPr lvl="1"/>
-            <a:r>
-              <a:rPr lang="en-US" dirty="0"/>
-              <a:t>G</a:t>
-            </a:r>
-            <a:r>
-              <a:rPr lang="en-US" dirty="0" smtClean="0"/>
-              <a:t>ood: can return everything needed in a single HTTP request</a:t>
-            </a:r>
-          </a:p>
-          <a:p>
-            <a:pPr lvl="1"/>
-            <a:r>
-              <a:rPr lang="en-US" dirty="0" smtClean="0"/>
-              <a:t>Bad: needs to implement all the needed cases </a:t>
-            </a:r>
-            <a:r>
-              <a:rPr lang="en-US" i="1" dirty="0" smtClean="0"/>
-              <a:t>manually</a:t>
-            </a:r>
-          </a:p>
-          <a:p>
-            <a:r>
-              <a:rPr lang="en-US" i="1" dirty="0" err="1" smtClean="0"/>
-              <a:t>GraphQL</a:t>
-            </a:r>
-            <a:r>
-              <a:rPr lang="en-US" dirty="0" smtClean="0"/>
-              <a:t>: a selling point compared to REST is its ability to exactly </a:t>
-            </a:r>
-            <a:r>
-              <a:rPr lang="en-US" dirty="0"/>
-              <a:t>specify </a:t>
-            </a:r>
-            <a:r>
-              <a:rPr lang="en-US" dirty="0" smtClean="0"/>
-              <a:t>what to return</a:t>
-            </a:r>
-          </a:p>
-          <a:p>
-            <a:pPr lvl="1"/>
-            <a:r>
-              <a:rPr lang="en-US" dirty="0" smtClean="0"/>
-              <a:t>we will see </a:t>
-            </a:r>
-            <a:r>
-              <a:rPr lang="en-US" dirty="0" err="1" smtClean="0"/>
-              <a:t>GraphQL</a:t>
-            </a:r>
-            <a:r>
-              <a:rPr lang="en-US" dirty="0" smtClean="0"/>
-              <a:t> later in the course</a:t>
-            </a:r>
-            <a:endParaRPr lang="en-US" dirty="0"/>
+            <a:endParaRPr lang="en-US"/>
           </a:p>
         </p:txBody>
       </p:sp>
     </p:spTree>
     <p:extLst>
       <p:ext uri="{BB962C8B-B14F-4D97-AF65-F5344CB8AC3E}">
-        <p14:creationId xmlns:p14="http://schemas.microsoft.com/office/powerpoint/2010/main" val="728222810"/>
+        <p14:creationId xmlns:p14="http://schemas.microsoft.com/office/powerpoint/2010/main" val="1129376689"/>
       </p:ext>
     </p:extLst>
   </p:cSld>
@@ -5101,14 +4591,9 @@
           <a:lstStyle/>
           <a:p>
             <a:r>
-              <a:rPr lang="en-US" dirty="0" err="1" smtClean="0"/>
-              <a:t>Git</a:t>
-            </a:r>
-            <a:r>
-              <a:rPr lang="en-US" dirty="0" smtClean="0"/>
-              <a:t> Repository Modules</a:t>
-            </a:r>
-            <a:endParaRPr lang="en-US" dirty="0"/>
+              <a:rPr lang="en-US" dirty="0"/>
+              <a:t>Caching</a:t>
+            </a:r>
           </a:p>
         </p:txBody>
       </p:sp>
@@ -5124,8 +4609,8 @@
         </p:nvSpPr>
         <p:spPr>
           <a:xfrm>
-            <a:off x="296561" y="1825625"/>
-            <a:ext cx="11532973" cy="4972740"/>
+            <a:off x="131805" y="1690688"/>
+            <a:ext cx="11804821" cy="5080815"/>
           </a:xfrm>
         </p:spPr>
         <p:txBody>
@@ -5135,65 +4620,76 @@
           <a:lstStyle/>
           <a:p>
             <a:r>
-              <a:rPr lang="en-US" i="1" dirty="0" smtClean="0"/>
-              <a:t>NOTE: most of the explanations will be directly in the code as comments, and not here in the slides</a:t>
-            </a:r>
-            <a:endParaRPr lang="en-US" b="1" dirty="0" smtClean="0"/>
-          </a:p>
-          <a:p>
-            <a:r>
-              <a:rPr lang="en-US" b="1" dirty="0" smtClean="0"/>
-              <a:t>advanced/rest/wrapper</a:t>
-            </a:r>
-          </a:p>
-          <a:p>
-            <a:r>
-              <a:rPr lang="en-US" b="1" dirty="0" smtClean="0"/>
-              <a:t>advanced/rest/rest-</a:t>
-            </a:r>
-            <a:r>
-              <a:rPr lang="en-US" b="1" dirty="0" err="1" smtClean="0"/>
-              <a:t>dto</a:t>
-            </a:r>
-            <a:endParaRPr lang="en-US" b="1" dirty="0" smtClean="0"/>
-          </a:p>
-          <a:p>
-            <a:r>
-              <a:rPr lang="en-US" b="1" dirty="0" smtClean="0"/>
-              <a:t>advanced/rest/pagination</a:t>
-            </a:r>
-            <a:endParaRPr lang="en-US" b="1" dirty="0" smtClean="0"/>
-          </a:p>
-          <a:p>
-            <a:r>
-              <a:rPr lang="en-US" dirty="0" smtClean="0"/>
-              <a:t>Study </a:t>
-            </a:r>
-            <a:r>
-              <a:rPr lang="en-US" dirty="0" smtClean="0"/>
-              <a:t>relevant </a:t>
-            </a:r>
-            <a:r>
-              <a:rPr lang="en-US" dirty="0"/>
-              <a:t>sections in </a:t>
+              <a:rPr lang="en-US" dirty="0"/>
+              <a:t>With conditional GET requests, we might avoid re-downloading a resource if not changed on server</a:t>
+            </a:r>
+          </a:p>
+          <a:p>
+            <a:r>
+              <a:rPr lang="en-US" dirty="0"/>
+              <a:t>Still need to save such resource locally, in a so called </a:t>
             </a:r>
             <a:r>
               <a:rPr lang="en-US" i="1" dirty="0"/>
-              <a:t>RESTful Service Best </a:t>
-            </a:r>
-            <a:r>
-              <a:rPr lang="en-US" i="1" dirty="0" smtClean="0"/>
-              <a:t>Practices</a:t>
-            </a:r>
-          </a:p>
-          <a:p>
-            <a:r>
-              <a:rPr lang="en-US" dirty="0" smtClean="0"/>
-              <a:t>Study </a:t>
-            </a:r>
-            <a:r>
-              <a:rPr lang="en-US" dirty="0" smtClean="0"/>
-              <a:t>relevant sections in RFC-7230 and RFC-7231 </a:t>
+              <a:t>cache</a:t>
+            </a:r>
+          </a:p>
+          <a:p>
+            <a:r>
+              <a:rPr lang="en-US" dirty="0"/>
+              <a:t>Can see a cache like a glorified </a:t>
+            </a:r>
+            <a:r>
+              <a:rPr lang="en-US" i="1" dirty="0"/>
+              <a:t>Map</a:t>
+            </a:r>
+            <a:r>
+              <a:rPr lang="en-US" dirty="0"/>
+              <a:t> data-structure</a:t>
+            </a:r>
+          </a:p>
+          <a:p>
+            <a:pPr lvl="1"/>
+            <a:r>
+              <a:rPr lang="en-US" dirty="0" err="1"/>
+              <a:t>eg</a:t>
+            </a:r>
+            <a:r>
+              <a:rPr lang="en-US" dirty="0"/>
+              <a:t>, key being the </a:t>
+            </a:r>
+            <a:r>
+              <a:rPr lang="en-US" dirty="0" err="1"/>
+              <a:t>ETag</a:t>
+            </a:r>
+            <a:r>
+              <a:rPr lang="en-US" dirty="0"/>
+              <a:t>, and value being the downloaded resource</a:t>
+            </a:r>
+          </a:p>
+          <a:p>
+            <a:r>
+              <a:rPr lang="en-US" dirty="0"/>
+              <a:t>But, even if having a cache, still need to pay a round-trip of HTTP request</a:t>
+            </a:r>
+          </a:p>
+          <a:p>
+            <a:pPr lvl="1"/>
+            <a:r>
+              <a:rPr lang="en-US" dirty="0" err="1"/>
+              <a:t>ie</a:t>
+            </a:r>
+            <a:r>
+              <a:rPr lang="en-US" dirty="0"/>
+              <a:t>, even if getting a </a:t>
+            </a:r>
+            <a:r>
+              <a:rPr lang="en-US" b="1" dirty="0"/>
+              <a:t>304</a:t>
+            </a:r>
+            <a:r>
+              <a:rPr lang="en-US" dirty="0"/>
+              <a:t> with no body payload, still have to do a GET request</a:t>
             </a:r>
           </a:p>
         </p:txBody>
@@ -5201,7 +4697,7 @@
     </p:spTree>
     <p:extLst>
       <p:ext uri="{BB962C8B-B14F-4D97-AF65-F5344CB8AC3E}">
-        <p14:creationId xmlns:p14="http://schemas.microsoft.com/office/powerpoint/2010/main" val="1023732187"/>
+        <p14:creationId xmlns:p14="http://schemas.microsoft.com/office/powerpoint/2010/main" val="1427539005"/>
       </p:ext>
     </p:extLst>
   </p:cSld>
@@ -5244,10 +4740,9 @@
           <a:lstStyle/>
           <a:p>
             <a:r>
-              <a:rPr lang="en-US" dirty="0" smtClean="0"/>
+              <a:rPr lang="en-US" dirty="0"/>
               <a:t>Goals</a:t>
             </a:r>
-            <a:endParaRPr lang="en-US" dirty="0"/>
           </a:p>
         </p:txBody>
       </p:sp>
@@ -5274,48 +4769,62 @@
           <a:lstStyle/>
           <a:p>
             <a:r>
-              <a:rPr lang="en-US" dirty="0" smtClean="0"/>
-              <a:t>Understand the </a:t>
-            </a:r>
-            <a:r>
-              <a:rPr lang="en-US" dirty="0" smtClean="0"/>
-              <a:t>concept of </a:t>
-            </a:r>
-            <a:r>
-              <a:rPr lang="en-US" i="1" dirty="0" smtClean="0"/>
-              <a:t>Wrapped Responses</a:t>
-            </a:r>
-            <a:r>
-              <a:rPr lang="en-US" dirty="0" smtClean="0"/>
-              <a:t>, and how it helps in logging/debugging of errors</a:t>
-            </a:r>
-            <a:endParaRPr lang="en-US" dirty="0" smtClean="0"/>
-          </a:p>
-          <a:p>
-            <a:endParaRPr lang="en-US" dirty="0" smtClean="0"/>
-          </a:p>
-          <a:p>
-            <a:r>
-              <a:rPr lang="en-US" dirty="0" smtClean="0"/>
-              <a:t>Understand how to enable </a:t>
-            </a:r>
-            <a:r>
-              <a:rPr lang="en-US" i="1" dirty="0" smtClean="0"/>
-              <a:t>Pagination</a:t>
-            </a:r>
-            <a:r>
-              <a:rPr lang="en-US" dirty="0" smtClean="0"/>
-              <a:t> with </a:t>
-            </a:r>
-            <a:r>
-              <a:rPr lang="en-US" i="1" dirty="0" smtClean="0"/>
-              <a:t>Links</a:t>
-            </a:r>
-            <a:r>
-              <a:rPr lang="en-US" dirty="0" smtClean="0"/>
-              <a:t> when dealing with requests retrieving large amounts of data</a:t>
-            </a:r>
-            <a:endParaRPr lang="en-US" dirty="0" smtClean="0"/>
+              <a:rPr lang="en-US" dirty="0"/>
+              <a:t>Understand 3xx HTTP redirections</a:t>
+            </a:r>
+          </a:p>
+          <a:p>
+            <a:endParaRPr lang="en-US" dirty="0"/>
+          </a:p>
+          <a:p>
+            <a:r>
+              <a:rPr lang="en-US" dirty="0"/>
+              <a:t>Understand how to make </a:t>
+            </a:r>
+            <a:r>
+              <a:rPr lang="en-US" i="1" dirty="0"/>
+              <a:t>conditional requests</a:t>
+            </a:r>
+            <a:r>
+              <a:rPr lang="en-US" dirty="0"/>
+              <a:t> in HTTP to improve performance</a:t>
+            </a:r>
+          </a:p>
+          <a:p>
+            <a:endParaRPr lang="en-US" dirty="0"/>
+          </a:p>
+          <a:p>
+            <a:r>
+              <a:rPr lang="en-US" dirty="0"/>
+              <a:t>Understand how HTTP deals with </a:t>
+            </a:r>
+            <a:r>
+              <a:rPr lang="en-US" i="1" dirty="0"/>
+              <a:t>caches</a:t>
+            </a:r>
+          </a:p>
+          <a:p>
+            <a:pPr lvl="1"/>
+            <a:r>
+              <a:rPr lang="en-US" dirty="0"/>
+              <a:t>both </a:t>
+            </a:r>
+            <a:r>
+              <a:rPr lang="en-US" i="1" dirty="0"/>
+              <a:t>public</a:t>
+            </a:r>
+            <a:r>
+              <a:rPr lang="en-US" dirty="0"/>
+              <a:t> and </a:t>
+            </a:r>
+            <a:r>
+              <a:rPr lang="en-US" i="1" dirty="0"/>
+              <a:t>private</a:t>
+            </a:r>
+            <a:r>
+              <a:rPr lang="en-US" dirty="0"/>
+              <a:t> caches</a:t>
+            </a:r>
           </a:p>
         </p:txBody>
       </p:sp>
@@ -5389,7 +4898,7 @@
               <a:buNone/>
               <a:tabLst/>
             </a:pPr>
-            <a:endParaRPr kumimoji="0" lang="en-US" altLang="en-US" sz="1800" b="0" i="0" u="none" strike="noStrike" cap="none" normalizeH="0" baseline="0" dirty="0" smtClean="0">
+            <a:endParaRPr kumimoji="0" lang="en-US" altLang="en-US" sz="1800" b="0" i="0" u="none" strike="noStrike" cap="none" normalizeH="0" baseline="0" dirty="0">
               <a:ln>
                 <a:noFill/>
               </a:ln>
@@ -5472,7 +4981,7 @@
               <a:buNone/>
               <a:tabLst/>
             </a:pPr>
-            <a:endParaRPr kumimoji="0" lang="en-US" altLang="en-US" sz="1800" b="0" i="0" u="none" strike="noStrike" cap="none" normalizeH="0" baseline="0" dirty="0" smtClean="0">
+            <a:endParaRPr kumimoji="0" lang="en-US" altLang="en-US" sz="1800" b="0" i="0" u="none" strike="noStrike" cap="none" normalizeH="0" baseline="0" dirty="0">
               <a:ln>
                 <a:noFill/>
               </a:ln>
@@ -5489,6 +4998,3321 @@
     <p:extLst>
       <p:ext uri="{BB962C8B-B14F-4D97-AF65-F5344CB8AC3E}">
         <p14:creationId xmlns:p14="http://schemas.microsoft.com/office/powerpoint/2010/main" val="772506603"/>
+      </p:ext>
+    </p:extLst>
+  </p:cSld>
+  <p:clrMapOvr>
+    <a:masterClrMapping/>
+  </p:clrMapOvr>
+</p:sld>
+</file>
+
+<file path=ppt/slides/slide20.xml><?xml version="1.0" encoding="utf-8"?>
+<p:sld xmlns:a="http://schemas.openxmlformats.org/drawingml/2006/main" xmlns:r="http://schemas.openxmlformats.org/officeDocument/2006/relationships" xmlns:p="http://schemas.openxmlformats.org/presentationml/2006/main">
+  <p:cSld>
+    <p:spTree>
+      <p:nvGrpSpPr>
+        <p:cNvPr id="1" name=""/>
+        <p:cNvGrpSpPr/>
+        <p:nvPr/>
+      </p:nvGrpSpPr>
+      <p:grpSpPr>
+        <a:xfrm>
+          <a:off x="0" y="0"/>
+          <a:ext cx="0" cy="0"/>
+          <a:chOff x="0" y="0"/>
+          <a:chExt cx="0" cy="0"/>
+        </a:xfrm>
+      </p:grpSpPr>
+      <p:sp>
+        <p:nvSpPr>
+          <p:cNvPr id="2" name="Title 1"/>
+          <p:cNvSpPr>
+            <a:spLocks noGrp="1"/>
+          </p:cNvSpPr>
+          <p:nvPr>
+            <p:ph type="title"/>
+          </p:nvPr>
+        </p:nvSpPr>
+        <p:spPr/>
+        <p:txBody>
+          <a:bodyPr/>
+          <a:lstStyle/>
+          <a:p>
+            <a:r>
+              <a:rPr lang="en-US" dirty="0"/>
+              <a:t>Freshness</a:t>
+            </a:r>
+          </a:p>
+        </p:txBody>
+      </p:sp>
+      <p:sp>
+        <p:nvSpPr>
+          <p:cNvPr id="3" name="Content Placeholder 2"/>
+          <p:cNvSpPr>
+            <a:spLocks noGrp="1"/>
+          </p:cNvSpPr>
+          <p:nvPr>
+            <p:ph idx="1"/>
+          </p:nvPr>
+        </p:nvSpPr>
+        <p:spPr>
+          <a:xfrm>
+            <a:off x="214183" y="1690688"/>
+            <a:ext cx="11804821" cy="4973723"/>
+          </a:xfrm>
+        </p:spPr>
+        <p:txBody>
+          <a:bodyPr>
+            <a:normAutofit/>
+          </a:bodyPr>
+          <a:lstStyle/>
+          <a:p>
+            <a:r>
+              <a:rPr lang="en-US" dirty="0"/>
+              <a:t>What about using cache WITHOUT doing a conditional GET on server?</a:t>
+            </a:r>
+          </a:p>
+          <a:p>
+            <a:r>
+              <a:rPr lang="en-US" dirty="0"/>
+              <a:t>How can we know that the resource is still </a:t>
+            </a:r>
+            <a:r>
+              <a:rPr lang="en-US" i="1" dirty="0"/>
+              <a:t>fresh</a:t>
+            </a:r>
+            <a:r>
+              <a:rPr lang="en-US" dirty="0"/>
+              <a:t> and was not changed on server?</a:t>
+            </a:r>
+          </a:p>
+          <a:p>
+            <a:r>
+              <a:rPr lang="en-US" dirty="0"/>
+              <a:t>Server can explicitly tell us for how long a resource is fresh, using the </a:t>
+            </a:r>
+            <a:r>
+              <a:rPr lang="en-US" b="1" i="1" dirty="0"/>
+              <a:t>Cache-Control</a:t>
+            </a:r>
+            <a:r>
+              <a:rPr lang="en-US" dirty="0"/>
+              <a:t> HTTP header</a:t>
+            </a:r>
+          </a:p>
+          <a:p>
+            <a:r>
+              <a:rPr lang="en-US" b="1" i="1" dirty="0"/>
+              <a:t>Max-age</a:t>
+            </a:r>
+            <a:r>
+              <a:rPr lang="en-US" dirty="0"/>
+              <a:t>: number of seconds that the client is safe to reuse a downloaded resource without a new conditional GET</a:t>
+            </a:r>
+          </a:p>
+          <a:p>
+            <a:pPr lvl="1"/>
+            <a:r>
+              <a:rPr lang="en-US" dirty="0" err="1"/>
+              <a:t>eg</a:t>
+            </a:r>
+            <a:r>
+              <a:rPr lang="en-US" dirty="0"/>
+              <a:t>, </a:t>
+            </a:r>
+            <a:r>
+              <a:rPr lang="en-US" b="1" i="1" dirty="0"/>
+              <a:t>Cache-Control: max-age=30</a:t>
+            </a:r>
+          </a:p>
+          <a:p>
+            <a:endParaRPr lang="en-US" dirty="0"/>
+          </a:p>
+        </p:txBody>
+      </p:sp>
+    </p:spTree>
+    <p:extLst>
+      <p:ext uri="{BB962C8B-B14F-4D97-AF65-F5344CB8AC3E}">
+        <p14:creationId xmlns:p14="http://schemas.microsoft.com/office/powerpoint/2010/main" val="139773682"/>
+      </p:ext>
+    </p:extLst>
+  </p:cSld>
+  <p:clrMapOvr>
+    <a:masterClrMapping/>
+  </p:clrMapOvr>
+</p:sld>
+</file>
+
+<file path=ppt/slides/slide21.xml><?xml version="1.0" encoding="utf-8"?>
+<p:sld xmlns:a="http://schemas.openxmlformats.org/drawingml/2006/main" xmlns:r="http://schemas.openxmlformats.org/officeDocument/2006/relationships" xmlns:p="http://schemas.openxmlformats.org/presentationml/2006/main">
+  <p:cSld>
+    <p:spTree>
+      <p:nvGrpSpPr>
+        <p:cNvPr id="1" name=""/>
+        <p:cNvGrpSpPr/>
+        <p:nvPr/>
+      </p:nvGrpSpPr>
+      <p:grpSpPr>
+        <a:xfrm>
+          <a:off x="0" y="0"/>
+          <a:ext cx="0" cy="0"/>
+          <a:chOff x="0" y="0"/>
+          <a:chExt cx="0" cy="0"/>
+        </a:xfrm>
+      </p:grpSpPr>
+      <p:sp>
+        <p:nvSpPr>
+          <p:cNvPr id="2" name="Title 1"/>
+          <p:cNvSpPr>
+            <a:spLocks noGrp="1"/>
+          </p:cNvSpPr>
+          <p:nvPr>
+            <p:ph type="title"/>
+          </p:nvPr>
+        </p:nvSpPr>
+        <p:spPr/>
+        <p:txBody>
+          <a:bodyPr/>
+          <a:lstStyle/>
+          <a:p>
+            <a:r>
+              <a:rPr lang="en-US" dirty="0"/>
+              <a:t>How To Set Max-age?</a:t>
+            </a:r>
+          </a:p>
+        </p:txBody>
+      </p:sp>
+      <p:sp>
+        <p:nvSpPr>
+          <p:cNvPr id="3" name="Content Placeholder 2"/>
+          <p:cNvSpPr>
+            <a:spLocks noGrp="1"/>
+          </p:cNvSpPr>
+          <p:nvPr>
+            <p:ph idx="1"/>
+          </p:nvPr>
+        </p:nvSpPr>
+        <p:spPr>
+          <a:xfrm>
+            <a:off x="263611" y="1825624"/>
+            <a:ext cx="11788346" cy="4888213"/>
+          </a:xfrm>
+        </p:spPr>
+        <p:txBody>
+          <a:bodyPr/>
+          <a:lstStyle/>
+          <a:p>
+            <a:r>
+              <a:rPr lang="en-US" dirty="0"/>
+              <a:t>It depends on the context…</a:t>
+            </a:r>
+          </a:p>
+          <a:p>
+            <a:r>
+              <a:rPr lang="en-US" dirty="0" err="1"/>
+              <a:t>Eg</a:t>
+            </a:r>
+            <a:r>
+              <a:rPr lang="en-US" dirty="0"/>
+              <a:t>. forecast application: maybe computing forecast every hour, so </a:t>
+            </a:r>
+            <a:r>
+              <a:rPr lang="en-US" i="1" dirty="0"/>
+              <a:t>Max-age</a:t>
+            </a:r>
+            <a:r>
+              <a:rPr lang="en-US" dirty="0"/>
+              <a:t> till the next update</a:t>
+            </a:r>
+          </a:p>
+          <a:p>
+            <a:r>
+              <a:rPr lang="en-US" dirty="0" err="1"/>
+              <a:t>Eg</a:t>
+            </a:r>
+            <a:r>
+              <a:rPr lang="en-US" dirty="0"/>
+              <a:t>. static files </a:t>
+            </a:r>
+            <a:r>
+              <a:rPr lang="en-US"/>
+              <a:t>like HTML/JS/CSS/IMG/etc</a:t>
+            </a:r>
+            <a:r>
+              <a:rPr lang="en-US" dirty="0"/>
+              <a:t>.: if you deploy new version of your app no more than once a day, then can have something like </a:t>
+            </a:r>
+            <a:r>
+              <a:rPr lang="en-US" i="1" dirty="0"/>
+              <a:t>max-age=86400</a:t>
+            </a:r>
+          </a:p>
+          <a:p>
+            <a:pPr lvl="1"/>
+            <a:r>
+              <a:rPr lang="en-US" dirty="0"/>
+              <a:t>there are 86400 seconds in 1 day</a:t>
+            </a:r>
+          </a:p>
+          <a:p>
+            <a:r>
+              <a:rPr lang="en-US" dirty="0"/>
+              <a:t>etc.</a:t>
+            </a:r>
+          </a:p>
+          <a:p>
+            <a:endParaRPr lang="en-US" dirty="0"/>
+          </a:p>
+        </p:txBody>
+      </p:sp>
+    </p:spTree>
+    <p:extLst>
+      <p:ext uri="{BB962C8B-B14F-4D97-AF65-F5344CB8AC3E}">
+        <p14:creationId xmlns:p14="http://schemas.microsoft.com/office/powerpoint/2010/main" val="405364177"/>
+      </p:ext>
+    </p:extLst>
+  </p:cSld>
+  <p:clrMapOvr>
+    <a:masterClrMapping/>
+  </p:clrMapOvr>
+</p:sld>
+</file>
+
+<file path=ppt/slides/slide22.xml><?xml version="1.0" encoding="utf-8"?>
+<p:sld xmlns:a="http://schemas.openxmlformats.org/drawingml/2006/main" xmlns:r="http://schemas.openxmlformats.org/officeDocument/2006/relationships" xmlns:p="http://schemas.openxmlformats.org/presentationml/2006/main">
+  <p:cSld>
+    <p:spTree>
+      <p:nvGrpSpPr>
+        <p:cNvPr id="1" name=""/>
+        <p:cNvGrpSpPr/>
+        <p:nvPr/>
+      </p:nvGrpSpPr>
+      <p:grpSpPr>
+        <a:xfrm>
+          <a:off x="0" y="0"/>
+          <a:ext cx="0" cy="0"/>
+          <a:chOff x="0" y="0"/>
+          <a:chExt cx="0" cy="0"/>
+        </a:xfrm>
+      </p:grpSpPr>
+      <p:sp>
+        <p:nvSpPr>
+          <p:cNvPr id="2" name="Title 1"/>
+          <p:cNvSpPr>
+            <a:spLocks noGrp="1"/>
+          </p:cNvSpPr>
+          <p:nvPr>
+            <p:ph type="title"/>
+          </p:nvPr>
+        </p:nvSpPr>
+        <p:spPr>
+          <a:xfrm>
+            <a:off x="247135" y="68563"/>
+            <a:ext cx="11804822" cy="1325563"/>
+          </a:xfrm>
+        </p:spPr>
+        <p:txBody>
+          <a:bodyPr>
+            <a:normAutofit/>
+          </a:bodyPr>
+          <a:lstStyle/>
+          <a:p>
+            <a:r>
+              <a:rPr lang="en-US" dirty="0"/>
+              <a:t>Ex.:        </a:t>
+            </a:r>
+            <a:r>
+              <a:rPr lang="en-US" i="1" dirty="0"/>
+              <a:t>tia.png </a:t>
+            </a:r>
+            <a:r>
+              <a:rPr lang="en-US" dirty="0"/>
+              <a:t>cached for 1 year</a:t>
+            </a:r>
+            <a:endParaRPr lang="en-US" i="1" dirty="0"/>
+          </a:p>
+        </p:txBody>
+      </p:sp>
+      <p:pic>
+        <p:nvPicPr>
+          <p:cNvPr id="4" name="Picture 3"/>
+          <p:cNvPicPr>
+            <a:picLocks noChangeAspect="1"/>
+          </p:cNvPicPr>
+          <p:nvPr/>
+        </p:nvPicPr>
+        <p:blipFill>
+          <a:blip r:embed="rId2"/>
+          <a:stretch>
+            <a:fillRect/>
+          </a:stretch>
+        </p:blipFill>
+        <p:spPr>
+          <a:xfrm>
+            <a:off x="1681194" y="1187768"/>
+            <a:ext cx="8936703" cy="5589294"/>
+          </a:xfrm>
+          <a:prstGeom prst="rect">
+            <a:avLst/>
+          </a:prstGeom>
+        </p:spPr>
+      </p:pic>
+      <p:pic>
+        <p:nvPicPr>
+          <p:cNvPr id="2050" name="Picture 2" descr="https://www.google.com/textinputassistant/tia.png"/>
+          <p:cNvPicPr>
+            <a:picLocks noChangeAspect="1" noChangeArrowheads="1"/>
+          </p:cNvPicPr>
+          <p:nvPr/>
+        </p:nvPicPr>
+        <p:blipFill>
+          <a:blip r:embed="rId3">
+            <a:extLst>
+              <a:ext uri="{28A0092B-C50C-407E-A947-70E740481C1C}">
+                <a14:useLocalDpi xmlns:a14="http://schemas.microsoft.com/office/drawing/2010/main" val="0"/>
+              </a:ext>
+            </a:extLst>
+          </a:blip>
+          <a:srcRect/>
+          <a:stretch>
+            <a:fillRect/>
+          </a:stretch>
+        </p:blipFill>
+        <p:spPr bwMode="auto">
+          <a:xfrm>
+            <a:off x="1606379" y="193524"/>
+            <a:ext cx="1262707" cy="1075639"/>
+          </a:xfrm>
+          <a:prstGeom prst="rect">
+            <a:avLst/>
+          </a:prstGeom>
+          <a:noFill/>
+          <a:extLst>
+            <a:ext uri="{909E8E84-426E-40DD-AFC4-6F175D3DCCD1}">
+              <a14:hiddenFill xmlns:a14="http://schemas.microsoft.com/office/drawing/2010/main">
+                <a:solidFill>
+                  <a:srgbClr val="FFFFFF"/>
+                </a:solidFill>
+              </a14:hiddenFill>
+            </a:ext>
+          </a:extLst>
+        </p:spPr>
+      </p:pic>
+    </p:spTree>
+    <p:extLst>
+      <p:ext uri="{BB962C8B-B14F-4D97-AF65-F5344CB8AC3E}">
+        <p14:creationId xmlns:p14="http://schemas.microsoft.com/office/powerpoint/2010/main" val="3321273430"/>
+      </p:ext>
+    </p:extLst>
+  </p:cSld>
+  <p:clrMapOvr>
+    <a:masterClrMapping/>
+  </p:clrMapOvr>
+</p:sld>
+</file>
+
+<file path=ppt/slides/slide23.xml><?xml version="1.0" encoding="utf-8"?>
+<p:sld xmlns:a="http://schemas.openxmlformats.org/drawingml/2006/main" xmlns:r="http://schemas.openxmlformats.org/officeDocument/2006/relationships" xmlns:p="http://schemas.openxmlformats.org/presentationml/2006/main">
+  <p:cSld>
+    <p:spTree>
+      <p:nvGrpSpPr>
+        <p:cNvPr id="1" name=""/>
+        <p:cNvGrpSpPr/>
+        <p:nvPr/>
+      </p:nvGrpSpPr>
+      <p:grpSpPr>
+        <a:xfrm>
+          <a:off x="0" y="0"/>
+          <a:ext cx="0" cy="0"/>
+          <a:chOff x="0" y="0"/>
+          <a:chExt cx="0" cy="0"/>
+        </a:xfrm>
+      </p:grpSpPr>
+      <p:sp>
+        <p:nvSpPr>
+          <p:cNvPr id="2" name="Title 1"/>
+          <p:cNvSpPr>
+            <a:spLocks noGrp="1"/>
+          </p:cNvSpPr>
+          <p:nvPr>
+            <p:ph type="title"/>
+          </p:nvPr>
+        </p:nvSpPr>
+        <p:spPr/>
+        <p:txBody>
+          <a:bodyPr/>
+          <a:lstStyle/>
+          <a:p>
+            <a:r>
+              <a:rPr lang="en-US" dirty="0"/>
+              <a:t>Cache Invalidation</a:t>
+            </a:r>
+          </a:p>
+        </p:txBody>
+      </p:sp>
+      <p:sp>
+        <p:nvSpPr>
+          <p:cNvPr id="3" name="Content Placeholder 2"/>
+          <p:cNvSpPr>
+            <a:spLocks noGrp="1"/>
+          </p:cNvSpPr>
+          <p:nvPr>
+            <p:ph idx="1"/>
+          </p:nvPr>
+        </p:nvSpPr>
+        <p:spPr>
+          <a:xfrm>
+            <a:off x="255373" y="1672422"/>
+            <a:ext cx="11771870" cy="5140411"/>
+          </a:xfrm>
+        </p:spPr>
+        <p:txBody>
+          <a:bodyPr>
+            <a:normAutofit fontScale="92500" lnSpcReduction="10000"/>
+          </a:bodyPr>
+          <a:lstStyle/>
+          <a:p>
+            <a:r>
+              <a:rPr lang="en-US" dirty="0"/>
+              <a:t>Assume you give a </a:t>
+            </a:r>
+            <a:r>
+              <a:rPr lang="en-US" i="1" dirty="0"/>
+              <a:t>Max-age</a:t>
+            </a:r>
+            <a:r>
+              <a:rPr lang="en-US" dirty="0"/>
+              <a:t> of 1 week</a:t>
+            </a:r>
+          </a:p>
+          <a:p>
+            <a:r>
+              <a:rPr lang="en-US" dirty="0"/>
+              <a:t>Resources will be cached on each client for 1 week</a:t>
+            </a:r>
+          </a:p>
+          <a:p>
+            <a:r>
+              <a:rPr lang="en-US" dirty="0"/>
+              <a:t>What if, within that week, you want to make an update?</a:t>
+            </a:r>
+          </a:p>
+          <a:p>
+            <a:pPr lvl="1"/>
+            <a:r>
+              <a:rPr lang="en-US" dirty="0" err="1"/>
+              <a:t>eg</a:t>
+            </a:r>
+            <a:r>
+              <a:rPr lang="en-US" dirty="0"/>
+              <a:t>, you find out there was a serious bug which led to create invalid resources</a:t>
+            </a:r>
+          </a:p>
+          <a:p>
+            <a:r>
+              <a:rPr lang="en-US" i="1" dirty="0"/>
+              <a:t>In HTTP, there is no way to tell client to invalidate its cache</a:t>
+            </a:r>
+            <a:r>
+              <a:rPr lang="en-US" dirty="0"/>
+              <a:t> </a:t>
+            </a:r>
+            <a:r>
+              <a:rPr lang="en-US" dirty="0">
+                <a:sym typeface="Wingdings" panose="05000000000000000000" pitchFamily="2" charset="2"/>
+              </a:rPr>
+              <a:t></a:t>
+            </a:r>
+            <a:endParaRPr lang="en-US" dirty="0"/>
+          </a:p>
+          <a:p>
+            <a:r>
+              <a:rPr lang="en-US" dirty="0"/>
+              <a:t>If the invalidation for resource X is really critical, only thing you can do is to put X in a different URL, and have all links pointing to the new URL</a:t>
+            </a:r>
+          </a:p>
+          <a:p>
+            <a:pPr lvl="1"/>
+            <a:r>
+              <a:rPr lang="en-US" dirty="0"/>
+              <a:t>So, old cached URL would not be used any longer</a:t>
+            </a:r>
+          </a:p>
+          <a:p>
+            <a:pPr lvl="1"/>
+            <a:r>
+              <a:rPr lang="en-US" dirty="0"/>
+              <a:t>Note: this might become quite expensive, as need to update all existing links in your whole app. So, not something to do often…</a:t>
+            </a:r>
+          </a:p>
+        </p:txBody>
+      </p:sp>
+    </p:spTree>
+    <p:extLst>
+      <p:ext uri="{BB962C8B-B14F-4D97-AF65-F5344CB8AC3E}">
+        <p14:creationId xmlns:p14="http://schemas.microsoft.com/office/powerpoint/2010/main" val="3520462887"/>
+      </p:ext>
+    </p:extLst>
+  </p:cSld>
+  <p:clrMapOvr>
+    <a:masterClrMapping/>
+  </p:clrMapOvr>
+</p:sld>
+</file>
+
+<file path=ppt/slides/slide24.xml><?xml version="1.0" encoding="utf-8"?>
+<p:sld xmlns:a="http://schemas.openxmlformats.org/drawingml/2006/main" xmlns:r="http://schemas.openxmlformats.org/officeDocument/2006/relationships" xmlns:p="http://schemas.openxmlformats.org/presentationml/2006/main">
+  <p:cSld>
+    <p:spTree>
+      <p:nvGrpSpPr>
+        <p:cNvPr id="1" name=""/>
+        <p:cNvGrpSpPr/>
+        <p:nvPr/>
+      </p:nvGrpSpPr>
+      <p:grpSpPr>
+        <a:xfrm>
+          <a:off x="0" y="0"/>
+          <a:ext cx="0" cy="0"/>
+          <a:chOff x="0" y="0"/>
+          <a:chExt cx="0" cy="0"/>
+        </a:xfrm>
+      </p:grpSpPr>
+      <p:sp>
+        <p:nvSpPr>
+          <p:cNvPr id="4" name="Title 3"/>
+          <p:cNvSpPr>
+            <a:spLocks noGrp="1"/>
+          </p:cNvSpPr>
+          <p:nvPr>
+            <p:ph type="title"/>
+          </p:nvPr>
+        </p:nvSpPr>
+        <p:spPr/>
+        <p:txBody>
+          <a:bodyPr/>
+          <a:lstStyle/>
+          <a:p>
+            <a:r>
+              <a:rPr lang="en-US" dirty="0"/>
+              <a:t>Public HTTP Caches</a:t>
+            </a:r>
+          </a:p>
+        </p:txBody>
+      </p:sp>
+      <p:sp>
+        <p:nvSpPr>
+          <p:cNvPr id="5" name="Text Placeholder 4"/>
+          <p:cNvSpPr>
+            <a:spLocks noGrp="1"/>
+          </p:cNvSpPr>
+          <p:nvPr>
+            <p:ph type="body" idx="1"/>
+          </p:nvPr>
+        </p:nvSpPr>
+        <p:spPr/>
+        <p:txBody>
+          <a:bodyPr/>
+          <a:lstStyle/>
+          <a:p>
+            <a:endParaRPr lang="en-US" dirty="0"/>
+          </a:p>
+        </p:txBody>
+      </p:sp>
+    </p:spTree>
+    <p:extLst>
+      <p:ext uri="{BB962C8B-B14F-4D97-AF65-F5344CB8AC3E}">
+        <p14:creationId xmlns:p14="http://schemas.microsoft.com/office/powerpoint/2010/main" val="1153974314"/>
+      </p:ext>
+    </p:extLst>
+  </p:cSld>
+  <p:clrMapOvr>
+    <a:masterClrMapping/>
+  </p:clrMapOvr>
+</p:sld>
+</file>
+
+<file path=ppt/slides/slide25.xml><?xml version="1.0" encoding="utf-8"?>
+<p:sld xmlns:a="http://schemas.openxmlformats.org/drawingml/2006/main" xmlns:r="http://schemas.openxmlformats.org/officeDocument/2006/relationships" xmlns:p="http://schemas.openxmlformats.org/presentationml/2006/main">
+  <p:cSld>
+    <p:spTree>
+      <p:nvGrpSpPr>
+        <p:cNvPr id="1" name=""/>
+        <p:cNvGrpSpPr/>
+        <p:nvPr/>
+      </p:nvGrpSpPr>
+      <p:grpSpPr>
+        <a:xfrm>
+          <a:off x="0" y="0"/>
+          <a:ext cx="0" cy="0"/>
+          <a:chOff x="0" y="0"/>
+          <a:chExt cx="0" cy="0"/>
+        </a:xfrm>
+      </p:grpSpPr>
+      <p:pic>
+        <p:nvPicPr>
+          <p:cNvPr id="3074" name="Picture 2" descr="Image result for chrome"/>
+          <p:cNvPicPr>
+            <a:picLocks noChangeAspect="1" noChangeArrowheads="1"/>
+          </p:cNvPicPr>
+          <p:nvPr/>
+        </p:nvPicPr>
+        <p:blipFill>
+          <a:blip r:embed="rId2">
+            <a:extLst>
+              <a:ext uri="{28A0092B-C50C-407E-A947-70E740481C1C}">
+                <a14:useLocalDpi xmlns:a14="http://schemas.microsoft.com/office/drawing/2010/main" val="0"/>
+              </a:ext>
+            </a:extLst>
+          </a:blip>
+          <a:srcRect/>
+          <a:stretch>
+            <a:fillRect/>
+          </a:stretch>
+        </p:blipFill>
+        <p:spPr bwMode="auto">
+          <a:xfrm>
+            <a:off x="1152352" y="642550"/>
+            <a:ext cx="1227439" cy="1227439"/>
+          </a:xfrm>
+          <a:prstGeom prst="rect">
+            <a:avLst/>
+          </a:prstGeom>
+          <a:noFill/>
+          <a:extLst>
+            <a:ext uri="{909E8E84-426E-40DD-AFC4-6F175D3DCCD1}">
+              <a14:hiddenFill xmlns:a14="http://schemas.microsoft.com/office/drawing/2010/main">
+                <a:solidFill>
+                  <a:srgbClr val="FFFFFF"/>
+                </a:solidFill>
+              </a14:hiddenFill>
+            </a:ext>
+          </a:extLst>
+        </p:spPr>
+      </p:pic>
+      <p:pic>
+        <p:nvPicPr>
+          <p:cNvPr id="5" name="Picture 2" descr="Image result for chrome"/>
+          <p:cNvPicPr>
+            <a:picLocks noChangeAspect="1" noChangeArrowheads="1"/>
+          </p:cNvPicPr>
+          <p:nvPr/>
+        </p:nvPicPr>
+        <p:blipFill>
+          <a:blip r:embed="rId2">
+            <a:extLst>
+              <a:ext uri="{28A0092B-C50C-407E-A947-70E740481C1C}">
+                <a14:useLocalDpi xmlns:a14="http://schemas.microsoft.com/office/drawing/2010/main" val="0"/>
+              </a:ext>
+            </a:extLst>
+          </a:blip>
+          <a:srcRect/>
+          <a:stretch>
+            <a:fillRect/>
+          </a:stretch>
+        </p:blipFill>
+        <p:spPr bwMode="auto">
+          <a:xfrm>
+            <a:off x="1151406" y="2108885"/>
+            <a:ext cx="1227439" cy="1227439"/>
+          </a:xfrm>
+          <a:prstGeom prst="rect">
+            <a:avLst/>
+          </a:prstGeom>
+          <a:noFill/>
+          <a:extLst>
+            <a:ext uri="{909E8E84-426E-40DD-AFC4-6F175D3DCCD1}">
+              <a14:hiddenFill xmlns:a14="http://schemas.microsoft.com/office/drawing/2010/main">
+                <a:solidFill>
+                  <a:srgbClr val="FFFFFF"/>
+                </a:solidFill>
+              </a14:hiddenFill>
+            </a:ext>
+          </a:extLst>
+        </p:spPr>
+      </p:pic>
+      <p:pic>
+        <p:nvPicPr>
+          <p:cNvPr id="6" name="Picture 2" descr="Image result for chrome"/>
+          <p:cNvPicPr>
+            <a:picLocks noChangeAspect="1" noChangeArrowheads="1"/>
+          </p:cNvPicPr>
+          <p:nvPr/>
+        </p:nvPicPr>
+        <p:blipFill>
+          <a:blip r:embed="rId2">
+            <a:extLst>
+              <a:ext uri="{28A0092B-C50C-407E-A947-70E740481C1C}">
+                <a14:useLocalDpi xmlns:a14="http://schemas.microsoft.com/office/drawing/2010/main" val="0"/>
+              </a:ext>
+            </a:extLst>
+          </a:blip>
+          <a:srcRect/>
+          <a:stretch>
+            <a:fillRect/>
+          </a:stretch>
+        </p:blipFill>
+        <p:spPr bwMode="auto">
+          <a:xfrm>
+            <a:off x="1152352" y="3575220"/>
+            <a:ext cx="1227439" cy="1227439"/>
+          </a:xfrm>
+          <a:prstGeom prst="rect">
+            <a:avLst/>
+          </a:prstGeom>
+          <a:noFill/>
+          <a:extLst>
+            <a:ext uri="{909E8E84-426E-40DD-AFC4-6F175D3DCCD1}">
+              <a14:hiddenFill xmlns:a14="http://schemas.microsoft.com/office/drawing/2010/main">
+                <a:solidFill>
+                  <a:srgbClr val="FFFFFF"/>
+                </a:solidFill>
+              </a14:hiddenFill>
+            </a:ext>
+          </a:extLst>
+        </p:spPr>
+      </p:pic>
+      <p:pic>
+        <p:nvPicPr>
+          <p:cNvPr id="7" name="Picture 2" descr="Image result for chrome"/>
+          <p:cNvPicPr>
+            <a:picLocks noChangeAspect="1" noChangeArrowheads="1"/>
+          </p:cNvPicPr>
+          <p:nvPr/>
+        </p:nvPicPr>
+        <p:blipFill>
+          <a:blip r:embed="rId2">
+            <a:extLst>
+              <a:ext uri="{28A0092B-C50C-407E-A947-70E740481C1C}">
+                <a14:useLocalDpi xmlns:a14="http://schemas.microsoft.com/office/drawing/2010/main" val="0"/>
+              </a:ext>
+            </a:extLst>
+          </a:blip>
+          <a:srcRect/>
+          <a:stretch>
+            <a:fillRect/>
+          </a:stretch>
+        </p:blipFill>
+        <p:spPr bwMode="auto">
+          <a:xfrm>
+            <a:off x="1155525" y="5041555"/>
+            <a:ext cx="1227439" cy="1227439"/>
+          </a:xfrm>
+          <a:prstGeom prst="rect">
+            <a:avLst/>
+          </a:prstGeom>
+          <a:noFill/>
+          <a:extLst>
+            <a:ext uri="{909E8E84-426E-40DD-AFC4-6F175D3DCCD1}">
+              <a14:hiddenFill xmlns:a14="http://schemas.microsoft.com/office/drawing/2010/main">
+                <a:solidFill>
+                  <a:srgbClr val="FFFFFF"/>
+                </a:solidFill>
+              </a14:hiddenFill>
+            </a:ext>
+          </a:extLst>
+        </p:spPr>
+      </p:pic>
+      <p:sp>
+        <p:nvSpPr>
+          <p:cNvPr id="4" name="Rounded Rectangle 3"/>
+          <p:cNvSpPr/>
+          <p:nvPr/>
+        </p:nvSpPr>
+        <p:spPr>
+          <a:xfrm>
+            <a:off x="8968418" y="2743198"/>
+            <a:ext cx="1845276" cy="1375719"/>
+          </a:xfrm>
+          <a:prstGeom prst="roundRect">
+            <a:avLst/>
+          </a:prstGeom>
+        </p:spPr>
+        <p:style>
+          <a:lnRef idx="2">
+            <a:schemeClr val="accent1">
+              <a:shade val="50000"/>
+            </a:schemeClr>
+          </a:lnRef>
+          <a:fillRef idx="1">
+            <a:schemeClr val="accent1"/>
+          </a:fillRef>
+          <a:effectRef idx="0">
+            <a:schemeClr val="accent1"/>
+          </a:effectRef>
+          <a:fontRef idx="minor">
+            <a:schemeClr val="lt1"/>
+          </a:fontRef>
+        </p:style>
+        <p:txBody>
+          <a:bodyPr rtlCol="0" anchor="ctr"/>
+          <a:lstStyle/>
+          <a:p>
+            <a:pPr algn="ctr"/>
+            <a:r>
+              <a:rPr lang="en-US" sz="3600" dirty="0"/>
+              <a:t>Web Service</a:t>
+            </a:r>
+          </a:p>
+        </p:txBody>
+      </p:sp>
+      <p:sp>
+        <p:nvSpPr>
+          <p:cNvPr id="8" name="Rounded Rectangle 7"/>
+          <p:cNvSpPr/>
+          <p:nvPr/>
+        </p:nvSpPr>
+        <p:spPr>
+          <a:xfrm>
+            <a:off x="5881816" y="2743198"/>
+            <a:ext cx="1540476" cy="1375719"/>
+          </a:xfrm>
+          <a:prstGeom prst="roundRect">
+            <a:avLst/>
+          </a:prstGeom>
+        </p:spPr>
+        <p:style>
+          <a:lnRef idx="2">
+            <a:schemeClr val="accent4">
+              <a:shade val="50000"/>
+            </a:schemeClr>
+          </a:lnRef>
+          <a:fillRef idx="1">
+            <a:schemeClr val="accent4"/>
+          </a:fillRef>
+          <a:effectRef idx="0">
+            <a:schemeClr val="accent4"/>
+          </a:effectRef>
+          <a:fontRef idx="minor">
+            <a:schemeClr val="lt1"/>
+          </a:fontRef>
+        </p:style>
+        <p:txBody>
+          <a:bodyPr rtlCol="0" anchor="ctr"/>
+          <a:lstStyle/>
+          <a:p>
+            <a:pPr algn="ctr"/>
+            <a:r>
+              <a:rPr lang="en-US" sz="3600" dirty="0"/>
+              <a:t>HTTP Cache</a:t>
+            </a:r>
+          </a:p>
+        </p:txBody>
+      </p:sp>
+      <p:cxnSp>
+        <p:nvCxnSpPr>
+          <p:cNvPr id="10" name="Straight Connector 9"/>
+          <p:cNvCxnSpPr/>
+          <p:nvPr/>
+        </p:nvCxnSpPr>
+        <p:spPr>
+          <a:xfrm>
+            <a:off x="5469566" y="214184"/>
+            <a:ext cx="0" cy="6293708"/>
+          </a:xfrm>
+          <a:prstGeom prst="line">
+            <a:avLst/>
+          </a:prstGeom>
+          <a:ln w="50800">
+            <a:solidFill>
+              <a:schemeClr val="tx1"/>
+            </a:solidFill>
+            <a:prstDash val="dash"/>
+          </a:ln>
+        </p:spPr>
+        <p:style>
+          <a:lnRef idx="1">
+            <a:schemeClr val="accent1"/>
+          </a:lnRef>
+          <a:fillRef idx="0">
+            <a:schemeClr val="accent1"/>
+          </a:fillRef>
+          <a:effectRef idx="0">
+            <a:schemeClr val="accent1"/>
+          </a:effectRef>
+          <a:fontRef idx="minor">
+            <a:schemeClr val="tx1"/>
+          </a:fontRef>
+        </p:style>
+      </p:cxnSp>
+      <p:cxnSp>
+        <p:nvCxnSpPr>
+          <p:cNvPr id="12" name="Straight Arrow Connector 11"/>
+          <p:cNvCxnSpPr>
+            <a:stCxn id="3074" idx="3"/>
+            <a:endCxn id="8" idx="1"/>
+          </p:cNvCxnSpPr>
+          <p:nvPr/>
+        </p:nvCxnSpPr>
+        <p:spPr>
+          <a:xfrm>
+            <a:off x="2379791" y="1256270"/>
+            <a:ext cx="3502025" cy="2174788"/>
+          </a:xfrm>
+          <a:prstGeom prst="straightConnector1">
+            <a:avLst/>
+          </a:prstGeom>
+          <a:ln w="76200">
+            <a:solidFill>
+              <a:schemeClr val="tx1"/>
+            </a:solidFill>
+            <a:headEnd type="triangle"/>
+            <a:tailEnd type="triangle"/>
+          </a:ln>
+        </p:spPr>
+        <p:style>
+          <a:lnRef idx="1">
+            <a:schemeClr val="accent1"/>
+          </a:lnRef>
+          <a:fillRef idx="0">
+            <a:schemeClr val="accent1"/>
+          </a:fillRef>
+          <a:effectRef idx="0">
+            <a:schemeClr val="accent1"/>
+          </a:effectRef>
+          <a:fontRef idx="minor">
+            <a:schemeClr val="tx1"/>
+          </a:fontRef>
+        </p:style>
+      </p:cxnSp>
+      <p:cxnSp>
+        <p:nvCxnSpPr>
+          <p:cNvPr id="16" name="Straight Arrow Connector 15"/>
+          <p:cNvCxnSpPr>
+            <a:stCxn id="5" idx="3"/>
+            <a:endCxn id="8" idx="1"/>
+          </p:cNvCxnSpPr>
+          <p:nvPr/>
+        </p:nvCxnSpPr>
+        <p:spPr>
+          <a:xfrm>
+            <a:off x="2378845" y="2722605"/>
+            <a:ext cx="3502971" cy="708453"/>
+          </a:xfrm>
+          <a:prstGeom prst="straightConnector1">
+            <a:avLst/>
+          </a:prstGeom>
+          <a:ln w="76200">
+            <a:solidFill>
+              <a:schemeClr val="tx1"/>
+            </a:solidFill>
+            <a:headEnd type="triangle"/>
+            <a:tailEnd type="triangle"/>
+          </a:ln>
+        </p:spPr>
+        <p:style>
+          <a:lnRef idx="1">
+            <a:schemeClr val="accent1"/>
+          </a:lnRef>
+          <a:fillRef idx="0">
+            <a:schemeClr val="accent1"/>
+          </a:fillRef>
+          <a:effectRef idx="0">
+            <a:schemeClr val="accent1"/>
+          </a:effectRef>
+          <a:fontRef idx="minor">
+            <a:schemeClr val="tx1"/>
+          </a:fontRef>
+        </p:style>
+      </p:cxnSp>
+      <p:cxnSp>
+        <p:nvCxnSpPr>
+          <p:cNvPr id="17" name="Straight Arrow Connector 16"/>
+          <p:cNvCxnSpPr>
+            <a:stCxn id="6" idx="3"/>
+            <a:endCxn id="8" idx="1"/>
+          </p:cNvCxnSpPr>
+          <p:nvPr/>
+        </p:nvCxnSpPr>
+        <p:spPr>
+          <a:xfrm flipV="1">
+            <a:off x="2379791" y="3431058"/>
+            <a:ext cx="3502025" cy="757882"/>
+          </a:xfrm>
+          <a:prstGeom prst="straightConnector1">
+            <a:avLst/>
+          </a:prstGeom>
+          <a:ln w="76200">
+            <a:solidFill>
+              <a:schemeClr val="tx1"/>
+            </a:solidFill>
+            <a:headEnd type="triangle"/>
+            <a:tailEnd type="triangle"/>
+          </a:ln>
+        </p:spPr>
+        <p:style>
+          <a:lnRef idx="1">
+            <a:schemeClr val="accent1"/>
+          </a:lnRef>
+          <a:fillRef idx="0">
+            <a:schemeClr val="accent1"/>
+          </a:fillRef>
+          <a:effectRef idx="0">
+            <a:schemeClr val="accent1"/>
+          </a:effectRef>
+          <a:fontRef idx="minor">
+            <a:schemeClr val="tx1"/>
+          </a:fontRef>
+        </p:style>
+      </p:cxnSp>
+      <p:cxnSp>
+        <p:nvCxnSpPr>
+          <p:cNvPr id="18" name="Straight Arrow Connector 17"/>
+          <p:cNvCxnSpPr>
+            <a:stCxn id="7" idx="3"/>
+            <a:endCxn id="8" idx="1"/>
+          </p:cNvCxnSpPr>
+          <p:nvPr/>
+        </p:nvCxnSpPr>
+        <p:spPr>
+          <a:xfrm flipV="1">
+            <a:off x="2382964" y="3431058"/>
+            <a:ext cx="3498852" cy="2224217"/>
+          </a:xfrm>
+          <a:prstGeom prst="straightConnector1">
+            <a:avLst/>
+          </a:prstGeom>
+          <a:ln w="76200">
+            <a:solidFill>
+              <a:schemeClr val="tx1"/>
+            </a:solidFill>
+            <a:headEnd type="triangle"/>
+            <a:tailEnd type="triangle"/>
+          </a:ln>
+        </p:spPr>
+        <p:style>
+          <a:lnRef idx="1">
+            <a:schemeClr val="accent1"/>
+          </a:lnRef>
+          <a:fillRef idx="0">
+            <a:schemeClr val="accent1"/>
+          </a:fillRef>
+          <a:effectRef idx="0">
+            <a:schemeClr val="accent1"/>
+          </a:effectRef>
+          <a:fontRef idx="minor">
+            <a:schemeClr val="tx1"/>
+          </a:fontRef>
+        </p:style>
+      </p:cxnSp>
+      <p:cxnSp>
+        <p:nvCxnSpPr>
+          <p:cNvPr id="19" name="Straight Arrow Connector 18"/>
+          <p:cNvCxnSpPr>
+            <a:stCxn id="8" idx="3"/>
+            <a:endCxn id="4" idx="1"/>
+          </p:cNvCxnSpPr>
+          <p:nvPr/>
+        </p:nvCxnSpPr>
+        <p:spPr>
+          <a:xfrm>
+            <a:off x="7422292" y="3431058"/>
+            <a:ext cx="1546126" cy="0"/>
+          </a:xfrm>
+          <a:prstGeom prst="straightConnector1">
+            <a:avLst/>
+          </a:prstGeom>
+          <a:ln w="76200">
+            <a:solidFill>
+              <a:schemeClr val="tx1"/>
+            </a:solidFill>
+            <a:headEnd type="triangle"/>
+            <a:tailEnd type="triangle"/>
+          </a:ln>
+        </p:spPr>
+        <p:style>
+          <a:lnRef idx="1">
+            <a:schemeClr val="accent1"/>
+          </a:lnRef>
+          <a:fillRef idx="0">
+            <a:schemeClr val="accent1"/>
+          </a:fillRef>
+          <a:effectRef idx="0">
+            <a:schemeClr val="accent1"/>
+          </a:effectRef>
+          <a:fontRef idx="minor">
+            <a:schemeClr val="tx1"/>
+          </a:fontRef>
+        </p:style>
+      </p:cxnSp>
+      <p:sp>
+        <p:nvSpPr>
+          <p:cNvPr id="27" name="TextBox 26"/>
+          <p:cNvSpPr txBox="1"/>
+          <p:nvPr/>
+        </p:nvSpPr>
+        <p:spPr>
+          <a:xfrm>
+            <a:off x="6679096" y="4395389"/>
+            <a:ext cx="5049312" cy="2246769"/>
+          </a:xfrm>
+          <a:prstGeom prst="rect">
+            <a:avLst/>
+          </a:prstGeom>
+          <a:noFill/>
+        </p:spPr>
+        <p:txBody>
+          <a:bodyPr wrap="square" rtlCol="0">
+            <a:spAutoFit/>
+          </a:bodyPr>
+          <a:lstStyle/>
+          <a:p>
+            <a:r>
+              <a:rPr lang="en-US" sz="2800" dirty="0"/>
+              <a:t>Can put a HTTP Proxy Cache in front of your services. Requests go through the actual Web Service only if it was not in the cache</a:t>
+            </a:r>
+          </a:p>
+        </p:txBody>
+      </p:sp>
+      <p:pic>
+        <p:nvPicPr>
+          <p:cNvPr id="3076" name="Picture 4" descr="Image result for database"/>
+          <p:cNvPicPr>
+            <a:picLocks noChangeAspect="1" noChangeArrowheads="1"/>
+          </p:cNvPicPr>
+          <p:nvPr/>
+        </p:nvPicPr>
+        <p:blipFill>
+          <a:blip r:embed="rId3">
+            <a:extLst>
+              <a:ext uri="{28A0092B-C50C-407E-A947-70E740481C1C}">
+                <a14:useLocalDpi xmlns:a14="http://schemas.microsoft.com/office/drawing/2010/main" val="0"/>
+              </a:ext>
+            </a:extLst>
+          </a:blip>
+          <a:srcRect/>
+          <a:stretch>
+            <a:fillRect/>
+          </a:stretch>
+        </p:blipFill>
+        <p:spPr bwMode="auto">
+          <a:xfrm>
+            <a:off x="9218196" y="242453"/>
+            <a:ext cx="1345719" cy="1345720"/>
+          </a:xfrm>
+          <a:prstGeom prst="rect">
+            <a:avLst/>
+          </a:prstGeom>
+          <a:noFill/>
+          <a:extLst>
+            <a:ext uri="{909E8E84-426E-40DD-AFC4-6F175D3DCCD1}">
+              <a14:hiddenFill xmlns:a14="http://schemas.microsoft.com/office/drawing/2010/main">
+                <a:solidFill>
+                  <a:srgbClr val="FFFFFF"/>
+                </a:solidFill>
+              </a14:hiddenFill>
+            </a:ext>
+          </a:extLst>
+        </p:spPr>
+      </p:pic>
+      <p:cxnSp>
+        <p:nvCxnSpPr>
+          <p:cNvPr id="32" name="Straight Arrow Connector 31"/>
+          <p:cNvCxnSpPr>
+            <a:stCxn id="3076" idx="2"/>
+            <a:endCxn id="4" idx="0"/>
+          </p:cNvCxnSpPr>
+          <p:nvPr/>
+        </p:nvCxnSpPr>
+        <p:spPr>
+          <a:xfrm>
+            <a:off x="9891056" y="1588173"/>
+            <a:ext cx="0" cy="1155025"/>
+          </a:xfrm>
+          <a:prstGeom prst="straightConnector1">
+            <a:avLst/>
+          </a:prstGeom>
+          <a:ln w="76200">
+            <a:solidFill>
+              <a:schemeClr val="tx1"/>
+            </a:solidFill>
+            <a:headEnd type="triangle"/>
+            <a:tailEnd type="triangle"/>
+          </a:ln>
+        </p:spPr>
+        <p:style>
+          <a:lnRef idx="1">
+            <a:schemeClr val="accent1"/>
+          </a:lnRef>
+          <a:fillRef idx="0">
+            <a:schemeClr val="accent1"/>
+          </a:fillRef>
+          <a:effectRef idx="0">
+            <a:schemeClr val="accent1"/>
+          </a:effectRef>
+          <a:fontRef idx="minor">
+            <a:schemeClr val="tx1"/>
+          </a:fontRef>
+        </p:style>
+      </p:cxnSp>
+    </p:spTree>
+    <p:extLst>
+      <p:ext uri="{BB962C8B-B14F-4D97-AF65-F5344CB8AC3E}">
+        <p14:creationId xmlns:p14="http://schemas.microsoft.com/office/powerpoint/2010/main" val="3634245111"/>
+      </p:ext>
+    </p:extLst>
+  </p:cSld>
+  <p:clrMapOvr>
+    <a:masterClrMapping/>
+  </p:clrMapOvr>
+</p:sld>
+</file>
+
+<file path=ppt/slides/slide26.xml><?xml version="1.0" encoding="utf-8"?>
+<p:sld xmlns:a="http://schemas.openxmlformats.org/drawingml/2006/main" xmlns:r="http://schemas.openxmlformats.org/officeDocument/2006/relationships" xmlns:p="http://schemas.openxmlformats.org/presentationml/2006/main">
+  <p:cSld>
+    <p:spTree>
+      <p:nvGrpSpPr>
+        <p:cNvPr id="1" name=""/>
+        <p:cNvGrpSpPr/>
+        <p:nvPr/>
+      </p:nvGrpSpPr>
+      <p:grpSpPr>
+        <a:xfrm>
+          <a:off x="0" y="0"/>
+          <a:ext cx="0" cy="0"/>
+          <a:chOff x="0" y="0"/>
+          <a:chExt cx="0" cy="0"/>
+        </a:xfrm>
+      </p:grpSpPr>
+      <p:sp>
+        <p:nvSpPr>
+          <p:cNvPr id="2" name="Title 1"/>
+          <p:cNvSpPr>
+            <a:spLocks noGrp="1"/>
+          </p:cNvSpPr>
+          <p:nvPr>
+            <p:ph type="title"/>
+          </p:nvPr>
+        </p:nvSpPr>
+        <p:spPr>
+          <a:xfrm>
+            <a:off x="241852" y="116647"/>
+            <a:ext cx="10515600" cy="907083"/>
+          </a:xfrm>
+        </p:spPr>
+        <p:txBody>
+          <a:bodyPr>
+            <a:normAutofit fontScale="90000"/>
+          </a:bodyPr>
+          <a:lstStyle/>
+          <a:p>
+            <a:r>
+              <a:rPr lang="en-US" dirty="0"/>
+              <a:t>Why?</a:t>
+            </a:r>
+          </a:p>
+        </p:txBody>
+      </p:sp>
+      <p:sp>
+        <p:nvSpPr>
+          <p:cNvPr id="3" name="Content Placeholder 2"/>
+          <p:cNvSpPr>
+            <a:spLocks noGrp="1"/>
+          </p:cNvSpPr>
+          <p:nvPr>
+            <p:ph idx="1"/>
+          </p:nvPr>
+        </p:nvSpPr>
+        <p:spPr>
+          <a:xfrm>
+            <a:off x="241852" y="1023731"/>
+            <a:ext cx="11734800" cy="1142999"/>
+          </a:xfrm>
+        </p:spPr>
+        <p:txBody>
+          <a:bodyPr/>
+          <a:lstStyle/>
+          <a:p>
+            <a:pPr marL="0" indent="0">
+              <a:buNone/>
+            </a:pPr>
+            <a:r>
+              <a:rPr lang="en-US" dirty="0"/>
+              <a:t>First client will trigger whole computation, but all followings will access directly from public cache on first request</a:t>
+            </a:r>
+          </a:p>
+        </p:txBody>
+      </p:sp>
+      <p:pic>
+        <p:nvPicPr>
+          <p:cNvPr id="4" name="Picture 2" descr="Image result for chrome"/>
+          <p:cNvPicPr>
+            <a:picLocks noChangeAspect="1" noChangeArrowheads="1"/>
+          </p:cNvPicPr>
+          <p:nvPr/>
+        </p:nvPicPr>
+        <p:blipFill>
+          <a:blip r:embed="rId2">
+            <a:extLst>
+              <a:ext uri="{28A0092B-C50C-407E-A947-70E740481C1C}">
+                <a14:useLocalDpi xmlns:a14="http://schemas.microsoft.com/office/drawing/2010/main" val="0"/>
+              </a:ext>
+            </a:extLst>
+          </a:blip>
+          <a:srcRect/>
+          <a:stretch>
+            <a:fillRect/>
+          </a:stretch>
+        </p:blipFill>
+        <p:spPr bwMode="auto">
+          <a:xfrm>
+            <a:off x="1185562" y="2388317"/>
+            <a:ext cx="1227439" cy="1227439"/>
+          </a:xfrm>
+          <a:prstGeom prst="rect">
+            <a:avLst/>
+          </a:prstGeom>
+          <a:noFill/>
+          <a:extLst>
+            <a:ext uri="{909E8E84-426E-40DD-AFC4-6F175D3DCCD1}">
+              <a14:hiddenFill xmlns:a14="http://schemas.microsoft.com/office/drawing/2010/main">
+                <a:solidFill>
+                  <a:srgbClr val="FFFFFF"/>
+                </a:solidFill>
+              </a14:hiddenFill>
+            </a:ext>
+          </a:extLst>
+        </p:spPr>
+      </p:pic>
+      <p:sp>
+        <p:nvSpPr>
+          <p:cNvPr id="5" name="Rounded Rectangle 4"/>
+          <p:cNvSpPr/>
+          <p:nvPr/>
+        </p:nvSpPr>
+        <p:spPr>
+          <a:xfrm>
+            <a:off x="7038693" y="2314176"/>
+            <a:ext cx="1845276" cy="1375719"/>
+          </a:xfrm>
+          <a:prstGeom prst="roundRect">
+            <a:avLst/>
+          </a:prstGeom>
+        </p:spPr>
+        <p:style>
+          <a:lnRef idx="2">
+            <a:schemeClr val="accent1">
+              <a:shade val="50000"/>
+            </a:schemeClr>
+          </a:lnRef>
+          <a:fillRef idx="1">
+            <a:schemeClr val="accent1"/>
+          </a:fillRef>
+          <a:effectRef idx="0">
+            <a:schemeClr val="accent1"/>
+          </a:effectRef>
+          <a:fontRef idx="minor">
+            <a:schemeClr val="lt1"/>
+          </a:fontRef>
+        </p:style>
+        <p:txBody>
+          <a:bodyPr rtlCol="0" anchor="ctr"/>
+          <a:lstStyle/>
+          <a:p>
+            <a:pPr algn="ctr"/>
+            <a:r>
+              <a:rPr lang="en-US" sz="3600" dirty="0"/>
+              <a:t>Web Service</a:t>
+            </a:r>
+          </a:p>
+        </p:txBody>
+      </p:sp>
+      <p:sp>
+        <p:nvSpPr>
+          <p:cNvPr id="6" name="Rounded Rectangle 5"/>
+          <p:cNvSpPr/>
+          <p:nvPr/>
+        </p:nvSpPr>
+        <p:spPr>
+          <a:xfrm>
+            <a:off x="4073653" y="2331608"/>
+            <a:ext cx="1540476" cy="1375719"/>
+          </a:xfrm>
+          <a:prstGeom prst="roundRect">
+            <a:avLst/>
+          </a:prstGeom>
+        </p:spPr>
+        <p:style>
+          <a:lnRef idx="2">
+            <a:schemeClr val="accent4">
+              <a:shade val="50000"/>
+            </a:schemeClr>
+          </a:lnRef>
+          <a:fillRef idx="1">
+            <a:schemeClr val="accent4"/>
+          </a:fillRef>
+          <a:effectRef idx="0">
+            <a:schemeClr val="accent4"/>
+          </a:effectRef>
+          <a:fontRef idx="minor">
+            <a:schemeClr val="lt1"/>
+          </a:fontRef>
+        </p:style>
+        <p:txBody>
+          <a:bodyPr rtlCol="0" anchor="ctr"/>
+          <a:lstStyle/>
+          <a:p>
+            <a:pPr algn="ctr"/>
+            <a:r>
+              <a:rPr lang="en-US" sz="3600" dirty="0"/>
+              <a:t>HTTP Cache</a:t>
+            </a:r>
+          </a:p>
+        </p:txBody>
+      </p:sp>
+      <p:pic>
+        <p:nvPicPr>
+          <p:cNvPr id="7" name="Picture 4" descr="Image result for database"/>
+          <p:cNvPicPr>
+            <a:picLocks noChangeAspect="1" noChangeArrowheads="1"/>
+          </p:cNvPicPr>
+          <p:nvPr/>
+        </p:nvPicPr>
+        <p:blipFill>
+          <a:blip r:embed="rId3">
+            <a:extLst>
+              <a:ext uri="{28A0092B-C50C-407E-A947-70E740481C1C}">
+                <a14:useLocalDpi xmlns:a14="http://schemas.microsoft.com/office/drawing/2010/main" val="0"/>
+              </a:ext>
+            </a:extLst>
+          </a:blip>
+          <a:srcRect/>
+          <a:stretch>
+            <a:fillRect/>
+          </a:stretch>
+        </p:blipFill>
+        <p:spPr bwMode="auto">
+          <a:xfrm>
+            <a:off x="9924265" y="2344175"/>
+            <a:ext cx="1345719" cy="1345720"/>
+          </a:xfrm>
+          <a:prstGeom prst="rect">
+            <a:avLst/>
+          </a:prstGeom>
+          <a:noFill/>
+          <a:extLst>
+            <a:ext uri="{909E8E84-426E-40DD-AFC4-6F175D3DCCD1}">
+              <a14:hiddenFill xmlns:a14="http://schemas.microsoft.com/office/drawing/2010/main">
+                <a:solidFill>
+                  <a:srgbClr val="FFFFFF"/>
+                </a:solidFill>
+              </a14:hiddenFill>
+            </a:ext>
+          </a:extLst>
+        </p:spPr>
+      </p:pic>
+      <p:cxnSp>
+        <p:nvCxnSpPr>
+          <p:cNvPr id="8" name="Straight Connector 7"/>
+          <p:cNvCxnSpPr/>
+          <p:nvPr/>
+        </p:nvCxnSpPr>
+        <p:spPr>
+          <a:xfrm>
+            <a:off x="1762270" y="3707327"/>
+            <a:ext cx="0" cy="2961830"/>
+          </a:xfrm>
+          <a:prstGeom prst="line">
+            <a:avLst/>
+          </a:prstGeom>
+          <a:ln w="25400">
+            <a:solidFill>
+              <a:schemeClr val="tx1"/>
+            </a:solidFill>
+            <a:prstDash val="dash"/>
+          </a:ln>
+        </p:spPr>
+        <p:style>
+          <a:lnRef idx="1">
+            <a:schemeClr val="accent1"/>
+          </a:lnRef>
+          <a:fillRef idx="0">
+            <a:schemeClr val="accent1"/>
+          </a:fillRef>
+          <a:effectRef idx="0">
+            <a:schemeClr val="accent1"/>
+          </a:effectRef>
+          <a:fontRef idx="minor">
+            <a:schemeClr val="tx1"/>
+          </a:fontRef>
+        </p:style>
+      </p:cxnSp>
+      <p:cxnSp>
+        <p:nvCxnSpPr>
+          <p:cNvPr id="12" name="Straight Connector 11"/>
+          <p:cNvCxnSpPr/>
+          <p:nvPr/>
+        </p:nvCxnSpPr>
+        <p:spPr>
+          <a:xfrm>
+            <a:off x="10641227" y="3786840"/>
+            <a:ext cx="0" cy="2961830"/>
+          </a:xfrm>
+          <a:prstGeom prst="line">
+            <a:avLst/>
+          </a:prstGeom>
+          <a:ln w="25400">
+            <a:solidFill>
+              <a:schemeClr val="tx1"/>
+            </a:solidFill>
+            <a:prstDash val="dash"/>
+          </a:ln>
+        </p:spPr>
+        <p:style>
+          <a:lnRef idx="1">
+            <a:schemeClr val="accent1"/>
+          </a:lnRef>
+          <a:fillRef idx="0">
+            <a:schemeClr val="accent1"/>
+          </a:fillRef>
+          <a:effectRef idx="0">
+            <a:schemeClr val="accent1"/>
+          </a:effectRef>
+          <a:fontRef idx="minor">
+            <a:schemeClr val="tx1"/>
+          </a:fontRef>
+        </p:style>
+      </p:cxnSp>
+      <p:cxnSp>
+        <p:nvCxnSpPr>
+          <p:cNvPr id="13" name="Straight Connector 12"/>
+          <p:cNvCxnSpPr/>
+          <p:nvPr/>
+        </p:nvCxnSpPr>
+        <p:spPr>
+          <a:xfrm>
+            <a:off x="8000731" y="3786840"/>
+            <a:ext cx="0" cy="2961830"/>
+          </a:xfrm>
+          <a:prstGeom prst="line">
+            <a:avLst/>
+          </a:prstGeom>
+          <a:ln w="25400">
+            <a:solidFill>
+              <a:schemeClr val="tx1"/>
+            </a:solidFill>
+            <a:prstDash val="dash"/>
+          </a:ln>
+        </p:spPr>
+        <p:style>
+          <a:lnRef idx="1">
+            <a:schemeClr val="accent1"/>
+          </a:lnRef>
+          <a:fillRef idx="0">
+            <a:schemeClr val="accent1"/>
+          </a:fillRef>
+          <a:effectRef idx="0">
+            <a:schemeClr val="accent1"/>
+          </a:effectRef>
+          <a:fontRef idx="minor">
+            <a:schemeClr val="tx1"/>
+          </a:fontRef>
+        </p:style>
+      </p:cxnSp>
+      <p:cxnSp>
+        <p:nvCxnSpPr>
+          <p:cNvPr id="14" name="Straight Connector 13"/>
+          <p:cNvCxnSpPr/>
+          <p:nvPr/>
+        </p:nvCxnSpPr>
+        <p:spPr>
+          <a:xfrm>
+            <a:off x="4843401" y="3786840"/>
+            <a:ext cx="0" cy="2961830"/>
+          </a:xfrm>
+          <a:prstGeom prst="line">
+            <a:avLst/>
+          </a:prstGeom>
+          <a:ln w="25400">
+            <a:solidFill>
+              <a:schemeClr val="tx1"/>
+            </a:solidFill>
+            <a:prstDash val="dash"/>
+          </a:ln>
+        </p:spPr>
+        <p:style>
+          <a:lnRef idx="1">
+            <a:schemeClr val="accent1"/>
+          </a:lnRef>
+          <a:fillRef idx="0">
+            <a:schemeClr val="accent1"/>
+          </a:fillRef>
+          <a:effectRef idx="0">
+            <a:schemeClr val="accent1"/>
+          </a:effectRef>
+          <a:fontRef idx="minor">
+            <a:schemeClr val="tx1"/>
+          </a:fontRef>
+        </p:style>
+      </p:cxnSp>
+      <p:cxnSp>
+        <p:nvCxnSpPr>
+          <p:cNvPr id="15" name="Straight Arrow Connector 14"/>
+          <p:cNvCxnSpPr/>
+          <p:nvPr/>
+        </p:nvCxnSpPr>
+        <p:spPr>
+          <a:xfrm>
+            <a:off x="2075040" y="4285823"/>
+            <a:ext cx="2576473" cy="0"/>
+          </a:xfrm>
+          <a:prstGeom prst="straightConnector1">
+            <a:avLst/>
+          </a:prstGeom>
+          <a:ln w="76200">
+            <a:solidFill>
+              <a:schemeClr val="tx1"/>
+            </a:solidFill>
+            <a:headEnd type="none"/>
+            <a:tailEnd type="triangle"/>
+          </a:ln>
+        </p:spPr>
+        <p:style>
+          <a:lnRef idx="1">
+            <a:schemeClr val="accent1"/>
+          </a:lnRef>
+          <a:fillRef idx="0">
+            <a:schemeClr val="accent1"/>
+          </a:fillRef>
+          <a:effectRef idx="0">
+            <a:schemeClr val="accent1"/>
+          </a:effectRef>
+          <a:fontRef idx="minor">
+            <a:schemeClr val="tx1"/>
+          </a:fontRef>
+        </p:style>
+      </p:cxnSp>
+      <p:cxnSp>
+        <p:nvCxnSpPr>
+          <p:cNvPr id="17" name="Straight Arrow Connector 16"/>
+          <p:cNvCxnSpPr/>
+          <p:nvPr/>
+        </p:nvCxnSpPr>
+        <p:spPr>
+          <a:xfrm>
+            <a:off x="5108713" y="4590623"/>
+            <a:ext cx="2576473" cy="0"/>
+          </a:xfrm>
+          <a:prstGeom prst="straightConnector1">
+            <a:avLst/>
+          </a:prstGeom>
+          <a:ln w="76200">
+            <a:solidFill>
+              <a:schemeClr val="tx1"/>
+            </a:solidFill>
+            <a:headEnd type="none"/>
+            <a:tailEnd type="triangle"/>
+          </a:ln>
+        </p:spPr>
+        <p:style>
+          <a:lnRef idx="1">
+            <a:schemeClr val="accent1"/>
+          </a:lnRef>
+          <a:fillRef idx="0">
+            <a:schemeClr val="accent1"/>
+          </a:fillRef>
+          <a:effectRef idx="0">
+            <a:schemeClr val="accent1"/>
+          </a:effectRef>
+          <a:fontRef idx="minor">
+            <a:schemeClr val="tx1"/>
+          </a:fontRef>
+        </p:style>
+      </p:cxnSp>
+      <p:cxnSp>
+        <p:nvCxnSpPr>
+          <p:cNvPr id="18" name="Straight Arrow Connector 17"/>
+          <p:cNvCxnSpPr/>
+          <p:nvPr/>
+        </p:nvCxnSpPr>
+        <p:spPr>
+          <a:xfrm>
+            <a:off x="8216434" y="5206849"/>
+            <a:ext cx="2248213" cy="0"/>
+          </a:xfrm>
+          <a:prstGeom prst="straightConnector1">
+            <a:avLst/>
+          </a:prstGeom>
+          <a:ln w="76200">
+            <a:solidFill>
+              <a:schemeClr val="tx1"/>
+            </a:solidFill>
+            <a:headEnd type="triangle"/>
+            <a:tailEnd type="triangle"/>
+          </a:ln>
+        </p:spPr>
+        <p:style>
+          <a:lnRef idx="1">
+            <a:schemeClr val="accent1"/>
+          </a:lnRef>
+          <a:fillRef idx="0">
+            <a:schemeClr val="accent1"/>
+          </a:fillRef>
+          <a:effectRef idx="0">
+            <a:schemeClr val="accent1"/>
+          </a:effectRef>
+          <a:fontRef idx="minor">
+            <a:schemeClr val="tx1"/>
+          </a:fontRef>
+        </p:style>
+      </p:cxnSp>
+      <p:cxnSp>
+        <p:nvCxnSpPr>
+          <p:cNvPr id="19" name="Straight Arrow Connector 18"/>
+          <p:cNvCxnSpPr/>
+          <p:nvPr/>
+        </p:nvCxnSpPr>
+        <p:spPr>
+          <a:xfrm flipH="1">
+            <a:off x="5108712" y="5627606"/>
+            <a:ext cx="2576474" cy="0"/>
+          </a:xfrm>
+          <a:prstGeom prst="straightConnector1">
+            <a:avLst/>
+          </a:prstGeom>
+          <a:ln w="76200">
+            <a:solidFill>
+              <a:schemeClr val="tx1"/>
+            </a:solidFill>
+            <a:headEnd type="none"/>
+            <a:tailEnd type="triangle"/>
+          </a:ln>
+        </p:spPr>
+        <p:style>
+          <a:lnRef idx="1">
+            <a:schemeClr val="accent1"/>
+          </a:lnRef>
+          <a:fillRef idx="0">
+            <a:schemeClr val="accent1"/>
+          </a:fillRef>
+          <a:effectRef idx="0">
+            <a:schemeClr val="accent1"/>
+          </a:effectRef>
+          <a:fontRef idx="minor">
+            <a:schemeClr val="tx1"/>
+          </a:fontRef>
+        </p:style>
+      </p:cxnSp>
+      <p:cxnSp>
+        <p:nvCxnSpPr>
+          <p:cNvPr id="21" name="Straight Arrow Connector 20"/>
+          <p:cNvCxnSpPr/>
+          <p:nvPr/>
+        </p:nvCxnSpPr>
+        <p:spPr>
+          <a:xfrm flipH="1">
+            <a:off x="1985361" y="6373041"/>
+            <a:ext cx="2666152" cy="0"/>
+          </a:xfrm>
+          <a:prstGeom prst="straightConnector1">
+            <a:avLst/>
+          </a:prstGeom>
+          <a:ln w="76200">
+            <a:solidFill>
+              <a:schemeClr val="tx1"/>
+            </a:solidFill>
+            <a:headEnd type="none"/>
+            <a:tailEnd type="triangle"/>
+          </a:ln>
+        </p:spPr>
+        <p:style>
+          <a:lnRef idx="1">
+            <a:schemeClr val="accent1"/>
+          </a:lnRef>
+          <a:fillRef idx="0">
+            <a:schemeClr val="accent1"/>
+          </a:fillRef>
+          <a:effectRef idx="0">
+            <a:schemeClr val="accent1"/>
+          </a:effectRef>
+          <a:fontRef idx="minor">
+            <a:schemeClr val="tx1"/>
+          </a:fontRef>
+        </p:style>
+      </p:cxnSp>
+      <p:sp>
+        <p:nvSpPr>
+          <p:cNvPr id="26" name="TextBox 25"/>
+          <p:cNvSpPr txBox="1"/>
+          <p:nvPr/>
+        </p:nvSpPr>
+        <p:spPr>
+          <a:xfrm>
+            <a:off x="5539734" y="4054990"/>
+            <a:ext cx="1279453" cy="461665"/>
+          </a:xfrm>
+          <a:prstGeom prst="rect">
+            <a:avLst/>
+          </a:prstGeom>
+          <a:noFill/>
+        </p:spPr>
+        <p:txBody>
+          <a:bodyPr wrap="none" rtlCol="0">
+            <a:spAutoFit/>
+          </a:bodyPr>
+          <a:lstStyle/>
+          <a:p>
+            <a:r>
+              <a:rPr lang="en-US" sz="2400" dirty="0"/>
+              <a:t>GET /foo</a:t>
+            </a:r>
+          </a:p>
+        </p:txBody>
+      </p:sp>
+      <p:sp>
+        <p:nvSpPr>
+          <p:cNvPr id="27" name="TextBox 26"/>
+          <p:cNvSpPr txBox="1"/>
+          <p:nvPr/>
+        </p:nvSpPr>
+        <p:spPr>
+          <a:xfrm>
+            <a:off x="2532998" y="3792282"/>
+            <a:ext cx="1279453" cy="461665"/>
+          </a:xfrm>
+          <a:prstGeom prst="rect">
+            <a:avLst/>
+          </a:prstGeom>
+          <a:noFill/>
+        </p:spPr>
+        <p:txBody>
+          <a:bodyPr wrap="none" rtlCol="0">
+            <a:spAutoFit/>
+          </a:bodyPr>
+          <a:lstStyle/>
+          <a:p>
+            <a:r>
+              <a:rPr lang="en-US" sz="2400" dirty="0"/>
+              <a:t>GET /foo</a:t>
+            </a:r>
+          </a:p>
+        </p:txBody>
+      </p:sp>
+      <p:sp>
+        <p:nvSpPr>
+          <p:cNvPr id="28" name="TextBox 27"/>
+          <p:cNvSpPr txBox="1"/>
+          <p:nvPr/>
+        </p:nvSpPr>
+        <p:spPr>
+          <a:xfrm>
+            <a:off x="7988691" y="4621731"/>
+            <a:ext cx="1332288" cy="461665"/>
+          </a:xfrm>
+          <a:prstGeom prst="rect">
+            <a:avLst/>
+          </a:prstGeom>
+          <a:noFill/>
+        </p:spPr>
+        <p:txBody>
+          <a:bodyPr wrap="none" rtlCol="0">
+            <a:spAutoFit/>
+          </a:bodyPr>
+          <a:lstStyle/>
+          <a:p>
+            <a:r>
+              <a:rPr lang="en-US" sz="2400" dirty="0"/>
+              <a:t>Compute</a:t>
+            </a:r>
+          </a:p>
+        </p:txBody>
+      </p:sp>
+      <p:sp>
+        <p:nvSpPr>
+          <p:cNvPr id="29" name="TextBox 28"/>
+          <p:cNvSpPr txBox="1"/>
+          <p:nvPr/>
+        </p:nvSpPr>
+        <p:spPr>
+          <a:xfrm>
+            <a:off x="5269271" y="5801831"/>
+            <a:ext cx="1722716" cy="461665"/>
+          </a:xfrm>
+          <a:prstGeom prst="rect">
+            <a:avLst/>
+          </a:prstGeom>
+          <a:noFill/>
+        </p:spPr>
+        <p:txBody>
+          <a:bodyPr wrap="none" rtlCol="0">
+            <a:spAutoFit/>
+          </a:bodyPr>
+          <a:lstStyle/>
+          <a:p>
+            <a:r>
+              <a:rPr lang="en-US" sz="2400" dirty="0"/>
+              <a:t>Cache result</a:t>
+            </a:r>
+          </a:p>
+        </p:txBody>
+      </p:sp>
+      <p:sp>
+        <p:nvSpPr>
+          <p:cNvPr id="30" name="TextBox 29"/>
+          <p:cNvSpPr txBox="1"/>
+          <p:nvPr/>
+        </p:nvSpPr>
+        <p:spPr>
+          <a:xfrm>
+            <a:off x="2350937" y="5785297"/>
+            <a:ext cx="1379930" cy="461665"/>
+          </a:xfrm>
+          <a:prstGeom prst="rect">
+            <a:avLst/>
+          </a:prstGeom>
+          <a:noFill/>
+        </p:spPr>
+        <p:txBody>
+          <a:bodyPr wrap="none" rtlCol="0">
+            <a:spAutoFit/>
+          </a:bodyPr>
+          <a:lstStyle/>
+          <a:p>
+            <a:r>
+              <a:rPr lang="en-US" sz="2400" dirty="0"/>
+              <a:t>Response</a:t>
+            </a:r>
+          </a:p>
+        </p:txBody>
+      </p:sp>
+    </p:spTree>
+    <p:extLst>
+      <p:ext uri="{BB962C8B-B14F-4D97-AF65-F5344CB8AC3E}">
+        <p14:creationId xmlns:p14="http://schemas.microsoft.com/office/powerpoint/2010/main" val="111854208"/>
+      </p:ext>
+    </p:extLst>
+  </p:cSld>
+  <p:clrMapOvr>
+    <a:masterClrMapping/>
+  </p:clrMapOvr>
+</p:sld>
+</file>
+
+<file path=ppt/slides/slide27.xml><?xml version="1.0" encoding="utf-8"?>
+<p:sld xmlns:a="http://schemas.openxmlformats.org/drawingml/2006/main" xmlns:r="http://schemas.openxmlformats.org/officeDocument/2006/relationships" xmlns:p="http://schemas.openxmlformats.org/presentationml/2006/main">
+  <p:cSld>
+    <p:spTree>
+      <p:nvGrpSpPr>
+        <p:cNvPr id="1" name=""/>
+        <p:cNvGrpSpPr/>
+        <p:nvPr/>
+      </p:nvGrpSpPr>
+      <p:grpSpPr>
+        <a:xfrm>
+          <a:off x="0" y="0"/>
+          <a:ext cx="0" cy="0"/>
+          <a:chOff x="0" y="0"/>
+          <a:chExt cx="0" cy="0"/>
+        </a:xfrm>
+      </p:grpSpPr>
+      <p:sp>
+        <p:nvSpPr>
+          <p:cNvPr id="2" name="Title 1"/>
+          <p:cNvSpPr>
+            <a:spLocks noGrp="1"/>
+          </p:cNvSpPr>
+          <p:nvPr>
+            <p:ph type="title"/>
+          </p:nvPr>
+        </p:nvSpPr>
+        <p:spPr>
+          <a:xfrm>
+            <a:off x="241852" y="116647"/>
+            <a:ext cx="10515600" cy="907083"/>
+          </a:xfrm>
+        </p:spPr>
+        <p:txBody>
+          <a:bodyPr>
+            <a:normAutofit fontScale="90000"/>
+          </a:bodyPr>
+          <a:lstStyle/>
+          <a:p>
+            <a:r>
+              <a:rPr lang="en-US" dirty="0"/>
+              <a:t>Second and Following Requests</a:t>
+            </a:r>
+          </a:p>
+        </p:txBody>
+      </p:sp>
+      <p:sp>
+        <p:nvSpPr>
+          <p:cNvPr id="3" name="Content Placeholder 2"/>
+          <p:cNvSpPr>
+            <a:spLocks noGrp="1"/>
+          </p:cNvSpPr>
+          <p:nvPr>
+            <p:ph idx="1"/>
+          </p:nvPr>
+        </p:nvSpPr>
+        <p:spPr>
+          <a:xfrm>
+            <a:off x="241852" y="1023731"/>
+            <a:ext cx="11734800" cy="1142999"/>
+          </a:xfrm>
+        </p:spPr>
+        <p:txBody>
+          <a:bodyPr/>
+          <a:lstStyle/>
+          <a:p>
+            <a:pPr marL="0" indent="0">
+              <a:buNone/>
+            </a:pPr>
+            <a:r>
+              <a:rPr lang="en-US" dirty="0"/>
+              <a:t>No computation on Web Service, as results were cached in the Public Proxy HTTP Cache</a:t>
+            </a:r>
+          </a:p>
+        </p:txBody>
+      </p:sp>
+      <p:sp>
+        <p:nvSpPr>
+          <p:cNvPr id="5" name="Rounded Rectangle 4"/>
+          <p:cNvSpPr/>
+          <p:nvPr/>
+        </p:nvSpPr>
+        <p:spPr>
+          <a:xfrm>
+            <a:off x="7038693" y="2314176"/>
+            <a:ext cx="1845276" cy="1375719"/>
+          </a:xfrm>
+          <a:prstGeom prst="roundRect">
+            <a:avLst/>
+          </a:prstGeom>
+        </p:spPr>
+        <p:style>
+          <a:lnRef idx="2">
+            <a:schemeClr val="accent1">
+              <a:shade val="50000"/>
+            </a:schemeClr>
+          </a:lnRef>
+          <a:fillRef idx="1">
+            <a:schemeClr val="accent1"/>
+          </a:fillRef>
+          <a:effectRef idx="0">
+            <a:schemeClr val="accent1"/>
+          </a:effectRef>
+          <a:fontRef idx="minor">
+            <a:schemeClr val="lt1"/>
+          </a:fontRef>
+        </p:style>
+        <p:txBody>
+          <a:bodyPr rtlCol="0" anchor="ctr"/>
+          <a:lstStyle/>
+          <a:p>
+            <a:pPr algn="ctr"/>
+            <a:r>
+              <a:rPr lang="en-US" sz="3600" dirty="0"/>
+              <a:t>Web Service</a:t>
+            </a:r>
+          </a:p>
+        </p:txBody>
+      </p:sp>
+      <p:sp>
+        <p:nvSpPr>
+          <p:cNvPr id="6" name="Rounded Rectangle 5"/>
+          <p:cNvSpPr/>
+          <p:nvPr/>
+        </p:nvSpPr>
+        <p:spPr>
+          <a:xfrm>
+            <a:off x="4073653" y="2331608"/>
+            <a:ext cx="1540476" cy="1375719"/>
+          </a:xfrm>
+          <a:prstGeom prst="roundRect">
+            <a:avLst/>
+          </a:prstGeom>
+        </p:spPr>
+        <p:style>
+          <a:lnRef idx="2">
+            <a:schemeClr val="accent4">
+              <a:shade val="50000"/>
+            </a:schemeClr>
+          </a:lnRef>
+          <a:fillRef idx="1">
+            <a:schemeClr val="accent4"/>
+          </a:fillRef>
+          <a:effectRef idx="0">
+            <a:schemeClr val="accent4"/>
+          </a:effectRef>
+          <a:fontRef idx="minor">
+            <a:schemeClr val="lt1"/>
+          </a:fontRef>
+        </p:style>
+        <p:txBody>
+          <a:bodyPr rtlCol="0" anchor="ctr"/>
+          <a:lstStyle/>
+          <a:p>
+            <a:pPr algn="ctr"/>
+            <a:r>
+              <a:rPr lang="en-US" sz="3600" dirty="0"/>
+              <a:t>HTTP Cache</a:t>
+            </a:r>
+          </a:p>
+        </p:txBody>
+      </p:sp>
+      <p:pic>
+        <p:nvPicPr>
+          <p:cNvPr id="7" name="Picture 4" descr="Image result for database"/>
+          <p:cNvPicPr>
+            <a:picLocks noChangeAspect="1" noChangeArrowheads="1"/>
+          </p:cNvPicPr>
+          <p:nvPr/>
+        </p:nvPicPr>
+        <p:blipFill>
+          <a:blip r:embed="rId2">
+            <a:extLst>
+              <a:ext uri="{28A0092B-C50C-407E-A947-70E740481C1C}">
+                <a14:useLocalDpi xmlns:a14="http://schemas.microsoft.com/office/drawing/2010/main" val="0"/>
+              </a:ext>
+            </a:extLst>
+          </a:blip>
+          <a:srcRect/>
+          <a:stretch>
+            <a:fillRect/>
+          </a:stretch>
+        </p:blipFill>
+        <p:spPr bwMode="auto">
+          <a:xfrm>
+            <a:off x="9924265" y="2344175"/>
+            <a:ext cx="1345719" cy="1345720"/>
+          </a:xfrm>
+          <a:prstGeom prst="rect">
+            <a:avLst/>
+          </a:prstGeom>
+          <a:noFill/>
+          <a:extLst>
+            <a:ext uri="{909E8E84-426E-40DD-AFC4-6F175D3DCCD1}">
+              <a14:hiddenFill xmlns:a14="http://schemas.microsoft.com/office/drawing/2010/main">
+                <a:solidFill>
+                  <a:srgbClr val="FFFFFF"/>
+                </a:solidFill>
+              </a14:hiddenFill>
+            </a:ext>
+          </a:extLst>
+        </p:spPr>
+      </p:pic>
+      <p:cxnSp>
+        <p:nvCxnSpPr>
+          <p:cNvPr id="8" name="Straight Connector 7"/>
+          <p:cNvCxnSpPr/>
+          <p:nvPr/>
+        </p:nvCxnSpPr>
+        <p:spPr>
+          <a:xfrm>
+            <a:off x="1762270" y="3707327"/>
+            <a:ext cx="0" cy="2961830"/>
+          </a:xfrm>
+          <a:prstGeom prst="line">
+            <a:avLst/>
+          </a:prstGeom>
+          <a:ln w="25400">
+            <a:solidFill>
+              <a:schemeClr val="tx1"/>
+            </a:solidFill>
+            <a:prstDash val="dash"/>
+          </a:ln>
+        </p:spPr>
+        <p:style>
+          <a:lnRef idx="1">
+            <a:schemeClr val="accent1"/>
+          </a:lnRef>
+          <a:fillRef idx="0">
+            <a:schemeClr val="accent1"/>
+          </a:fillRef>
+          <a:effectRef idx="0">
+            <a:schemeClr val="accent1"/>
+          </a:effectRef>
+          <a:fontRef idx="minor">
+            <a:schemeClr val="tx1"/>
+          </a:fontRef>
+        </p:style>
+      </p:cxnSp>
+      <p:cxnSp>
+        <p:nvCxnSpPr>
+          <p:cNvPr id="12" name="Straight Connector 11"/>
+          <p:cNvCxnSpPr/>
+          <p:nvPr/>
+        </p:nvCxnSpPr>
+        <p:spPr>
+          <a:xfrm>
+            <a:off x="10641227" y="3786840"/>
+            <a:ext cx="0" cy="2961830"/>
+          </a:xfrm>
+          <a:prstGeom prst="line">
+            <a:avLst/>
+          </a:prstGeom>
+          <a:ln w="25400">
+            <a:solidFill>
+              <a:schemeClr val="tx1"/>
+            </a:solidFill>
+            <a:prstDash val="dash"/>
+          </a:ln>
+        </p:spPr>
+        <p:style>
+          <a:lnRef idx="1">
+            <a:schemeClr val="accent1"/>
+          </a:lnRef>
+          <a:fillRef idx="0">
+            <a:schemeClr val="accent1"/>
+          </a:fillRef>
+          <a:effectRef idx="0">
+            <a:schemeClr val="accent1"/>
+          </a:effectRef>
+          <a:fontRef idx="minor">
+            <a:schemeClr val="tx1"/>
+          </a:fontRef>
+        </p:style>
+      </p:cxnSp>
+      <p:cxnSp>
+        <p:nvCxnSpPr>
+          <p:cNvPr id="13" name="Straight Connector 12"/>
+          <p:cNvCxnSpPr/>
+          <p:nvPr/>
+        </p:nvCxnSpPr>
+        <p:spPr>
+          <a:xfrm>
+            <a:off x="8000731" y="3786840"/>
+            <a:ext cx="0" cy="2961830"/>
+          </a:xfrm>
+          <a:prstGeom prst="line">
+            <a:avLst/>
+          </a:prstGeom>
+          <a:ln w="25400">
+            <a:solidFill>
+              <a:schemeClr val="tx1"/>
+            </a:solidFill>
+            <a:prstDash val="dash"/>
+          </a:ln>
+        </p:spPr>
+        <p:style>
+          <a:lnRef idx="1">
+            <a:schemeClr val="accent1"/>
+          </a:lnRef>
+          <a:fillRef idx="0">
+            <a:schemeClr val="accent1"/>
+          </a:fillRef>
+          <a:effectRef idx="0">
+            <a:schemeClr val="accent1"/>
+          </a:effectRef>
+          <a:fontRef idx="minor">
+            <a:schemeClr val="tx1"/>
+          </a:fontRef>
+        </p:style>
+      </p:cxnSp>
+      <p:cxnSp>
+        <p:nvCxnSpPr>
+          <p:cNvPr id="14" name="Straight Connector 13"/>
+          <p:cNvCxnSpPr/>
+          <p:nvPr/>
+        </p:nvCxnSpPr>
+        <p:spPr>
+          <a:xfrm>
+            <a:off x="4843401" y="3786840"/>
+            <a:ext cx="0" cy="2961830"/>
+          </a:xfrm>
+          <a:prstGeom prst="line">
+            <a:avLst/>
+          </a:prstGeom>
+          <a:ln w="25400">
+            <a:solidFill>
+              <a:schemeClr val="tx1"/>
+            </a:solidFill>
+            <a:prstDash val="dash"/>
+          </a:ln>
+        </p:spPr>
+        <p:style>
+          <a:lnRef idx="1">
+            <a:schemeClr val="accent1"/>
+          </a:lnRef>
+          <a:fillRef idx="0">
+            <a:schemeClr val="accent1"/>
+          </a:fillRef>
+          <a:effectRef idx="0">
+            <a:schemeClr val="accent1"/>
+          </a:effectRef>
+          <a:fontRef idx="minor">
+            <a:schemeClr val="tx1"/>
+          </a:fontRef>
+        </p:style>
+      </p:cxnSp>
+      <p:cxnSp>
+        <p:nvCxnSpPr>
+          <p:cNvPr id="15" name="Straight Arrow Connector 14"/>
+          <p:cNvCxnSpPr/>
+          <p:nvPr/>
+        </p:nvCxnSpPr>
+        <p:spPr>
+          <a:xfrm>
+            <a:off x="2075040" y="4285823"/>
+            <a:ext cx="2576473" cy="0"/>
+          </a:xfrm>
+          <a:prstGeom prst="straightConnector1">
+            <a:avLst/>
+          </a:prstGeom>
+          <a:ln w="76200">
+            <a:solidFill>
+              <a:schemeClr val="tx1"/>
+            </a:solidFill>
+            <a:headEnd type="none"/>
+            <a:tailEnd type="triangle"/>
+          </a:ln>
+        </p:spPr>
+        <p:style>
+          <a:lnRef idx="1">
+            <a:schemeClr val="accent1"/>
+          </a:lnRef>
+          <a:fillRef idx="0">
+            <a:schemeClr val="accent1"/>
+          </a:fillRef>
+          <a:effectRef idx="0">
+            <a:schemeClr val="accent1"/>
+          </a:effectRef>
+          <a:fontRef idx="minor">
+            <a:schemeClr val="tx1"/>
+          </a:fontRef>
+        </p:style>
+      </p:cxnSp>
+      <p:cxnSp>
+        <p:nvCxnSpPr>
+          <p:cNvPr id="21" name="Straight Arrow Connector 20"/>
+          <p:cNvCxnSpPr/>
+          <p:nvPr/>
+        </p:nvCxnSpPr>
+        <p:spPr>
+          <a:xfrm flipH="1">
+            <a:off x="1985361" y="6373041"/>
+            <a:ext cx="2666152" cy="0"/>
+          </a:xfrm>
+          <a:prstGeom prst="straightConnector1">
+            <a:avLst/>
+          </a:prstGeom>
+          <a:ln w="76200">
+            <a:solidFill>
+              <a:schemeClr val="tx1"/>
+            </a:solidFill>
+            <a:headEnd type="none"/>
+            <a:tailEnd type="triangle"/>
+          </a:ln>
+        </p:spPr>
+        <p:style>
+          <a:lnRef idx="1">
+            <a:schemeClr val="accent1"/>
+          </a:lnRef>
+          <a:fillRef idx="0">
+            <a:schemeClr val="accent1"/>
+          </a:fillRef>
+          <a:effectRef idx="0">
+            <a:schemeClr val="accent1"/>
+          </a:effectRef>
+          <a:fontRef idx="minor">
+            <a:schemeClr val="tx1"/>
+          </a:fontRef>
+        </p:style>
+      </p:cxnSp>
+      <p:sp>
+        <p:nvSpPr>
+          <p:cNvPr id="27" name="TextBox 26"/>
+          <p:cNvSpPr txBox="1"/>
+          <p:nvPr/>
+        </p:nvSpPr>
+        <p:spPr>
+          <a:xfrm>
+            <a:off x="2532998" y="3792282"/>
+            <a:ext cx="1279453" cy="461665"/>
+          </a:xfrm>
+          <a:prstGeom prst="rect">
+            <a:avLst/>
+          </a:prstGeom>
+          <a:noFill/>
+        </p:spPr>
+        <p:txBody>
+          <a:bodyPr wrap="none" rtlCol="0">
+            <a:spAutoFit/>
+          </a:bodyPr>
+          <a:lstStyle/>
+          <a:p>
+            <a:r>
+              <a:rPr lang="en-US" sz="2400" dirty="0"/>
+              <a:t>GET /foo</a:t>
+            </a:r>
+          </a:p>
+        </p:txBody>
+      </p:sp>
+      <p:sp>
+        <p:nvSpPr>
+          <p:cNvPr id="30" name="TextBox 29"/>
+          <p:cNvSpPr txBox="1"/>
+          <p:nvPr/>
+        </p:nvSpPr>
+        <p:spPr>
+          <a:xfrm>
+            <a:off x="2350937" y="5785297"/>
+            <a:ext cx="1379930" cy="461665"/>
+          </a:xfrm>
+          <a:prstGeom prst="rect">
+            <a:avLst/>
+          </a:prstGeom>
+          <a:noFill/>
+        </p:spPr>
+        <p:txBody>
+          <a:bodyPr wrap="none" rtlCol="0">
+            <a:spAutoFit/>
+          </a:bodyPr>
+          <a:lstStyle/>
+          <a:p>
+            <a:r>
+              <a:rPr lang="en-US" sz="2400" dirty="0"/>
+              <a:t>Response</a:t>
+            </a:r>
+          </a:p>
+        </p:txBody>
+      </p:sp>
+      <p:pic>
+        <p:nvPicPr>
+          <p:cNvPr id="22" name="Picture 2" descr="Image result for explorer"/>
+          <p:cNvPicPr>
+            <a:picLocks noChangeAspect="1" noChangeArrowheads="1"/>
+          </p:cNvPicPr>
+          <p:nvPr/>
+        </p:nvPicPr>
+        <p:blipFill>
+          <a:blip r:embed="rId3">
+            <a:extLst>
+              <a:ext uri="{28A0092B-C50C-407E-A947-70E740481C1C}">
+                <a14:useLocalDpi xmlns:a14="http://schemas.microsoft.com/office/drawing/2010/main" val="0"/>
+              </a:ext>
+            </a:extLst>
+          </a:blip>
+          <a:srcRect/>
+          <a:stretch>
+            <a:fillRect/>
+          </a:stretch>
+        </p:blipFill>
+        <p:spPr bwMode="auto">
+          <a:xfrm>
+            <a:off x="657125" y="2470872"/>
+            <a:ext cx="1952827" cy="1220517"/>
+          </a:xfrm>
+          <a:prstGeom prst="rect">
+            <a:avLst/>
+          </a:prstGeom>
+          <a:noFill/>
+          <a:extLst>
+            <a:ext uri="{909E8E84-426E-40DD-AFC4-6F175D3DCCD1}">
+              <a14:hiddenFill xmlns:a14="http://schemas.microsoft.com/office/drawing/2010/main">
+                <a:solidFill>
+                  <a:srgbClr val="FFFFFF"/>
+                </a:solidFill>
+              </a14:hiddenFill>
+            </a:ext>
+          </a:extLst>
+        </p:spPr>
+      </p:pic>
+    </p:spTree>
+    <p:extLst>
+      <p:ext uri="{BB962C8B-B14F-4D97-AF65-F5344CB8AC3E}">
+        <p14:creationId xmlns:p14="http://schemas.microsoft.com/office/powerpoint/2010/main" val="2599886612"/>
+      </p:ext>
+    </p:extLst>
+  </p:cSld>
+  <p:clrMapOvr>
+    <a:masterClrMapping/>
+  </p:clrMapOvr>
+</p:sld>
+</file>
+
+<file path=ppt/slides/slide28.xml><?xml version="1.0" encoding="utf-8"?>
+<p:sld xmlns:a="http://schemas.openxmlformats.org/drawingml/2006/main" xmlns:r="http://schemas.openxmlformats.org/officeDocument/2006/relationships" xmlns:p="http://schemas.openxmlformats.org/presentationml/2006/main">
+  <p:cSld>
+    <p:spTree>
+      <p:nvGrpSpPr>
+        <p:cNvPr id="1" name=""/>
+        <p:cNvGrpSpPr/>
+        <p:nvPr/>
+      </p:nvGrpSpPr>
+      <p:grpSpPr>
+        <a:xfrm>
+          <a:off x="0" y="0"/>
+          <a:ext cx="0" cy="0"/>
+          <a:chOff x="0" y="0"/>
+          <a:chExt cx="0" cy="0"/>
+        </a:xfrm>
+      </p:grpSpPr>
+      <p:sp>
+        <p:nvSpPr>
+          <p:cNvPr id="2" name="Title 1"/>
+          <p:cNvSpPr>
+            <a:spLocks noGrp="1"/>
+          </p:cNvSpPr>
+          <p:nvPr>
+            <p:ph type="title"/>
+          </p:nvPr>
+        </p:nvSpPr>
+        <p:spPr>
+          <a:xfrm>
+            <a:off x="838200" y="208723"/>
+            <a:ext cx="10515600" cy="1113181"/>
+          </a:xfrm>
+        </p:spPr>
+        <p:txBody>
+          <a:bodyPr/>
+          <a:lstStyle/>
+          <a:p>
+            <a:r>
+              <a:rPr lang="en-US" dirty="0"/>
+              <a:t>Adding Cache Control Headers</a:t>
+            </a:r>
+          </a:p>
+        </p:txBody>
+      </p:sp>
+      <p:pic>
+        <p:nvPicPr>
+          <p:cNvPr id="15" name="Picture 2" descr="Image result for chrome"/>
+          <p:cNvPicPr>
+            <a:picLocks noChangeAspect="1" noChangeArrowheads="1"/>
+          </p:cNvPicPr>
+          <p:nvPr/>
+        </p:nvPicPr>
+        <p:blipFill>
+          <a:blip r:embed="rId2">
+            <a:extLst>
+              <a:ext uri="{28A0092B-C50C-407E-A947-70E740481C1C}">
+                <a14:useLocalDpi xmlns:a14="http://schemas.microsoft.com/office/drawing/2010/main" val="0"/>
+              </a:ext>
+            </a:extLst>
+          </a:blip>
+          <a:srcRect/>
+          <a:stretch>
+            <a:fillRect/>
+          </a:stretch>
+        </p:blipFill>
+        <p:spPr bwMode="auto">
+          <a:xfrm>
+            <a:off x="3998530" y="1717888"/>
+            <a:ext cx="1227439" cy="1227439"/>
+          </a:xfrm>
+          <a:prstGeom prst="rect">
+            <a:avLst/>
+          </a:prstGeom>
+          <a:noFill/>
+          <a:extLst>
+            <a:ext uri="{909E8E84-426E-40DD-AFC4-6F175D3DCCD1}">
+              <a14:hiddenFill xmlns:a14="http://schemas.microsoft.com/office/drawing/2010/main">
+                <a:solidFill>
+                  <a:srgbClr val="FFFFFF"/>
+                </a:solidFill>
+              </a14:hiddenFill>
+            </a:ext>
+          </a:extLst>
+        </p:spPr>
+      </p:pic>
+      <p:sp>
+        <p:nvSpPr>
+          <p:cNvPr id="16" name="Rounded Rectangle 15"/>
+          <p:cNvSpPr/>
+          <p:nvPr/>
+        </p:nvSpPr>
+        <p:spPr>
+          <a:xfrm>
+            <a:off x="9851661" y="1643747"/>
+            <a:ext cx="1845276" cy="1375719"/>
+          </a:xfrm>
+          <a:prstGeom prst="roundRect">
+            <a:avLst/>
+          </a:prstGeom>
+        </p:spPr>
+        <p:style>
+          <a:lnRef idx="2">
+            <a:schemeClr val="accent1">
+              <a:shade val="50000"/>
+            </a:schemeClr>
+          </a:lnRef>
+          <a:fillRef idx="1">
+            <a:schemeClr val="accent1"/>
+          </a:fillRef>
+          <a:effectRef idx="0">
+            <a:schemeClr val="accent1"/>
+          </a:effectRef>
+          <a:fontRef idx="minor">
+            <a:schemeClr val="lt1"/>
+          </a:fontRef>
+        </p:style>
+        <p:txBody>
+          <a:bodyPr rtlCol="0" anchor="ctr"/>
+          <a:lstStyle/>
+          <a:p>
+            <a:pPr algn="ctr"/>
+            <a:r>
+              <a:rPr lang="en-US" sz="3600" dirty="0"/>
+              <a:t>Web Service</a:t>
+            </a:r>
+          </a:p>
+        </p:txBody>
+      </p:sp>
+      <p:sp>
+        <p:nvSpPr>
+          <p:cNvPr id="17" name="Rounded Rectangle 16"/>
+          <p:cNvSpPr/>
+          <p:nvPr/>
+        </p:nvSpPr>
+        <p:spPr>
+          <a:xfrm>
+            <a:off x="6886621" y="1661179"/>
+            <a:ext cx="1540476" cy="1375719"/>
+          </a:xfrm>
+          <a:prstGeom prst="roundRect">
+            <a:avLst/>
+          </a:prstGeom>
+        </p:spPr>
+        <p:style>
+          <a:lnRef idx="2">
+            <a:schemeClr val="accent4">
+              <a:shade val="50000"/>
+            </a:schemeClr>
+          </a:lnRef>
+          <a:fillRef idx="1">
+            <a:schemeClr val="accent4"/>
+          </a:fillRef>
+          <a:effectRef idx="0">
+            <a:schemeClr val="accent4"/>
+          </a:effectRef>
+          <a:fontRef idx="minor">
+            <a:schemeClr val="lt1"/>
+          </a:fontRef>
+        </p:style>
+        <p:txBody>
+          <a:bodyPr rtlCol="0" anchor="ctr"/>
+          <a:lstStyle/>
+          <a:p>
+            <a:pPr algn="ctr"/>
+            <a:r>
+              <a:rPr lang="en-US" sz="3600" dirty="0"/>
+              <a:t>HTTP Cache</a:t>
+            </a:r>
+          </a:p>
+        </p:txBody>
+      </p:sp>
+      <p:cxnSp>
+        <p:nvCxnSpPr>
+          <p:cNvPr id="18" name="Straight Connector 17"/>
+          <p:cNvCxnSpPr/>
+          <p:nvPr/>
+        </p:nvCxnSpPr>
+        <p:spPr>
+          <a:xfrm>
+            <a:off x="4575238" y="3036898"/>
+            <a:ext cx="0" cy="3619873"/>
+          </a:xfrm>
+          <a:prstGeom prst="line">
+            <a:avLst/>
+          </a:prstGeom>
+          <a:ln w="25400">
+            <a:solidFill>
+              <a:schemeClr val="tx1"/>
+            </a:solidFill>
+            <a:prstDash val="dash"/>
+          </a:ln>
+        </p:spPr>
+        <p:style>
+          <a:lnRef idx="1">
+            <a:schemeClr val="accent1"/>
+          </a:lnRef>
+          <a:fillRef idx="0">
+            <a:schemeClr val="accent1"/>
+          </a:fillRef>
+          <a:effectRef idx="0">
+            <a:schemeClr val="accent1"/>
+          </a:effectRef>
+          <a:fontRef idx="minor">
+            <a:schemeClr val="tx1"/>
+          </a:fontRef>
+        </p:style>
+      </p:cxnSp>
+      <p:cxnSp>
+        <p:nvCxnSpPr>
+          <p:cNvPr id="19" name="Straight Connector 18"/>
+          <p:cNvCxnSpPr/>
+          <p:nvPr/>
+        </p:nvCxnSpPr>
+        <p:spPr>
+          <a:xfrm>
+            <a:off x="10813699" y="3116411"/>
+            <a:ext cx="0" cy="3311760"/>
+          </a:xfrm>
+          <a:prstGeom prst="line">
+            <a:avLst/>
+          </a:prstGeom>
+          <a:ln w="25400">
+            <a:solidFill>
+              <a:schemeClr val="tx1"/>
+            </a:solidFill>
+            <a:prstDash val="dash"/>
+          </a:ln>
+        </p:spPr>
+        <p:style>
+          <a:lnRef idx="1">
+            <a:schemeClr val="accent1"/>
+          </a:lnRef>
+          <a:fillRef idx="0">
+            <a:schemeClr val="accent1"/>
+          </a:fillRef>
+          <a:effectRef idx="0">
+            <a:schemeClr val="accent1"/>
+          </a:effectRef>
+          <a:fontRef idx="minor">
+            <a:schemeClr val="tx1"/>
+          </a:fontRef>
+        </p:style>
+      </p:cxnSp>
+      <p:cxnSp>
+        <p:nvCxnSpPr>
+          <p:cNvPr id="20" name="Straight Connector 19"/>
+          <p:cNvCxnSpPr/>
+          <p:nvPr/>
+        </p:nvCxnSpPr>
+        <p:spPr>
+          <a:xfrm>
+            <a:off x="7656369" y="3116411"/>
+            <a:ext cx="0" cy="3460847"/>
+          </a:xfrm>
+          <a:prstGeom prst="line">
+            <a:avLst/>
+          </a:prstGeom>
+          <a:ln w="25400">
+            <a:solidFill>
+              <a:schemeClr val="tx1"/>
+            </a:solidFill>
+            <a:prstDash val="dash"/>
+          </a:ln>
+        </p:spPr>
+        <p:style>
+          <a:lnRef idx="1">
+            <a:schemeClr val="accent1"/>
+          </a:lnRef>
+          <a:fillRef idx="0">
+            <a:schemeClr val="accent1"/>
+          </a:fillRef>
+          <a:effectRef idx="0">
+            <a:schemeClr val="accent1"/>
+          </a:effectRef>
+          <a:fontRef idx="minor">
+            <a:schemeClr val="tx1"/>
+          </a:fontRef>
+        </p:style>
+      </p:cxnSp>
+      <p:cxnSp>
+        <p:nvCxnSpPr>
+          <p:cNvPr id="21" name="Straight Arrow Connector 20"/>
+          <p:cNvCxnSpPr/>
+          <p:nvPr/>
+        </p:nvCxnSpPr>
+        <p:spPr>
+          <a:xfrm>
+            <a:off x="4888008" y="3615394"/>
+            <a:ext cx="2576473" cy="0"/>
+          </a:xfrm>
+          <a:prstGeom prst="straightConnector1">
+            <a:avLst/>
+          </a:prstGeom>
+          <a:ln w="76200">
+            <a:solidFill>
+              <a:schemeClr val="tx1"/>
+            </a:solidFill>
+            <a:headEnd type="none"/>
+            <a:tailEnd type="triangle"/>
+          </a:ln>
+        </p:spPr>
+        <p:style>
+          <a:lnRef idx="1">
+            <a:schemeClr val="accent1"/>
+          </a:lnRef>
+          <a:fillRef idx="0">
+            <a:schemeClr val="accent1"/>
+          </a:fillRef>
+          <a:effectRef idx="0">
+            <a:schemeClr val="accent1"/>
+          </a:effectRef>
+          <a:fontRef idx="minor">
+            <a:schemeClr val="tx1"/>
+          </a:fontRef>
+        </p:style>
+      </p:cxnSp>
+      <p:cxnSp>
+        <p:nvCxnSpPr>
+          <p:cNvPr id="22" name="Straight Arrow Connector 21"/>
+          <p:cNvCxnSpPr/>
+          <p:nvPr/>
+        </p:nvCxnSpPr>
+        <p:spPr>
+          <a:xfrm>
+            <a:off x="7921681" y="4437029"/>
+            <a:ext cx="2576473" cy="0"/>
+          </a:xfrm>
+          <a:prstGeom prst="straightConnector1">
+            <a:avLst/>
+          </a:prstGeom>
+          <a:ln w="76200">
+            <a:solidFill>
+              <a:schemeClr val="tx1"/>
+            </a:solidFill>
+            <a:headEnd type="none"/>
+            <a:tailEnd type="triangle"/>
+          </a:ln>
+        </p:spPr>
+        <p:style>
+          <a:lnRef idx="1">
+            <a:schemeClr val="accent1"/>
+          </a:lnRef>
+          <a:fillRef idx="0">
+            <a:schemeClr val="accent1"/>
+          </a:fillRef>
+          <a:effectRef idx="0">
+            <a:schemeClr val="accent1"/>
+          </a:effectRef>
+          <a:fontRef idx="minor">
+            <a:schemeClr val="tx1"/>
+          </a:fontRef>
+        </p:style>
+      </p:cxnSp>
+      <p:cxnSp>
+        <p:nvCxnSpPr>
+          <p:cNvPr id="23" name="Straight Arrow Connector 22"/>
+          <p:cNvCxnSpPr/>
+          <p:nvPr/>
+        </p:nvCxnSpPr>
+        <p:spPr>
+          <a:xfrm flipH="1">
+            <a:off x="7971915" y="5593067"/>
+            <a:ext cx="2576474" cy="0"/>
+          </a:xfrm>
+          <a:prstGeom prst="straightConnector1">
+            <a:avLst/>
+          </a:prstGeom>
+          <a:ln w="76200">
+            <a:solidFill>
+              <a:schemeClr val="tx1"/>
+            </a:solidFill>
+            <a:headEnd type="none"/>
+            <a:tailEnd type="triangle"/>
+          </a:ln>
+        </p:spPr>
+        <p:style>
+          <a:lnRef idx="1">
+            <a:schemeClr val="accent1"/>
+          </a:lnRef>
+          <a:fillRef idx="0">
+            <a:schemeClr val="accent1"/>
+          </a:fillRef>
+          <a:effectRef idx="0">
+            <a:schemeClr val="accent1"/>
+          </a:effectRef>
+          <a:fontRef idx="minor">
+            <a:schemeClr val="tx1"/>
+          </a:fontRef>
+        </p:style>
+      </p:cxnSp>
+      <p:cxnSp>
+        <p:nvCxnSpPr>
+          <p:cNvPr id="24" name="Straight Arrow Connector 23"/>
+          <p:cNvCxnSpPr/>
+          <p:nvPr/>
+        </p:nvCxnSpPr>
+        <p:spPr>
+          <a:xfrm flipH="1">
+            <a:off x="4781729" y="6122283"/>
+            <a:ext cx="2666152" cy="0"/>
+          </a:xfrm>
+          <a:prstGeom prst="straightConnector1">
+            <a:avLst/>
+          </a:prstGeom>
+          <a:ln w="76200">
+            <a:solidFill>
+              <a:schemeClr val="tx1"/>
+            </a:solidFill>
+            <a:headEnd type="none"/>
+            <a:tailEnd type="triangle"/>
+          </a:ln>
+        </p:spPr>
+        <p:style>
+          <a:lnRef idx="1">
+            <a:schemeClr val="accent1"/>
+          </a:lnRef>
+          <a:fillRef idx="0">
+            <a:schemeClr val="accent1"/>
+          </a:fillRef>
+          <a:effectRef idx="0">
+            <a:schemeClr val="accent1"/>
+          </a:effectRef>
+          <a:fontRef idx="minor">
+            <a:schemeClr val="tx1"/>
+          </a:fontRef>
+        </p:style>
+      </p:cxnSp>
+      <p:sp>
+        <p:nvSpPr>
+          <p:cNvPr id="25" name="TextBox 24"/>
+          <p:cNvSpPr txBox="1"/>
+          <p:nvPr/>
+        </p:nvSpPr>
+        <p:spPr>
+          <a:xfrm>
+            <a:off x="7848258" y="3136799"/>
+            <a:ext cx="2704587" cy="1200329"/>
+          </a:xfrm>
+          <a:prstGeom prst="rect">
+            <a:avLst/>
+          </a:prstGeom>
+          <a:noFill/>
+        </p:spPr>
+        <p:txBody>
+          <a:bodyPr wrap="none" rtlCol="0">
+            <a:spAutoFit/>
+          </a:bodyPr>
+          <a:lstStyle/>
+          <a:p>
+            <a:r>
+              <a:rPr lang="en-US" sz="2400" dirty="0"/>
+              <a:t>GET /foo</a:t>
+            </a:r>
+          </a:p>
+          <a:p>
+            <a:r>
+              <a:rPr lang="en-US" sz="2400" dirty="0"/>
+              <a:t>If-None-Match: …</a:t>
+            </a:r>
+          </a:p>
+          <a:p>
+            <a:r>
+              <a:rPr lang="en-US" sz="2400" dirty="0"/>
+              <a:t>If-Modified-Since: …</a:t>
+            </a:r>
+          </a:p>
+        </p:txBody>
+      </p:sp>
+      <p:sp>
+        <p:nvSpPr>
+          <p:cNvPr id="26" name="TextBox 25"/>
+          <p:cNvSpPr txBox="1"/>
+          <p:nvPr/>
+        </p:nvSpPr>
+        <p:spPr>
+          <a:xfrm>
+            <a:off x="5345966" y="3121853"/>
+            <a:ext cx="1279453" cy="461665"/>
+          </a:xfrm>
+          <a:prstGeom prst="rect">
+            <a:avLst/>
+          </a:prstGeom>
+          <a:noFill/>
+        </p:spPr>
+        <p:txBody>
+          <a:bodyPr wrap="none" rtlCol="0">
+            <a:spAutoFit/>
+          </a:bodyPr>
+          <a:lstStyle/>
+          <a:p>
+            <a:r>
+              <a:rPr lang="en-US" sz="2400" dirty="0"/>
+              <a:t>GET /foo</a:t>
+            </a:r>
+          </a:p>
+        </p:txBody>
+      </p:sp>
+      <p:sp>
+        <p:nvSpPr>
+          <p:cNvPr id="28" name="TextBox 27"/>
+          <p:cNvSpPr txBox="1"/>
+          <p:nvPr/>
+        </p:nvSpPr>
+        <p:spPr>
+          <a:xfrm>
+            <a:off x="8783614" y="5660618"/>
+            <a:ext cx="651140" cy="461665"/>
+          </a:xfrm>
+          <a:prstGeom prst="rect">
+            <a:avLst/>
+          </a:prstGeom>
+          <a:noFill/>
+        </p:spPr>
+        <p:txBody>
+          <a:bodyPr wrap="none" rtlCol="0">
+            <a:spAutoFit/>
+          </a:bodyPr>
+          <a:lstStyle/>
+          <a:p>
+            <a:r>
+              <a:rPr lang="en-US" sz="2400" dirty="0"/>
+              <a:t>304</a:t>
+            </a:r>
+          </a:p>
+        </p:txBody>
+      </p:sp>
+      <p:sp>
+        <p:nvSpPr>
+          <p:cNvPr id="32" name="TextBox 31"/>
+          <p:cNvSpPr txBox="1"/>
+          <p:nvPr/>
+        </p:nvSpPr>
+        <p:spPr>
+          <a:xfrm>
+            <a:off x="122270" y="3041043"/>
+            <a:ext cx="3792193" cy="3539430"/>
+          </a:xfrm>
+          <a:prstGeom prst="rect">
+            <a:avLst/>
+          </a:prstGeom>
+          <a:noFill/>
+        </p:spPr>
+        <p:txBody>
+          <a:bodyPr wrap="square" rtlCol="0">
+            <a:spAutoFit/>
+          </a:bodyPr>
+          <a:lstStyle/>
+          <a:p>
+            <a:r>
+              <a:rPr lang="en-US" sz="3200" dirty="0"/>
+              <a:t>Even if client does not use any cache control, the Public Cache can still add those when communicating with the web service</a:t>
+            </a:r>
+          </a:p>
+        </p:txBody>
+      </p:sp>
+      <p:sp>
+        <p:nvSpPr>
+          <p:cNvPr id="33" name="TextBox 32"/>
+          <p:cNvSpPr txBox="1"/>
+          <p:nvPr/>
+        </p:nvSpPr>
+        <p:spPr>
+          <a:xfrm>
+            <a:off x="5660122" y="6155192"/>
+            <a:ext cx="651140" cy="461665"/>
+          </a:xfrm>
+          <a:prstGeom prst="rect">
+            <a:avLst/>
+          </a:prstGeom>
+          <a:noFill/>
+        </p:spPr>
+        <p:txBody>
+          <a:bodyPr wrap="none" rtlCol="0">
+            <a:spAutoFit/>
+          </a:bodyPr>
+          <a:lstStyle/>
+          <a:p>
+            <a:r>
+              <a:rPr lang="en-US" sz="2400" dirty="0"/>
+              <a:t>200</a:t>
+            </a:r>
+          </a:p>
+        </p:txBody>
+      </p:sp>
+      <p:sp>
+        <p:nvSpPr>
+          <p:cNvPr id="34" name="TextBox 33"/>
+          <p:cNvSpPr txBox="1"/>
+          <p:nvPr/>
+        </p:nvSpPr>
+        <p:spPr>
+          <a:xfrm>
+            <a:off x="5194795" y="5626366"/>
+            <a:ext cx="1918217" cy="461665"/>
+          </a:xfrm>
+          <a:prstGeom prst="rect">
+            <a:avLst/>
+          </a:prstGeom>
+          <a:noFill/>
+        </p:spPr>
+        <p:txBody>
+          <a:bodyPr wrap="none" rtlCol="0">
+            <a:spAutoFit/>
+          </a:bodyPr>
+          <a:lstStyle/>
+          <a:p>
+            <a:r>
+              <a:rPr lang="en-US" sz="2400" dirty="0"/>
+              <a:t>With payload</a:t>
+            </a:r>
+          </a:p>
+        </p:txBody>
+      </p:sp>
+      <p:sp>
+        <p:nvSpPr>
+          <p:cNvPr id="35" name="TextBox 34"/>
+          <p:cNvSpPr txBox="1"/>
+          <p:nvPr/>
+        </p:nvSpPr>
+        <p:spPr>
+          <a:xfrm>
+            <a:off x="8275926" y="5063852"/>
+            <a:ext cx="1599220" cy="461665"/>
+          </a:xfrm>
+          <a:prstGeom prst="rect">
+            <a:avLst/>
+          </a:prstGeom>
+          <a:noFill/>
+        </p:spPr>
+        <p:txBody>
+          <a:bodyPr wrap="none" rtlCol="0">
+            <a:spAutoFit/>
+          </a:bodyPr>
+          <a:lstStyle/>
+          <a:p>
+            <a:r>
+              <a:rPr lang="en-US" sz="2400" dirty="0"/>
+              <a:t>No payload</a:t>
+            </a:r>
+          </a:p>
+        </p:txBody>
+      </p:sp>
+    </p:spTree>
+    <p:extLst>
+      <p:ext uri="{BB962C8B-B14F-4D97-AF65-F5344CB8AC3E}">
+        <p14:creationId xmlns:p14="http://schemas.microsoft.com/office/powerpoint/2010/main" val="3042625346"/>
+      </p:ext>
+    </p:extLst>
+  </p:cSld>
+  <p:clrMapOvr>
+    <a:masterClrMapping/>
+  </p:clrMapOvr>
+</p:sld>
+</file>
+
+<file path=ppt/slides/slide29.xml><?xml version="1.0" encoding="utf-8"?>
+<p:sld xmlns:a="http://schemas.openxmlformats.org/drawingml/2006/main" xmlns:r="http://schemas.openxmlformats.org/officeDocument/2006/relationships" xmlns:p="http://schemas.openxmlformats.org/presentationml/2006/main">
+  <p:cSld>
+    <p:spTree>
+      <p:nvGrpSpPr>
+        <p:cNvPr id="1" name=""/>
+        <p:cNvGrpSpPr/>
+        <p:nvPr/>
+      </p:nvGrpSpPr>
+      <p:grpSpPr>
+        <a:xfrm>
+          <a:off x="0" y="0"/>
+          <a:ext cx="0" cy="0"/>
+          <a:chOff x="0" y="0"/>
+          <a:chExt cx="0" cy="0"/>
+        </a:xfrm>
+      </p:grpSpPr>
+      <p:sp>
+        <p:nvSpPr>
+          <p:cNvPr id="2" name="Title 1"/>
+          <p:cNvSpPr>
+            <a:spLocks noGrp="1"/>
+          </p:cNvSpPr>
+          <p:nvPr>
+            <p:ph type="title"/>
+          </p:nvPr>
+        </p:nvSpPr>
+        <p:spPr/>
+        <p:txBody>
+          <a:bodyPr/>
+          <a:lstStyle/>
+          <a:p>
+            <a:r>
+              <a:rPr lang="en-US" dirty="0"/>
+              <a:t>Controlling Public Caches</a:t>
+            </a:r>
+          </a:p>
+        </p:txBody>
+      </p:sp>
+      <p:sp>
+        <p:nvSpPr>
+          <p:cNvPr id="3" name="Content Placeholder 2"/>
+          <p:cNvSpPr>
+            <a:spLocks noGrp="1"/>
+          </p:cNvSpPr>
+          <p:nvPr>
+            <p:ph idx="1"/>
+          </p:nvPr>
+        </p:nvSpPr>
+        <p:spPr>
+          <a:xfrm>
+            <a:off x="218661" y="1825625"/>
+            <a:ext cx="11757991" cy="4833592"/>
+          </a:xfrm>
+        </p:spPr>
+        <p:txBody>
+          <a:bodyPr/>
+          <a:lstStyle/>
+          <a:p>
+            <a:r>
+              <a:rPr lang="en-US" b="1" i="1" dirty="0"/>
+              <a:t>s-</a:t>
+            </a:r>
+            <a:r>
+              <a:rPr lang="en-US" b="1" i="1" dirty="0" err="1"/>
+              <a:t>maxage</a:t>
+            </a:r>
+            <a:r>
+              <a:rPr lang="en-US" dirty="0"/>
+              <a:t>: for how long a resource stored in public cache can be considered </a:t>
+            </a:r>
+            <a:r>
+              <a:rPr lang="en-US" i="1" dirty="0"/>
+              <a:t>fresh</a:t>
+            </a:r>
+          </a:p>
+          <a:p>
+            <a:r>
+              <a:rPr lang="en-US" dirty="0"/>
+              <a:t>Example: </a:t>
+            </a:r>
+            <a:r>
+              <a:rPr lang="en-US" b="1" i="1" dirty="0"/>
+              <a:t>Cache-Control: max-age=60, s-</a:t>
+            </a:r>
+            <a:r>
+              <a:rPr lang="en-US" b="1" i="1" dirty="0" err="1"/>
+              <a:t>maxage</a:t>
+            </a:r>
+            <a:r>
+              <a:rPr lang="en-US" b="1" i="1" dirty="0"/>
+              <a:t>=300</a:t>
+            </a:r>
+          </a:p>
+          <a:p>
+            <a:pPr lvl="1"/>
+            <a:r>
+              <a:rPr lang="en-US" dirty="0"/>
+              <a:t>1 minute for private cache (</a:t>
+            </a:r>
+            <a:r>
+              <a:rPr lang="en-US" dirty="0" err="1"/>
+              <a:t>eg</a:t>
+            </a:r>
+            <a:r>
+              <a:rPr lang="en-US" dirty="0"/>
+              <a:t> in browser) and 5 minutes for public cache</a:t>
+            </a:r>
+          </a:p>
+          <a:p>
+            <a:r>
+              <a:rPr lang="en-US" dirty="0"/>
+              <a:t>Why having different values for public and private caches?</a:t>
+            </a:r>
+          </a:p>
+          <a:p>
+            <a:pPr lvl="1"/>
+            <a:r>
+              <a:rPr lang="en-US" dirty="0"/>
+              <a:t>depends on the context…</a:t>
+            </a:r>
+          </a:p>
+          <a:p>
+            <a:pPr lvl="1"/>
+            <a:endParaRPr lang="en-US" dirty="0"/>
+          </a:p>
+          <a:p>
+            <a:pPr lvl="1"/>
+            <a:endParaRPr lang="en-US" dirty="0"/>
+          </a:p>
+        </p:txBody>
+      </p:sp>
+    </p:spTree>
+    <p:extLst>
+      <p:ext uri="{BB962C8B-B14F-4D97-AF65-F5344CB8AC3E}">
+        <p14:creationId xmlns:p14="http://schemas.microsoft.com/office/powerpoint/2010/main" val="3534619185"/>
       </p:ext>
     </p:extLst>
   </p:cSld>
@@ -5531,36 +8355,2253 @@
           <a:lstStyle/>
           <a:p>
             <a:r>
-              <a:rPr lang="en-US" dirty="0" smtClean="0"/>
-              <a:t>Wrapped Responses</a:t>
-            </a:r>
-            <a:endParaRPr lang="en-US" dirty="0"/>
-          </a:p>
-        </p:txBody>
-      </p:sp>
-      <p:sp>
-        <p:nvSpPr>
-          <p:cNvPr id="5" name="Text Placeholder 4"/>
-          <p:cNvSpPr>
-            <a:spLocks noGrp="1"/>
-          </p:cNvSpPr>
-          <p:nvPr>
-            <p:ph type="body" idx="1"/>
-          </p:nvPr>
-        </p:nvSpPr>
-        <p:spPr/>
-        <p:txBody>
-          <a:bodyPr/>
-          <a:lstStyle/>
-          <a:p>
-            <a:endParaRPr lang="en-US"/>
+              <a:rPr lang="en-US" dirty="0"/>
+              <a:t>3xx Redirection </a:t>
+            </a:r>
           </a:p>
         </p:txBody>
       </p:sp>
     </p:spTree>
     <p:extLst>
       <p:ext uri="{BB962C8B-B14F-4D97-AF65-F5344CB8AC3E}">
-        <p14:creationId xmlns:p14="http://schemas.microsoft.com/office/powerpoint/2010/main" val="786422261"/>
+        <p14:creationId xmlns:p14="http://schemas.microsoft.com/office/powerpoint/2010/main" val="1940940665"/>
+      </p:ext>
+    </p:extLst>
+  </p:cSld>
+  <p:clrMapOvr>
+    <a:masterClrMapping/>
+  </p:clrMapOvr>
+</p:sld>
+</file>
+
+<file path=ppt/slides/slide30.xml><?xml version="1.0" encoding="utf-8"?>
+<p:sld xmlns:a="http://schemas.openxmlformats.org/drawingml/2006/main" xmlns:r="http://schemas.openxmlformats.org/officeDocument/2006/relationships" xmlns:p="http://schemas.openxmlformats.org/presentationml/2006/main">
+  <p:cSld>
+    <p:spTree>
+      <p:nvGrpSpPr>
+        <p:cNvPr id="1" name=""/>
+        <p:cNvGrpSpPr/>
+        <p:nvPr/>
+      </p:nvGrpSpPr>
+      <p:grpSpPr>
+        <a:xfrm>
+          <a:off x="0" y="0"/>
+          <a:ext cx="0" cy="0"/>
+          <a:chOff x="0" y="0"/>
+          <a:chExt cx="0" cy="0"/>
+        </a:xfrm>
+      </p:grpSpPr>
+      <p:sp>
+        <p:nvSpPr>
+          <p:cNvPr id="2" name="Title 1"/>
+          <p:cNvSpPr>
+            <a:spLocks noGrp="1"/>
+          </p:cNvSpPr>
+          <p:nvPr>
+            <p:ph type="title"/>
+          </p:nvPr>
+        </p:nvSpPr>
+        <p:spPr>
+          <a:xfrm>
+            <a:off x="278295" y="146464"/>
+            <a:ext cx="11688417" cy="757997"/>
+          </a:xfrm>
+        </p:spPr>
+        <p:txBody>
+          <a:bodyPr>
+            <a:noAutofit/>
+          </a:bodyPr>
+          <a:lstStyle/>
+          <a:p>
+            <a:r>
+              <a:rPr lang="en-US" sz="4800" dirty="0"/>
+              <a:t>Ex. </a:t>
+            </a:r>
+            <a:r>
+              <a:rPr lang="en-US" sz="4800" b="1" i="1" dirty="0"/>
+              <a:t>Cache-Control: max-age=0, s-</a:t>
+            </a:r>
+            <a:r>
+              <a:rPr lang="en-US" sz="4800" b="1" i="1" dirty="0" err="1"/>
+              <a:t>maxage</a:t>
+            </a:r>
+            <a:r>
+              <a:rPr lang="en-US" sz="4800" b="1" i="1" dirty="0"/>
+              <a:t>=600</a:t>
+            </a:r>
+          </a:p>
+        </p:txBody>
+      </p:sp>
+      <p:sp>
+        <p:nvSpPr>
+          <p:cNvPr id="3" name="Content Placeholder 2"/>
+          <p:cNvSpPr>
+            <a:spLocks noGrp="1"/>
+          </p:cNvSpPr>
+          <p:nvPr>
+            <p:ph idx="1"/>
+          </p:nvPr>
+        </p:nvSpPr>
+        <p:spPr>
+          <a:xfrm>
+            <a:off x="129209" y="1212574"/>
+            <a:ext cx="11926956" cy="5357191"/>
+          </a:xfrm>
+        </p:spPr>
+        <p:txBody>
+          <a:bodyPr/>
+          <a:lstStyle/>
+          <a:p>
+            <a:r>
+              <a:rPr lang="en-US" dirty="0"/>
+              <a:t>This means a response will never be considered </a:t>
+            </a:r>
+            <a:r>
+              <a:rPr lang="en-US" i="1" dirty="0"/>
+              <a:t>fresh</a:t>
+            </a:r>
+            <a:r>
+              <a:rPr lang="en-US" dirty="0"/>
+              <a:t> in the private cache, but will be fresh for 10 minutes on public cache</a:t>
+            </a:r>
+          </a:p>
+          <a:p>
+            <a:r>
+              <a:rPr lang="en-US" dirty="0"/>
+              <a:t>Each client will always have to do a conditional GET request</a:t>
+            </a:r>
+          </a:p>
+          <a:p>
+            <a:r>
+              <a:rPr lang="en-US" b="1" i="1" dirty="0"/>
+              <a:t>max-age=0</a:t>
+            </a:r>
+            <a:r>
+              <a:rPr lang="en-US" dirty="0"/>
+              <a:t> does NOT mean that it cannot be cached, just that we need to validate each time with a conditional GET</a:t>
+            </a:r>
+          </a:p>
+          <a:p>
+            <a:pPr lvl="1"/>
+            <a:r>
+              <a:rPr lang="en-US" dirty="0"/>
+              <a:t>we do not save the GET request, but could save on no-payload if </a:t>
+            </a:r>
+            <a:r>
+              <a:rPr lang="en-US" b="1" dirty="0"/>
+              <a:t>304</a:t>
+            </a:r>
+          </a:p>
+          <a:p>
+            <a:r>
+              <a:rPr lang="en-US" dirty="0"/>
+              <a:t>On public cache, we save for 10 minutes, so we avoid computing response and doing conditional GETs for 10 minutes but for first request</a:t>
+            </a:r>
+          </a:p>
+        </p:txBody>
+      </p:sp>
+    </p:spTree>
+    <p:extLst>
+      <p:ext uri="{BB962C8B-B14F-4D97-AF65-F5344CB8AC3E}">
+        <p14:creationId xmlns:p14="http://schemas.microsoft.com/office/powerpoint/2010/main" val="164704199"/>
+      </p:ext>
+    </p:extLst>
+  </p:cSld>
+  <p:clrMapOvr>
+    <a:masterClrMapping/>
+  </p:clrMapOvr>
+</p:sld>
+</file>
+
+<file path=ppt/slides/slide31.xml><?xml version="1.0" encoding="utf-8"?>
+<p:sld xmlns:a="http://schemas.openxmlformats.org/drawingml/2006/main" xmlns:r="http://schemas.openxmlformats.org/officeDocument/2006/relationships" xmlns:p="http://schemas.openxmlformats.org/presentationml/2006/main">
+  <p:cSld>
+    <p:spTree>
+      <p:nvGrpSpPr>
+        <p:cNvPr id="1" name=""/>
+        <p:cNvGrpSpPr/>
+        <p:nvPr/>
+      </p:nvGrpSpPr>
+      <p:grpSpPr>
+        <a:xfrm>
+          <a:off x="0" y="0"/>
+          <a:ext cx="0" cy="0"/>
+          <a:chOff x="0" y="0"/>
+          <a:chExt cx="0" cy="0"/>
+        </a:xfrm>
+      </p:grpSpPr>
+      <p:sp>
+        <p:nvSpPr>
+          <p:cNvPr id="2" name="Title 1"/>
+          <p:cNvSpPr>
+            <a:spLocks noGrp="1"/>
+          </p:cNvSpPr>
+          <p:nvPr>
+            <p:ph type="title"/>
+          </p:nvPr>
+        </p:nvSpPr>
+        <p:spPr>
+          <a:xfrm>
+            <a:off x="241852" y="126585"/>
+            <a:ext cx="10515600" cy="1325563"/>
+          </a:xfrm>
+        </p:spPr>
+        <p:txBody>
+          <a:bodyPr/>
+          <a:lstStyle/>
+          <a:p>
+            <a:r>
+              <a:rPr lang="en-US" dirty="0"/>
+              <a:t>First Request</a:t>
+            </a:r>
+          </a:p>
+        </p:txBody>
+      </p:sp>
+      <p:pic>
+        <p:nvPicPr>
+          <p:cNvPr id="4" name="Picture 2" descr="Image result for chrome"/>
+          <p:cNvPicPr>
+            <a:picLocks noChangeAspect="1" noChangeArrowheads="1"/>
+          </p:cNvPicPr>
+          <p:nvPr/>
+        </p:nvPicPr>
+        <p:blipFill>
+          <a:blip r:embed="rId2">
+            <a:extLst>
+              <a:ext uri="{28A0092B-C50C-407E-A947-70E740481C1C}">
+                <a14:useLocalDpi xmlns:a14="http://schemas.microsoft.com/office/drawing/2010/main" val="0"/>
+              </a:ext>
+            </a:extLst>
+          </a:blip>
+          <a:srcRect/>
+          <a:stretch>
+            <a:fillRect/>
+          </a:stretch>
+        </p:blipFill>
+        <p:spPr bwMode="auto">
+          <a:xfrm>
+            <a:off x="1235452" y="1452148"/>
+            <a:ext cx="1227439" cy="1227439"/>
+          </a:xfrm>
+          <a:prstGeom prst="rect">
+            <a:avLst/>
+          </a:prstGeom>
+          <a:noFill/>
+          <a:extLst>
+            <a:ext uri="{909E8E84-426E-40DD-AFC4-6F175D3DCCD1}">
+              <a14:hiddenFill xmlns:a14="http://schemas.microsoft.com/office/drawing/2010/main">
+                <a:solidFill>
+                  <a:srgbClr val="FFFFFF"/>
+                </a:solidFill>
+              </a14:hiddenFill>
+            </a:ext>
+          </a:extLst>
+        </p:spPr>
+      </p:pic>
+      <p:sp>
+        <p:nvSpPr>
+          <p:cNvPr id="5" name="Rounded Rectangle 4"/>
+          <p:cNvSpPr/>
+          <p:nvPr/>
+        </p:nvSpPr>
+        <p:spPr>
+          <a:xfrm>
+            <a:off x="9297540" y="1452148"/>
+            <a:ext cx="1845276" cy="1375719"/>
+          </a:xfrm>
+          <a:prstGeom prst="roundRect">
+            <a:avLst/>
+          </a:prstGeom>
+        </p:spPr>
+        <p:style>
+          <a:lnRef idx="2">
+            <a:schemeClr val="accent1">
+              <a:shade val="50000"/>
+            </a:schemeClr>
+          </a:lnRef>
+          <a:fillRef idx="1">
+            <a:schemeClr val="accent1"/>
+          </a:fillRef>
+          <a:effectRef idx="0">
+            <a:schemeClr val="accent1"/>
+          </a:effectRef>
+          <a:fontRef idx="minor">
+            <a:schemeClr val="lt1"/>
+          </a:fontRef>
+        </p:style>
+        <p:txBody>
+          <a:bodyPr rtlCol="0" anchor="ctr"/>
+          <a:lstStyle/>
+          <a:p>
+            <a:pPr algn="ctr"/>
+            <a:r>
+              <a:rPr lang="en-US" sz="3600" dirty="0"/>
+              <a:t>Web Service</a:t>
+            </a:r>
+          </a:p>
+        </p:txBody>
+      </p:sp>
+      <p:sp>
+        <p:nvSpPr>
+          <p:cNvPr id="6" name="Rounded Rectangle 5"/>
+          <p:cNvSpPr/>
+          <p:nvPr/>
+        </p:nvSpPr>
+        <p:spPr>
+          <a:xfrm>
+            <a:off x="5250298" y="1452148"/>
+            <a:ext cx="1540476" cy="1375719"/>
+          </a:xfrm>
+          <a:prstGeom prst="roundRect">
+            <a:avLst/>
+          </a:prstGeom>
+        </p:spPr>
+        <p:style>
+          <a:lnRef idx="2">
+            <a:schemeClr val="accent4">
+              <a:shade val="50000"/>
+            </a:schemeClr>
+          </a:lnRef>
+          <a:fillRef idx="1">
+            <a:schemeClr val="accent4"/>
+          </a:fillRef>
+          <a:effectRef idx="0">
+            <a:schemeClr val="accent4"/>
+          </a:effectRef>
+          <a:fontRef idx="minor">
+            <a:schemeClr val="lt1"/>
+          </a:fontRef>
+        </p:style>
+        <p:txBody>
+          <a:bodyPr rtlCol="0" anchor="ctr"/>
+          <a:lstStyle/>
+          <a:p>
+            <a:pPr algn="ctr"/>
+            <a:r>
+              <a:rPr lang="en-US" sz="3600" dirty="0"/>
+              <a:t>HTTP Cache</a:t>
+            </a:r>
+          </a:p>
+        </p:txBody>
+      </p:sp>
+      <p:cxnSp>
+        <p:nvCxnSpPr>
+          <p:cNvPr id="7" name="Straight Connector 6"/>
+          <p:cNvCxnSpPr/>
+          <p:nvPr/>
+        </p:nvCxnSpPr>
+        <p:spPr>
+          <a:xfrm>
+            <a:off x="1812160" y="2771158"/>
+            <a:ext cx="0" cy="3927816"/>
+          </a:xfrm>
+          <a:prstGeom prst="line">
+            <a:avLst/>
+          </a:prstGeom>
+          <a:ln w="25400">
+            <a:solidFill>
+              <a:schemeClr val="tx1"/>
+            </a:solidFill>
+            <a:prstDash val="dash"/>
+          </a:ln>
+        </p:spPr>
+        <p:style>
+          <a:lnRef idx="1">
+            <a:schemeClr val="accent1"/>
+          </a:lnRef>
+          <a:fillRef idx="0">
+            <a:schemeClr val="accent1"/>
+          </a:fillRef>
+          <a:effectRef idx="0">
+            <a:schemeClr val="accent1"/>
+          </a:effectRef>
+          <a:fontRef idx="minor">
+            <a:schemeClr val="tx1"/>
+          </a:fontRef>
+        </p:style>
+      </p:cxnSp>
+      <p:cxnSp>
+        <p:nvCxnSpPr>
+          <p:cNvPr id="8" name="Straight Connector 7"/>
+          <p:cNvCxnSpPr/>
+          <p:nvPr/>
+        </p:nvCxnSpPr>
+        <p:spPr>
+          <a:xfrm>
+            <a:off x="10259578" y="2924812"/>
+            <a:ext cx="0" cy="3774162"/>
+          </a:xfrm>
+          <a:prstGeom prst="line">
+            <a:avLst/>
+          </a:prstGeom>
+          <a:ln w="25400">
+            <a:solidFill>
+              <a:schemeClr val="tx1"/>
+            </a:solidFill>
+            <a:prstDash val="dash"/>
+          </a:ln>
+        </p:spPr>
+        <p:style>
+          <a:lnRef idx="1">
+            <a:schemeClr val="accent1"/>
+          </a:lnRef>
+          <a:fillRef idx="0">
+            <a:schemeClr val="accent1"/>
+          </a:fillRef>
+          <a:effectRef idx="0">
+            <a:schemeClr val="accent1"/>
+          </a:effectRef>
+          <a:fontRef idx="minor">
+            <a:schemeClr val="tx1"/>
+          </a:fontRef>
+        </p:style>
+      </p:cxnSp>
+      <p:cxnSp>
+        <p:nvCxnSpPr>
+          <p:cNvPr id="9" name="Straight Connector 8"/>
+          <p:cNvCxnSpPr/>
+          <p:nvPr/>
+        </p:nvCxnSpPr>
+        <p:spPr>
+          <a:xfrm>
+            <a:off x="6020046" y="2907380"/>
+            <a:ext cx="490" cy="3791594"/>
+          </a:xfrm>
+          <a:prstGeom prst="line">
+            <a:avLst/>
+          </a:prstGeom>
+          <a:ln w="25400">
+            <a:solidFill>
+              <a:schemeClr val="tx1"/>
+            </a:solidFill>
+            <a:prstDash val="dash"/>
+          </a:ln>
+        </p:spPr>
+        <p:style>
+          <a:lnRef idx="1">
+            <a:schemeClr val="accent1"/>
+          </a:lnRef>
+          <a:fillRef idx="0">
+            <a:schemeClr val="accent1"/>
+          </a:fillRef>
+          <a:effectRef idx="0">
+            <a:schemeClr val="accent1"/>
+          </a:effectRef>
+          <a:fontRef idx="minor">
+            <a:schemeClr val="tx1"/>
+          </a:fontRef>
+        </p:style>
+      </p:cxnSp>
+      <p:cxnSp>
+        <p:nvCxnSpPr>
+          <p:cNvPr id="10" name="Straight Arrow Connector 9"/>
+          <p:cNvCxnSpPr/>
+          <p:nvPr/>
+        </p:nvCxnSpPr>
+        <p:spPr>
+          <a:xfrm>
+            <a:off x="2108330" y="3647828"/>
+            <a:ext cx="3775635" cy="0"/>
+          </a:xfrm>
+          <a:prstGeom prst="straightConnector1">
+            <a:avLst/>
+          </a:prstGeom>
+          <a:ln w="76200">
+            <a:solidFill>
+              <a:schemeClr val="tx1"/>
+            </a:solidFill>
+            <a:headEnd type="none"/>
+            <a:tailEnd type="triangle"/>
+          </a:ln>
+        </p:spPr>
+        <p:style>
+          <a:lnRef idx="1">
+            <a:schemeClr val="accent1"/>
+          </a:lnRef>
+          <a:fillRef idx="0">
+            <a:schemeClr val="accent1"/>
+          </a:fillRef>
+          <a:effectRef idx="0">
+            <a:schemeClr val="accent1"/>
+          </a:effectRef>
+          <a:fontRef idx="minor">
+            <a:schemeClr val="tx1"/>
+          </a:fontRef>
+        </p:style>
+      </p:cxnSp>
+      <p:cxnSp>
+        <p:nvCxnSpPr>
+          <p:cNvPr id="11" name="Straight Arrow Connector 10"/>
+          <p:cNvCxnSpPr/>
+          <p:nvPr/>
+        </p:nvCxnSpPr>
+        <p:spPr>
+          <a:xfrm>
+            <a:off x="6211935" y="3802389"/>
+            <a:ext cx="3876282" cy="0"/>
+          </a:xfrm>
+          <a:prstGeom prst="straightConnector1">
+            <a:avLst/>
+          </a:prstGeom>
+          <a:ln w="76200">
+            <a:solidFill>
+              <a:schemeClr val="tx1"/>
+            </a:solidFill>
+            <a:headEnd type="none"/>
+            <a:tailEnd type="triangle"/>
+          </a:ln>
+        </p:spPr>
+        <p:style>
+          <a:lnRef idx="1">
+            <a:schemeClr val="accent1"/>
+          </a:lnRef>
+          <a:fillRef idx="0">
+            <a:schemeClr val="accent1"/>
+          </a:fillRef>
+          <a:effectRef idx="0">
+            <a:schemeClr val="accent1"/>
+          </a:effectRef>
+          <a:fontRef idx="minor">
+            <a:schemeClr val="tx1"/>
+          </a:fontRef>
+        </p:style>
+      </p:cxnSp>
+      <p:cxnSp>
+        <p:nvCxnSpPr>
+          <p:cNvPr id="12" name="Straight Arrow Connector 11"/>
+          <p:cNvCxnSpPr/>
+          <p:nvPr/>
+        </p:nvCxnSpPr>
+        <p:spPr>
+          <a:xfrm flipH="1">
+            <a:off x="6467832" y="6029109"/>
+            <a:ext cx="3570369" cy="0"/>
+          </a:xfrm>
+          <a:prstGeom prst="straightConnector1">
+            <a:avLst/>
+          </a:prstGeom>
+          <a:ln w="76200">
+            <a:solidFill>
+              <a:schemeClr val="tx1"/>
+            </a:solidFill>
+            <a:headEnd type="none"/>
+            <a:tailEnd type="triangle"/>
+          </a:ln>
+        </p:spPr>
+        <p:style>
+          <a:lnRef idx="1">
+            <a:schemeClr val="accent1"/>
+          </a:lnRef>
+          <a:fillRef idx="0">
+            <a:schemeClr val="accent1"/>
+          </a:fillRef>
+          <a:effectRef idx="0">
+            <a:schemeClr val="accent1"/>
+          </a:effectRef>
+          <a:fontRef idx="minor">
+            <a:schemeClr val="tx1"/>
+          </a:fontRef>
+        </p:style>
+      </p:cxnSp>
+      <p:cxnSp>
+        <p:nvCxnSpPr>
+          <p:cNvPr id="13" name="Straight Arrow Connector 12"/>
+          <p:cNvCxnSpPr/>
+          <p:nvPr/>
+        </p:nvCxnSpPr>
+        <p:spPr>
+          <a:xfrm flipH="1">
+            <a:off x="2108330" y="6259941"/>
+            <a:ext cx="3720317" cy="17126"/>
+          </a:xfrm>
+          <a:prstGeom prst="straightConnector1">
+            <a:avLst/>
+          </a:prstGeom>
+          <a:ln w="76200">
+            <a:solidFill>
+              <a:schemeClr val="tx1"/>
+            </a:solidFill>
+            <a:headEnd type="none"/>
+            <a:tailEnd type="triangle"/>
+          </a:ln>
+        </p:spPr>
+        <p:style>
+          <a:lnRef idx="1">
+            <a:schemeClr val="accent1"/>
+          </a:lnRef>
+          <a:fillRef idx="0">
+            <a:schemeClr val="accent1"/>
+          </a:fillRef>
+          <a:effectRef idx="0">
+            <a:schemeClr val="accent1"/>
+          </a:effectRef>
+          <a:fontRef idx="minor">
+            <a:schemeClr val="tx1"/>
+          </a:fontRef>
+        </p:style>
+      </p:cxnSp>
+      <p:sp>
+        <p:nvSpPr>
+          <p:cNvPr id="14" name="TextBox 13"/>
+          <p:cNvSpPr txBox="1"/>
+          <p:nvPr/>
+        </p:nvSpPr>
+        <p:spPr>
+          <a:xfrm>
+            <a:off x="2257317" y="2988429"/>
+            <a:ext cx="1279453" cy="461665"/>
+          </a:xfrm>
+          <a:prstGeom prst="rect">
+            <a:avLst/>
+          </a:prstGeom>
+          <a:noFill/>
+        </p:spPr>
+        <p:txBody>
+          <a:bodyPr wrap="none" rtlCol="0">
+            <a:spAutoFit/>
+          </a:bodyPr>
+          <a:lstStyle/>
+          <a:p>
+            <a:r>
+              <a:rPr lang="en-US" sz="2400" dirty="0"/>
+              <a:t>GET /foo</a:t>
+            </a:r>
+          </a:p>
+        </p:txBody>
+      </p:sp>
+      <p:sp>
+        <p:nvSpPr>
+          <p:cNvPr id="16" name="TextBox 15"/>
+          <p:cNvSpPr txBox="1"/>
+          <p:nvPr/>
+        </p:nvSpPr>
+        <p:spPr>
+          <a:xfrm>
+            <a:off x="7279531" y="6096660"/>
+            <a:ext cx="651140" cy="461665"/>
+          </a:xfrm>
+          <a:prstGeom prst="rect">
+            <a:avLst/>
+          </a:prstGeom>
+          <a:noFill/>
+        </p:spPr>
+        <p:txBody>
+          <a:bodyPr wrap="square" rtlCol="0">
+            <a:spAutoFit/>
+          </a:bodyPr>
+          <a:lstStyle/>
+          <a:p>
+            <a:r>
+              <a:rPr lang="en-US" sz="2400" dirty="0"/>
+              <a:t>200</a:t>
+            </a:r>
+          </a:p>
+        </p:txBody>
+      </p:sp>
+      <p:sp>
+        <p:nvSpPr>
+          <p:cNvPr id="17" name="TextBox 16"/>
+          <p:cNvSpPr txBox="1"/>
+          <p:nvPr/>
+        </p:nvSpPr>
+        <p:spPr>
+          <a:xfrm>
+            <a:off x="3362371" y="6327102"/>
+            <a:ext cx="651140" cy="461665"/>
+          </a:xfrm>
+          <a:prstGeom prst="rect">
+            <a:avLst/>
+          </a:prstGeom>
+          <a:noFill/>
+        </p:spPr>
+        <p:txBody>
+          <a:bodyPr wrap="none" rtlCol="0">
+            <a:spAutoFit/>
+          </a:bodyPr>
+          <a:lstStyle/>
+          <a:p>
+            <a:r>
+              <a:rPr lang="en-US" sz="2400" dirty="0"/>
+              <a:t>200</a:t>
+            </a:r>
+          </a:p>
+        </p:txBody>
+      </p:sp>
+      <p:sp>
+        <p:nvSpPr>
+          <p:cNvPr id="18" name="TextBox 17"/>
+          <p:cNvSpPr txBox="1"/>
+          <p:nvPr/>
+        </p:nvSpPr>
+        <p:spPr>
+          <a:xfrm>
+            <a:off x="2820642" y="4945325"/>
+            <a:ext cx="2339295" cy="1200329"/>
+          </a:xfrm>
+          <a:prstGeom prst="rect">
+            <a:avLst/>
+          </a:prstGeom>
+          <a:noFill/>
+        </p:spPr>
+        <p:txBody>
+          <a:bodyPr wrap="none" rtlCol="0">
+            <a:spAutoFit/>
+          </a:bodyPr>
+          <a:lstStyle/>
+          <a:p>
+            <a:r>
+              <a:rPr lang="en-US" sz="2400" dirty="0"/>
+              <a:t>With payload</a:t>
+            </a:r>
+          </a:p>
+          <a:p>
+            <a:r>
+              <a:rPr lang="en-US" sz="2400" dirty="0" err="1"/>
+              <a:t>ETag</a:t>
+            </a:r>
+            <a:r>
+              <a:rPr lang="en-US" sz="2400" dirty="0"/>
+              <a:t>: …</a:t>
+            </a:r>
+          </a:p>
+          <a:p>
+            <a:r>
+              <a:rPr lang="en-US" sz="2400" dirty="0"/>
+              <a:t>Cache-Control: …</a:t>
+            </a:r>
+          </a:p>
+        </p:txBody>
+      </p:sp>
+      <p:sp>
+        <p:nvSpPr>
+          <p:cNvPr id="19" name="TextBox 18"/>
+          <p:cNvSpPr txBox="1"/>
+          <p:nvPr/>
+        </p:nvSpPr>
+        <p:spPr>
+          <a:xfrm>
+            <a:off x="6211935" y="4425674"/>
+            <a:ext cx="3910238" cy="1569660"/>
+          </a:xfrm>
+          <a:prstGeom prst="rect">
+            <a:avLst/>
+          </a:prstGeom>
+          <a:noFill/>
+        </p:spPr>
+        <p:txBody>
+          <a:bodyPr wrap="none" rtlCol="0">
+            <a:spAutoFit/>
+          </a:bodyPr>
+          <a:lstStyle/>
+          <a:p>
+            <a:r>
+              <a:rPr lang="en-US" sz="2400" dirty="0"/>
+              <a:t>With payload</a:t>
+            </a:r>
+          </a:p>
+          <a:p>
+            <a:r>
+              <a:rPr lang="en-US" sz="2400" dirty="0" err="1"/>
+              <a:t>ETag</a:t>
+            </a:r>
+            <a:r>
+              <a:rPr lang="en-US" sz="2400" dirty="0"/>
+              <a:t>: …</a:t>
+            </a:r>
+          </a:p>
+          <a:p>
+            <a:r>
+              <a:rPr lang="en-US" sz="2400" dirty="0"/>
+              <a:t>Cache-Control: max-age=0, </a:t>
+            </a:r>
+          </a:p>
+          <a:p>
+            <a:r>
+              <a:rPr lang="en-US" sz="2400" dirty="0"/>
+              <a:t>                            s-</a:t>
+            </a:r>
+            <a:r>
+              <a:rPr lang="en-US" sz="2400" dirty="0" err="1"/>
+              <a:t>maxage</a:t>
+            </a:r>
+            <a:r>
+              <a:rPr lang="en-US" sz="2400" dirty="0"/>
+              <a:t>=600</a:t>
+            </a:r>
+          </a:p>
+        </p:txBody>
+      </p:sp>
+      <p:sp>
+        <p:nvSpPr>
+          <p:cNvPr id="22" name="TextBox 21"/>
+          <p:cNvSpPr txBox="1"/>
+          <p:nvPr/>
+        </p:nvSpPr>
+        <p:spPr>
+          <a:xfrm>
+            <a:off x="6364335" y="3202224"/>
+            <a:ext cx="1279453" cy="461665"/>
+          </a:xfrm>
+          <a:prstGeom prst="rect">
+            <a:avLst/>
+          </a:prstGeom>
+          <a:noFill/>
+        </p:spPr>
+        <p:txBody>
+          <a:bodyPr wrap="none" rtlCol="0">
+            <a:spAutoFit/>
+          </a:bodyPr>
+          <a:lstStyle/>
+          <a:p>
+            <a:r>
+              <a:rPr lang="en-US" sz="2400" dirty="0"/>
+              <a:t>GET /foo</a:t>
+            </a:r>
+          </a:p>
+        </p:txBody>
+      </p:sp>
+    </p:spTree>
+    <p:extLst>
+      <p:ext uri="{BB962C8B-B14F-4D97-AF65-F5344CB8AC3E}">
+        <p14:creationId xmlns:p14="http://schemas.microsoft.com/office/powerpoint/2010/main" val="566558588"/>
+      </p:ext>
+    </p:extLst>
+  </p:cSld>
+  <p:clrMapOvr>
+    <a:masterClrMapping/>
+  </p:clrMapOvr>
+</p:sld>
+</file>
+
+<file path=ppt/slides/slide32.xml><?xml version="1.0" encoding="utf-8"?>
+<p:sld xmlns:a="http://schemas.openxmlformats.org/drawingml/2006/main" xmlns:r="http://schemas.openxmlformats.org/officeDocument/2006/relationships" xmlns:p="http://schemas.openxmlformats.org/presentationml/2006/main">
+  <p:cSld>
+    <p:spTree>
+      <p:nvGrpSpPr>
+        <p:cNvPr id="1" name=""/>
+        <p:cNvGrpSpPr/>
+        <p:nvPr/>
+      </p:nvGrpSpPr>
+      <p:grpSpPr>
+        <a:xfrm>
+          <a:off x="0" y="0"/>
+          <a:ext cx="0" cy="0"/>
+          <a:chOff x="0" y="0"/>
+          <a:chExt cx="0" cy="0"/>
+        </a:xfrm>
+      </p:grpSpPr>
+      <p:sp>
+        <p:nvSpPr>
+          <p:cNvPr id="2" name="Title 1"/>
+          <p:cNvSpPr>
+            <a:spLocks noGrp="1"/>
+          </p:cNvSpPr>
+          <p:nvPr>
+            <p:ph type="title"/>
+          </p:nvPr>
+        </p:nvSpPr>
+        <p:spPr>
+          <a:xfrm>
+            <a:off x="241852" y="126585"/>
+            <a:ext cx="11665226" cy="1325563"/>
+          </a:xfrm>
+        </p:spPr>
+        <p:txBody>
+          <a:bodyPr>
+            <a:normAutofit/>
+          </a:bodyPr>
+          <a:lstStyle/>
+          <a:p>
+            <a:r>
+              <a:rPr lang="en-US" dirty="0"/>
+              <a:t>Second Request from Same Client</a:t>
+            </a:r>
+          </a:p>
+        </p:txBody>
+      </p:sp>
+      <p:pic>
+        <p:nvPicPr>
+          <p:cNvPr id="4" name="Picture 2" descr="Image result for chrome"/>
+          <p:cNvPicPr>
+            <a:picLocks noChangeAspect="1" noChangeArrowheads="1"/>
+          </p:cNvPicPr>
+          <p:nvPr/>
+        </p:nvPicPr>
+        <p:blipFill>
+          <a:blip r:embed="rId2">
+            <a:extLst>
+              <a:ext uri="{28A0092B-C50C-407E-A947-70E740481C1C}">
+                <a14:useLocalDpi xmlns:a14="http://schemas.microsoft.com/office/drawing/2010/main" val="0"/>
+              </a:ext>
+            </a:extLst>
+          </a:blip>
+          <a:srcRect/>
+          <a:stretch>
+            <a:fillRect/>
+          </a:stretch>
+        </p:blipFill>
+        <p:spPr bwMode="auto">
+          <a:xfrm>
+            <a:off x="1235452" y="1452148"/>
+            <a:ext cx="1227439" cy="1227439"/>
+          </a:xfrm>
+          <a:prstGeom prst="rect">
+            <a:avLst/>
+          </a:prstGeom>
+          <a:noFill/>
+          <a:extLst>
+            <a:ext uri="{909E8E84-426E-40DD-AFC4-6F175D3DCCD1}">
+              <a14:hiddenFill xmlns:a14="http://schemas.microsoft.com/office/drawing/2010/main">
+                <a:solidFill>
+                  <a:srgbClr val="FFFFFF"/>
+                </a:solidFill>
+              </a14:hiddenFill>
+            </a:ext>
+          </a:extLst>
+        </p:spPr>
+      </p:pic>
+      <p:sp>
+        <p:nvSpPr>
+          <p:cNvPr id="5" name="Rounded Rectangle 4"/>
+          <p:cNvSpPr/>
+          <p:nvPr/>
+        </p:nvSpPr>
+        <p:spPr>
+          <a:xfrm>
+            <a:off x="9297540" y="1452148"/>
+            <a:ext cx="1845276" cy="1375719"/>
+          </a:xfrm>
+          <a:prstGeom prst="roundRect">
+            <a:avLst/>
+          </a:prstGeom>
+        </p:spPr>
+        <p:style>
+          <a:lnRef idx="2">
+            <a:schemeClr val="accent1">
+              <a:shade val="50000"/>
+            </a:schemeClr>
+          </a:lnRef>
+          <a:fillRef idx="1">
+            <a:schemeClr val="accent1"/>
+          </a:fillRef>
+          <a:effectRef idx="0">
+            <a:schemeClr val="accent1"/>
+          </a:effectRef>
+          <a:fontRef idx="minor">
+            <a:schemeClr val="lt1"/>
+          </a:fontRef>
+        </p:style>
+        <p:txBody>
+          <a:bodyPr rtlCol="0" anchor="ctr"/>
+          <a:lstStyle/>
+          <a:p>
+            <a:pPr algn="ctr"/>
+            <a:r>
+              <a:rPr lang="en-US" sz="3600" dirty="0"/>
+              <a:t>Web Service</a:t>
+            </a:r>
+          </a:p>
+        </p:txBody>
+      </p:sp>
+      <p:sp>
+        <p:nvSpPr>
+          <p:cNvPr id="6" name="Rounded Rectangle 5"/>
+          <p:cNvSpPr/>
+          <p:nvPr/>
+        </p:nvSpPr>
+        <p:spPr>
+          <a:xfrm>
+            <a:off x="5250298" y="1452148"/>
+            <a:ext cx="1540476" cy="1375719"/>
+          </a:xfrm>
+          <a:prstGeom prst="roundRect">
+            <a:avLst/>
+          </a:prstGeom>
+        </p:spPr>
+        <p:style>
+          <a:lnRef idx="2">
+            <a:schemeClr val="accent4">
+              <a:shade val="50000"/>
+            </a:schemeClr>
+          </a:lnRef>
+          <a:fillRef idx="1">
+            <a:schemeClr val="accent4"/>
+          </a:fillRef>
+          <a:effectRef idx="0">
+            <a:schemeClr val="accent4"/>
+          </a:effectRef>
+          <a:fontRef idx="minor">
+            <a:schemeClr val="lt1"/>
+          </a:fontRef>
+        </p:style>
+        <p:txBody>
+          <a:bodyPr rtlCol="0" anchor="ctr"/>
+          <a:lstStyle/>
+          <a:p>
+            <a:pPr algn="ctr"/>
+            <a:r>
+              <a:rPr lang="en-US" sz="3600" dirty="0"/>
+              <a:t>HTTP Cache</a:t>
+            </a:r>
+          </a:p>
+        </p:txBody>
+      </p:sp>
+      <p:cxnSp>
+        <p:nvCxnSpPr>
+          <p:cNvPr id="7" name="Straight Connector 6"/>
+          <p:cNvCxnSpPr/>
+          <p:nvPr/>
+        </p:nvCxnSpPr>
+        <p:spPr>
+          <a:xfrm>
+            <a:off x="1812160" y="2771158"/>
+            <a:ext cx="0" cy="3927816"/>
+          </a:xfrm>
+          <a:prstGeom prst="line">
+            <a:avLst/>
+          </a:prstGeom>
+          <a:ln w="25400">
+            <a:solidFill>
+              <a:schemeClr val="tx1"/>
+            </a:solidFill>
+            <a:prstDash val="dash"/>
+          </a:ln>
+        </p:spPr>
+        <p:style>
+          <a:lnRef idx="1">
+            <a:schemeClr val="accent1"/>
+          </a:lnRef>
+          <a:fillRef idx="0">
+            <a:schemeClr val="accent1"/>
+          </a:fillRef>
+          <a:effectRef idx="0">
+            <a:schemeClr val="accent1"/>
+          </a:effectRef>
+          <a:fontRef idx="minor">
+            <a:schemeClr val="tx1"/>
+          </a:fontRef>
+        </p:style>
+      </p:cxnSp>
+      <p:cxnSp>
+        <p:nvCxnSpPr>
+          <p:cNvPr id="8" name="Straight Connector 7"/>
+          <p:cNvCxnSpPr/>
+          <p:nvPr/>
+        </p:nvCxnSpPr>
+        <p:spPr>
+          <a:xfrm>
+            <a:off x="10259578" y="2924812"/>
+            <a:ext cx="0" cy="3774162"/>
+          </a:xfrm>
+          <a:prstGeom prst="line">
+            <a:avLst/>
+          </a:prstGeom>
+          <a:ln w="25400">
+            <a:solidFill>
+              <a:schemeClr val="tx1"/>
+            </a:solidFill>
+            <a:prstDash val="dash"/>
+          </a:ln>
+        </p:spPr>
+        <p:style>
+          <a:lnRef idx="1">
+            <a:schemeClr val="accent1"/>
+          </a:lnRef>
+          <a:fillRef idx="0">
+            <a:schemeClr val="accent1"/>
+          </a:fillRef>
+          <a:effectRef idx="0">
+            <a:schemeClr val="accent1"/>
+          </a:effectRef>
+          <a:fontRef idx="minor">
+            <a:schemeClr val="tx1"/>
+          </a:fontRef>
+        </p:style>
+      </p:cxnSp>
+      <p:cxnSp>
+        <p:nvCxnSpPr>
+          <p:cNvPr id="9" name="Straight Connector 8"/>
+          <p:cNvCxnSpPr/>
+          <p:nvPr/>
+        </p:nvCxnSpPr>
+        <p:spPr>
+          <a:xfrm>
+            <a:off x="6020046" y="2907380"/>
+            <a:ext cx="490" cy="3791594"/>
+          </a:xfrm>
+          <a:prstGeom prst="line">
+            <a:avLst/>
+          </a:prstGeom>
+          <a:ln w="25400">
+            <a:solidFill>
+              <a:schemeClr val="tx1"/>
+            </a:solidFill>
+            <a:prstDash val="dash"/>
+          </a:ln>
+        </p:spPr>
+        <p:style>
+          <a:lnRef idx="1">
+            <a:schemeClr val="accent1"/>
+          </a:lnRef>
+          <a:fillRef idx="0">
+            <a:schemeClr val="accent1"/>
+          </a:fillRef>
+          <a:effectRef idx="0">
+            <a:schemeClr val="accent1"/>
+          </a:effectRef>
+          <a:fontRef idx="minor">
+            <a:schemeClr val="tx1"/>
+          </a:fontRef>
+        </p:style>
+      </p:cxnSp>
+      <p:cxnSp>
+        <p:nvCxnSpPr>
+          <p:cNvPr id="10" name="Straight Arrow Connector 9"/>
+          <p:cNvCxnSpPr/>
+          <p:nvPr/>
+        </p:nvCxnSpPr>
+        <p:spPr>
+          <a:xfrm>
+            <a:off x="2108330" y="3647828"/>
+            <a:ext cx="3775635" cy="0"/>
+          </a:xfrm>
+          <a:prstGeom prst="straightConnector1">
+            <a:avLst/>
+          </a:prstGeom>
+          <a:ln w="76200">
+            <a:solidFill>
+              <a:schemeClr val="tx1"/>
+            </a:solidFill>
+            <a:headEnd type="none"/>
+            <a:tailEnd type="triangle"/>
+          </a:ln>
+        </p:spPr>
+        <p:style>
+          <a:lnRef idx="1">
+            <a:schemeClr val="accent1"/>
+          </a:lnRef>
+          <a:fillRef idx="0">
+            <a:schemeClr val="accent1"/>
+          </a:fillRef>
+          <a:effectRef idx="0">
+            <a:schemeClr val="accent1"/>
+          </a:effectRef>
+          <a:fontRef idx="minor">
+            <a:schemeClr val="tx1"/>
+          </a:fontRef>
+        </p:style>
+      </p:cxnSp>
+      <p:cxnSp>
+        <p:nvCxnSpPr>
+          <p:cNvPr id="13" name="Straight Arrow Connector 12"/>
+          <p:cNvCxnSpPr/>
+          <p:nvPr/>
+        </p:nvCxnSpPr>
+        <p:spPr>
+          <a:xfrm flipH="1">
+            <a:off x="2108330" y="5603958"/>
+            <a:ext cx="3720317" cy="17126"/>
+          </a:xfrm>
+          <a:prstGeom prst="straightConnector1">
+            <a:avLst/>
+          </a:prstGeom>
+          <a:ln w="76200">
+            <a:solidFill>
+              <a:schemeClr val="tx1"/>
+            </a:solidFill>
+            <a:headEnd type="none"/>
+            <a:tailEnd type="triangle"/>
+          </a:ln>
+        </p:spPr>
+        <p:style>
+          <a:lnRef idx="1">
+            <a:schemeClr val="accent1"/>
+          </a:lnRef>
+          <a:fillRef idx="0">
+            <a:schemeClr val="accent1"/>
+          </a:fillRef>
+          <a:effectRef idx="0">
+            <a:schemeClr val="accent1"/>
+          </a:effectRef>
+          <a:fontRef idx="minor">
+            <a:schemeClr val="tx1"/>
+          </a:fontRef>
+        </p:style>
+      </p:cxnSp>
+      <p:sp>
+        <p:nvSpPr>
+          <p:cNvPr id="14" name="TextBox 13"/>
+          <p:cNvSpPr txBox="1"/>
+          <p:nvPr/>
+        </p:nvSpPr>
+        <p:spPr>
+          <a:xfrm>
+            <a:off x="2215839" y="2750568"/>
+            <a:ext cx="2383729" cy="830997"/>
+          </a:xfrm>
+          <a:prstGeom prst="rect">
+            <a:avLst/>
+          </a:prstGeom>
+          <a:noFill/>
+        </p:spPr>
+        <p:txBody>
+          <a:bodyPr wrap="none" rtlCol="0">
+            <a:spAutoFit/>
+          </a:bodyPr>
+          <a:lstStyle/>
+          <a:p>
+            <a:r>
+              <a:rPr lang="en-US" sz="2400" dirty="0"/>
+              <a:t>GET /foo</a:t>
+            </a:r>
+          </a:p>
+          <a:p>
+            <a:r>
+              <a:rPr lang="en-US" sz="2400" dirty="0"/>
+              <a:t>If-None-Match: …</a:t>
+            </a:r>
+          </a:p>
+        </p:txBody>
+      </p:sp>
+      <p:sp>
+        <p:nvSpPr>
+          <p:cNvPr id="17" name="TextBox 16"/>
+          <p:cNvSpPr txBox="1"/>
+          <p:nvPr/>
+        </p:nvSpPr>
+        <p:spPr>
+          <a:xfrm>
+            <a:off x="3362371" y="5671119"/>
+            <a:ext cx="651140" cy="461665"/>
+          </a:xfrm>
+          <a:prstGeom prst="rect">
+            <a:avLst/>
+          </a:prstGeom>
+          <a:noFill/>
+        </p:spPr>
+        <p:txBody>
+          <a:bodyPr wrap="none" rtlCol="0">
+            <a:spAutoFit/>
+          </a:bodyPr>
+          <a:lstStyle/>
+          <a:p>
+            <a:r>
+              <a:rPr lang="en-US" sz="2400" dirty="0"/>
+              <a:t>304</a:t>
+            </a:r>
+          </a:p>
+        </p:txBody>
+      </p:sp>
+      <p:sp>
+        <p:nvSpPr>
+          <p:cNvPr id="18" name="TextBox 17"/>
+          <p:cNvSpPr txBox="1"/>
+          <p:nvPr/>
+        </p:nvSpPr>
+        <p:spPr>
+          <a:xfrm>
+            <a:off x="2897044" y="4886443"/>
+            <a:ext cx="1599220" cy="461665"/>
+          </a:xfrm>
+          <a:prstGeom prst="rect">
+            <a:avLst/>
+          </a:prstGeom>
+          <a:noFill/>
+        </p:spPr>
+        <p:txBody>
+          <a:bodyPr wrap="none" rtlCol="0">
+            <a:spAutoFit/>
+          </a:bodyPr>
+          <a:lstStyle/>
+          <a:p>
+            <a:r>
+              <a:rPr lang="en-US" sz="2400" dirty="0"/>
+              <a:t>No payload</a:t>
+            </a:r>
+          </a:p>
+        </p:txBody>
+      </p:sp>
+      <p:sp>
+        <p:nvSpPr>
+          <p:cNvPr id="3" name="TextBox 2"/>
+          <p:cNvSpPr txBox="1"/>
+          <p:nvPr/>
+        </p:nvSpPr>
+        <p:spPr>
+          <a:xfrm>
+            <a:off x="6868921" y="3383394"/>
+            <a:ext cx="3104480" cy="1822999"/>
+          </a:xfrm>
+          <a:prstGeom prst="rect">
+            <a:avLst/>
+          </a:prstGeom>
+          <a:noFill/>
+        </p:spPr>
+        <p:txBody>
+          <a:bodyPr wrap="square" rtlCol="0">
+            <a:spAutoFit/>
+          </a:bodyPr>
+          <a:lstStyle/>
+          <a:p>
+            <a:r>
+              <a:rPr lang="en-US" sz="2800" dirty="0"/>
+              <a:t>No need to connect to Web Service, because cache is valid for 10 minutes</a:t>
+            </a:r>
+          </a:p>
+        </p:txBody>
+      </p:sp>
+    </p:spTree>
+    <p:extLst>
+      <p:ext uri="{BB962C8B-B14F-4D97-AF65-F5344CB8AC3E}">
+        <p14:creationId xmlns:p14="http://schemas.microsoft.com/office/powerpoint/2010/main" val="2219989489"/>
+      </p:ext>
+    </p:extLst>
+  </p:cSld>
+  <p:clrMapOvr>
+    <a:masterClrMapping/>
+  </p:clrMapOvr>
+</p:sld>
+</file>
+
+<file path=ppt/slides/slide33.xml><?xml version="1.0" encoding="utf-8"?>
+<p:sld xmlns:a="http://schemas.openxmlformats.org/drawingml/2006/main" xmlns:r="http://schemas.openxmlformats.org/officeDocument/2006/relationships" xmlns:p="http://schemas.openxmlformats.org/presentationml/2006/main">
+  <p:cSld>
+    <p:spTree>
+      <p:nvGrpSpPr>
+        <p:cNvPr id="1" name=""/>
+        <p:cNvGrpSpPr/>
+        <p:nvPr/>
+      </p:nvGrpSpPr>
+      <p:grpSpPr>
+        <a:xfrm>
+          <a:off x="0" y="0"/>
+          <a:ext cx="0" cy="0"/>
+          <a:chOff x="0" y="0"/>
+          <a:chExt cx="0" cy="0"/>
+        </a:xfrm>
+      </p:grpSpPr>
+      <p:sp>
+        <p:nvSpPr>
+          <p:cNvPr id="2" name="Title 1"/>
+          <p:cNvSpPr>
+            <a:spLocks noGrp="1"/>
+          </p:cNvSpPr>
+          <p:nvPr>
+            <p:ph type="title"/>
+          </p:nvPr>
+        </p:nvSpPr>
+        <p:spPr>
+          <a:xfrm>
+            <a:off x="149087" y="126585"/>
+            <a:ext cx="11946835" cy="1325563"/>
+          </a:xfrm>
+        </p:spPr>
+        <p:txBody>
+          <a:bodyPr>
+            <a:normAutofit/>
+          </a:bodyPr>
+          <a:lstStyle/>
+          <a:p>
+            <a:r>
+              <a:rPr lang="en-US" dirty="0"/>
+              <a:t>Third Request from Different Client</a:t>
+            </a:r>
+          </a:p>
+        </p:txBody>
+      </p:sp>
+      <p:sp>
+        <p:nvSpPr>
+          <p:cNvPr id="5" name="Rounded Rectangle 4"/>
+          <p:cNvSpPr/>
+          <p:nvPr/>
+        </p:nvSpPr>
+        <p:spPr>
+          <a:xfrm>
+            <a:off x="9297540" y="1452148"/>
+            <a:ext cx="1845276" cy="1375719"/>
+          </a:xfrm>
+          <a:prstGeom prst="roundRect">
+            <a:avLst/>
+          </a:prstGeom>
+        </p:spPr>
+        <p:style>
+          <a:lnRef idx="2">
+            <a:schemeClr val="accent1">
+              <a:shade val="50000"/>
+            </a:schemeClr>
+          </a:lnRef>
+          <a:fillRef idx="1">
+            <a:schemeClr val="accent1"/>
+          </a:fillRef>
+          <a:effectRef idx="0">
+            <a:schemeClr val="accent1"/>
+          </a:effectRef>
+          <a:fontRef idx="minor">
+            <a:schemeClr val="lt1"/>
+          </a:fontRef>
+        </p:style>
+        <p:txBody>
+          <a:bodyPr rtlCol="0" anchor="ctr"/>
+          <a:lstStyle/>
+          <a:p>
+            <a:pPr algn="ctr"/>
+            <a:r>
+              <a:rPr lang="en-US" sz="3600" dirty="0"/>
+              <a:t>Web Service</a:t>
+            </a:r>
+          </a:p>
+        </p:txBody>
+      </p:sp>
+      <p:sp>
+        <p:nvSpPr>
+          <p:cNvPr id="6" name="Rounded Rectangle 5"/>
+          <p:cNvSpPr/>
+          <p:nvPr/>
+        </p:nvSpPr>
+        <p:spPr>
+          <a:xfrm>
+            <a:off x="5250298" y="1452148"/>
+            <a:ext cx="1540476" cy="1375719"/>
+          </a:xfrm>
+          <a:prstGeom prst="roundRect">
+            <a:avLst/>
+          </a:prstGeom>
+        </p:spPr>
+        <p:style>
+          <a:lnRef idx="2">
+            <a:schemeClr val="accent4">
+              <a:shade val="50000"/>
+            </a:schemeClr>
+          </a:lnRef>
+          <a:fillRef idx="1">
+            <a:schemeClr val="accent4"/>
+          </a:fillRef>
+          <a:effectRef idx="0">
+            <a:schemeClr val="accent4"/>
+          </a:effectRef>
+          <a:fontRef idx="minor">
+            <a:schemeClr val="lt1"/>
+          </a:fontRef>
+        </p:style>
+        <p:txBody>
+          <a:bodyPr rtlCol="0" anchor="ctr"/>
+          <a:lstStyle/>
+          <a:p>
+            <a:pPr algn="ctr"/>
+            <a:r>
+              <a:rPr lang="en-US" sz="3600" dirty="0"/>
+              <a:t>HTTP Cache</a:t>
+            </a:r>
+          </a:p>
+        </p:txBody>
+      </p:sp>
+      <p:cxnSp>
+        <p:nvCxnSpPr>
+          <p:cNvPr id="7" name="Straight Connector 6"/>
+          <p:cNvCxnSpPr/>
+          <p:nvPr/>
+        </p:nvCxnSpPr>
+        <p:spPr>
+          <a:xfrm>
+            <a:off x="1812160" y="2771158"/>
+            <a:ext cx="0" cy="3927816"/>
+          </a:xfrm>
+          <a:prstGeom prst="line">
+            <a:avLst/>
+          </a:prstGeom>
+          <a:ln w="25400">
+            <a:solidFill>
+              <a:schemeClr val="tx1"/>
+            </a:solidFill>
+            <a:prstDash val="dash"/>
+          </a:ln>
+        </p:spPr>
+        <p:style>
+          <a:lnRef idx="1">
+            <a:schemeClr val="accent1"/>
+          </a:lnRef>
+          <a:fillRef idx="0">
+            <a:schemeClr val="accent1"/>
+          </a:fillRef>
+          <a:effectRef idx="0">
+            <a:schemeClr val="accent1"/>
+          </a:effectRef>
+          <a:fontRef idx="minor">
+            <a:schemeClr val="tx1"/>
+          </a:fontRef>
+        </p:style>
+      </p:cxnSp>
+      <p:cxnSp>
+        <p:nvCxnSpPr>
+          <p:cNvPr id="8" name="Straight Connector 7"/>
+          <p:cNvCxnSpPr/>
+          <p:nvPr/>
+        </p:nvCxnSpPr>
+        <p:spPr>
+          <a:xfrm>
+            <a:off x="10259578" y="2924812"/>
+            <a:ext cx="0" cy="3774162"/>
+          </a:xfrm>
+          <a:prstGeom prst="line">
+            <a:avLst/>
+          </a:prstGeom>
+          <a:ln w="25400">
+            <a:solidFill>
+              <a:schemeClr val="tx1"/>
+            </a:solidFill>
+            <a:prstDash val="dash"/>
+          </a:ln>
+        </p:spPr>
+        <p:style>
+          <a:lnRef idx="1">
+            <a:schemeClr val="accent1"/>
+          </a:lnRef>
+          <a:fillRef idx="0">
+            <a:schemeClr val="accent1"/>
+          </a:fillRef>
+          <a:effectRef idx="0">
+            <a:schemeClr val="accent1"/>
+          </a:effectRef>
+          <a:fontRef idx="minor">
+            <a:schemeClr val="tx1"/>
+          </a:fontRef>
+        </p:style>
+      </p:cxnSp>
+      <p:cxnSp>
+        <p:nvCxnSpPr>
+          <p:cNvPr id="9" name="Straight Connector 8"/>
+          <p:cNvCxnSpPr/>
+          <p:nvPr/>
+        </p:nvCxnSpPr>
+        <p:spPr>
+          <a:xfrm>
+            <a:off x="6020046" y="2907380"/>
+            <a:ext cx="490" cy="3791594"/>
+          </a:xfrm>
+          <a:prstGeom prst="line">
+            <a:avLst/>
+          </a:prstGeom>
+          <a:ln w="25400">
+            <a:solidFill>
+              <a:schemeClr val="tx1"/>
+            </a:solidFill>
+            <a:prstDash val="dash"/>
+          </a:ln>
+        </p:spPr>
+        <p:style>
+          <a:lnRef idx="1">
+            <a:schemeClr val="accent1"/>
+          </a:lnRef>
+          <a:fillRef idx="0">
+            <a:schemeClr val="accent1"/>
+          </a:fillRef>
+          <a:effectRef idx="0">
+            <a:schemeClr val="accent1"/>
+          </a:effectRef>
+          <a:fontRef idx="minor">
+            <a:schemeClr val="tx1"/>
+          </a:fontRef>
+        </p:style>
+      </p:cxnSp>
+      <p:cxnSp>
+        <p:nvCxnSpPr>
+          <p:cNvPr id="10" name="Straight Arrow Connector 9"/>
+          <p:cNvCxnSpPr/>
+          <p:nvPr/>
+        </p:nvCxnSpPr>
+        <p:spPr>
+          <a:xfrm>
+            <a:off x="2108330" y="3647828"/>
+            <a:ext cx="3775635" cy="0"/>
+          </a:xfrm>
+          <a:prstGeom prst="straightConnector1">
+            <a:avLst/>
+          </a:prstGeom>
+          <a:ln w="76200">
+            <a:solidFill>
+              <a:schemeClr val="tx1"/>
+            </a:solidFill>
+            <a:headEnd type="none"/>
+            <a:tailEnd type="triangle"/>
+          </a:ln>
+        </p:spPr>
+        <p:style>
+          <a:lnRef idx="1">
+            <a:schemeClr val="accent1"/>
+          </a:lnRef>
+          <a:fillRef idx="0">
+            <a:schemeClr val="accent1"/>
+          </a:fillRef>
+          <a:effectRef idx="0">
+            <a:schemeClr val="accent1"/>
+          </a:effectRef>
+          <a:fontRef idx="minor">
+            <a:schemeClr val="tx1"/>
+          </a:fontRef>
+        </p:style>
+      </p:cxnSp>
+      <p:cxnSp>
+        <p:nvCxnSpPr>
+          <p:cNvPr id="13" name="Straight Arrow Connector 12"/>
+          <p:cNvCxnSpPr/>
+          <p:nvPr/>
+        </p:nvCxnSpPr>
+        <p:spPr>
+          <a:xfrm flipH="1">
+            <a:off x="2108330" y="5603958"/>
+            <a:ext cx="3720317" cy="17126"/>
+          </a:xfrm>
+          <a:prstGeom prst="straightConnector1">
+            <a:avLst/>
+          </a:prstGeom>
+          <a:ln w="76200">
+            <a:solidFill>
+              <a:schemeClr val="tx1"/>
+            </a:solidFill>
+            <a:headEnd type="none"/>
+            <a:tailEnd type="triangle"/>
+          </a:ln>
+        </p:spPr>
+        <p:style>
+          <a:lnRef idx="1">
+            <a:schemeClr val="accent1"/>
+          </a:lnRef>
+          <a:fillRef idx="0">
+            <a:schemeClr val="accent1"/>
+          </a:fillRef>
+          <a:effectRef idx="0">
+            <a:schemeClr val="accent1"/>
+          </a:effectRef>
+          <a:fontRef idx="minor">
+            <a:schemeClr val="tx1"/>
+          </a:fontRef>
+        </p:style>
+      </p:cxnSp>
+      <p:sp>
+        <p:nvSpPr>
+          <p:cNvPr id="14" name="TextBox 13"/>
+          <p:cNvSpPr txBox="1"/>
+          <p:nvPr/>
+        </p:nvSpPr>
+        <p:spPr>
+          <a:xfrm>
+            <a:off x="2215839" y="3027008"/>
+            <a:ext cx="1279453" cy="461665"/>
+          </a:xfrm>
+          <a:prstGeom prst="rect">
+            <a:avLst/>
+          </a:prstGeom>
+          <a:noFill/>
+        </p:spPr>
+        <p:txBody>
+          <a:bodyPr wrap="none" rtlCol="0">
+            <a:spAutoFit/>
+          </a:bodyPr>
+          <a:lstStyle/>
+          <a:p>
+            <a:r>
+              <a:rPr lang="en-US" sz="2400" dirty="0"/>
+              <a:t>GET /foo</a:t>
+            </a:r>
+          </a:p>
+        </p:txBody>
+      </p:sp>
+      <p:sp>
+        <p:nvSpPr>
+          <p:cNvPr id="17" name="TextBox 16"/>
+          <p:cNvSpPr txBox="1"/>
+          <p:nvPr/>
+        </p:nvSpPr>
+        <p:spPr>
+          <a:xfrm>
+            <a:off x="3362371" y="5671119"/>
+            <a:ext cx="651140" cy="461665"/>
+          </a:xfrm>
+          <a:prstGeom prst="rect">
+            <a:avLst/>
+          </a:prstGeom>
+          <a:noFill/>
+        </p:spPr>
+        <p:txBody>
+          <a:bodyPr wrap="none" rtlCol="0">
+            <a:spAutoFit/>
+          </a:bodyPr>
+          <a:lstStyle/>
+          <a:p>
+            <a:r>
+              <a:rPr lang="en-US" sz="2400" dirty="0"/>
+              <a:t>200</a:t>
+            </a:r>
+          </a:p>
+        </p:txBody>
+      </p:sp>
+      <p:sp>
+        <p:nvSpPr>
+          <p:cNvPr id="18" name="TextBox 17"/>
+          <p:cNvSpPr txBox="1"/>
+          <p:nvPr/>
+        </p:nvSpPr>
+        <p:spPr>
+          <a:xfrm>
+            <a:off x="2739695" y="4329875"/>
+            <a:ext cx="2321661" cy="1569660"/>
+          </a:xfrm>
+          <a:prstGeom prst="rect">
+            <a:avLst/>
+          </a:prstGeom>
+          <a:noFill/>
+        </p:spPr>
+        <p:txBody>
+          <a:bodyPr wrap="none" rtlCol="0">
+            <a:spAutoFit/>
+          </a:bodyPr>
+          <a:lstStyle/>
+          <a:p>
+            <a:r>
+              <a:rPr lang="en-US" sz="2400" dirty="0"/>
+              <a:t>With payload</a:t>
+            </a:r>
+          </a:p>
+          <a:p>
+            <a:r>
+              <a:rPr lang="en-US" sz="2400" dirty="0" err="1"/>
+              <a:t>ETag</a:t>
+            </a:r>
+            <a:r>
+              <a:rPr lang="en-US" sz="2400" dirty="0"/>
+              <a:t>: …</a:t>
+            </a:r>
+          </a:p>
+          <a:p>
+            <a:r>
+              <a:rPr lang="en-US" sz="2400" dirty="0"/>
+              <a:t>Cache-Control: …</a:t>
+            </a:r>
+          </a:p>
+          <a:p>
+            <a:endParaRPr lang="en-US" sz="2400" dirty="0"/>
+          </a:p>
+        </p:txBody>
+      </p:sp>
+      <p:sp>
+        <p:nvSpPr>
+          <p:cNvPr id="3" name="TextBox 2"/>
+          <p:cNvSpPr txBox="1"/>
+          <p:nvPr/>
+        </p:nvSpPr>
+        <p:spPr>
+          <a:xfrm>
+            <a:off x="6868921" y="3383394"/>
+            <a:ext cx="3104480" cy="1822999"/>
+          </a:xfrm>
+          <a:prstGeom prst="rect">
+            <a:avLst/>
+          </a:prstGeom>
+          <a:noFill/>
+        </p:spPr>
+        <p:txBody>
+          <a:bodyPr wrap="square" rtlCol="0">
+            <a:spAutoFit/>
+          </a:bodyPr>
+          <a:lstStyle/>
+          <a:p>
+            <a:r>
+              <a:rPr lang="en-US" sz="2800" dirty="0"/>
+              <a:t>No need to connect to Web Service, because cache is valid for 10 minutes</a:t>
+            </a:r>
+          </a:p>
+        </p:txBody>
+      </p:sp>
+      <p:pic>
+        <p:nvPicPr>
+          <p:cNvPr id="4098" name="Picture 2" descr="Image result for explorer"/>
+          <p:cNvPicPr>
+            <a:picLocks noChangeAspect="1" noChangeArrowheads="1"/>
+          </p:cNvPicPr>
+          <p:nvPr/>
+        </p:nvPicPr>
+        <p:blipFill>
+          <a:blip r:embed="rId2">
+            <a:extLst>
+              <a:ext uri="{28A0092B-C50C-407E-A947-70E740481C1C}">
+                <a14:useLocalDpi xmlns:a14="http://schemas.microsoft.com/office/drawing/2010/main" val="0"/>
+              </a:ext>
+            </a:extLst>
+          </a:blip>
+          <a:srcRect/>
+          <a:stretch>
+            <a:fillRect/>
+          </a:stretch>
+        </p:blipFill>
+        <p:spPr bwMode="auto">
+          <a:xfrm>
+            <a:off x="742244" y="1550641"/>
+            <a:ext cx="1952827" cy="1220517"/>
+          </a:xfrm>
+          <a:prstGeom prst="rect">
+            <a:avLst/>
+          </a:prstGeom>
+          <a:noFill/>
+          <a:extLst>
+            <a:ext uri="{909E8E84-426E-40DD-AFC4-6F175D3DCCD1}">
+              <a14:hiddenFill xmlns:a14="http://schemas.microsoft.com/office/drawing/2010/main">
+                <a:solidFill>
+                  <a:srgbClr val="FFFFFF"/>
+                </a:solidFill>
+              </a14:hiddenFill>
+            </a:ext>
+          </a:extLst>
+        </p:spPr>
+      </p:pic>
+    </p:spTree>
+    <p:extLst>
+      <p:ext uri="{BB962C8B-B14F-4D97-AF65-F5344CB8AC3E}">
+        <p14:creationId xmlns:p14="http://schemas.microsoft.com/office/powerpoint/2010/main" val="3734399227"/>
+      </p:ext>
+    </p:extLst>
+  </p:cSld>
+  <p:clrMapOvr>
+    <a:masterClrMapping/>
+  </p:clrMapOvr>
+</p:sld>
+</file>
+
+<file path=ppt/slides/slide34.xml><?xml version="1.0" encoding="utf-8"?>
+<p:sld xmlns:a="http://schemas.openxmlformats.org/drawingml/2006/main" xmlns:r="http://schemas.openxmlformats.org/officeDocument/2006/relationships" xmlns:p="http://schemas.openxmlformats.org/presentationml/2006/main">
+  <p:cSld>
+    <p:spTree>
+      <p:nvGrpSpPr>
+        <p:cNvPr id="1" name=""/>
+        <p:cNvGrpSpPr/>
+        <p:nvPr/>
+      </p:nvGrpSpPr>
+      <p:grpSpPr>
+        <a:xfrm>
+          <a:off x="0" y="0"/>
+          <a:ext cx="0" cy="0"/>
+          <a:chOff x="0" y="0"/>
+          <a:chExt cx="0" cy="0"/>
+        </a:xfrm>
+      </p:grpSpPr>
+      <p:sp>
+        <p:nvSpPr>
+          <p:cNvPr id="2" name="Title 1"/>
+          <p:cNvSpPr>
+            <a:spLocks noGrp="1"/>
+          </p:cNvSpPr>
+          <p:nvPr>
+            <p:ph type="title"/>
+          </p:nvPr>
+        </p:nvSpPr>
+        <p:spPr/>
+        <p:txBody>
+          <a:bodyPr/>
+          <a:lstStyle/>
+          <a:p>
+            <a:r>
+              <a:rPr lang="en-US" dirty="0"/>
+              <a:t>So???</a:t>
+            </a:r>
+          </a:p>
+        </p:txBody>
+      </p:sp>
+      <p:sp>
+        <p:nvSpPr>
+          <p:cNvPr id="3" name="Content Placeholder 2"/>
+          <p:cNvSpPr>
+            <a:spLocks noGrp="1"/>
+          </p:cNvSpPr>
+          <p:nvPr>
+            <p:ph idx="1"/>
+          </p:nvPr>
+        </p:nvSpPr>
+        <p:spPr>
+          <a:xfrm>
+            <a:off x="228599" y="1825625"/>
+            <a:ext cx="11757991" cy="4883288"/>
+          </a:xfrm>
+        </p:spPr>
+        <p:txBody>
+          <a:bodyPr/>
+          <a:lstStyle/>
+          <a:p>
+            <a:r>
+              <a:rPr lang="en-US" b="1" i="1" dirty="0"/>
+              <a:t>Cache-Control: max-age=0, s-</a:t>
+            </a:r>
+            <a:r>
+              <a:rPr lang="en-US" b="1" i="1" dirty="0" err="1"/>
+              <a:t>maxage</a:t>
+            </a:r>
+            <a:r>
+              <a:rPr lang="en-US" b="1" i="1" dirty="0"/>
+              <a:t>=600</a:t>
+            </a:r>
+          </a:p>
+          <a:p>
+            <a:r>
+              <a:rPr lang="en-US" i="1" dirty="0"/>
+              <a:t>Good</a:t>
+            </a:r>
+            <a:r>
+              <a:rPr lang="en-US" dirty="0"/>
+              <a:t>: avoid re-computing responses</a:t>
+            </a:r>
+          </a:p>
+          <a:p>
+            <a:pPr lvl="1"/>
+            <a:r>
+              <a:rPr lang="en-US" dirty="0" err="1"/>
+              <a:t>eg</a:t>
+            </a:r>
+            <a:r>
+              <a:rPr lang="en-US" dirty="0"/>
+              <a:t>, business logic and access to database done only once for first request</a:t>
+            </a:r>
+          </a:p>
+          <a:p>
+            <a:r>
+              <a:rPr lang="en-US" i="1" dirty="0"/>
+              <a:t>Bad</a:t>
+            </a:r>
+            <a:r>
+              <a:rPr lang="en-US" dirty="0"/>
+              <a:t>: clients still need to do conditional GET requests, and cannot use directly the local cache without validating with server first</a:t>
+            </a:r>
+          </a:p>
+          <a:p>
+            <a:r>
+              <a:rPr lang="en-US" i="1" dirty="0"/>
+              <a:t>Good</a:t>
+            </a:r>
+            <a:r>
+              <a:rPr lang="en-US" dirty="0"/>
+              <a:t>: cache invalidation, we can manually reset Public Cache whenever we want, as we have full control on it</a:t>
+            </a:r>
+          </a:p>
+          <a:p>
+            <a:endParaRPr lang="en-US" dirty="0"/>
+          </a:p>
+          <a:p>
+            <a:endParaRPr lang="en-US" dirty="0"/>
+          </a:p>
+        </p:txBody>
+      </p:sp>
+    </p:spTree>
+    <p:extLst>
+      <p:ext uri="{BB962C8B-B14F-4D97-AF65-F5344CB8AC3E}">
+        <p14:creationId xmlns:p14="http://schemas.microsoft.com/office/powerpoint/2010/main" val="1568969419"/>
+      </p:ext>
+    </p:extLst>
+  </p:cSld>
+  <p:clrMapOvr>
+    <a:masterClrMapping/>
+  </p:clrMapOvr>
+</p:sld>
+</file>
+
+<file path=ppt/slides/slide35.xml><?xml version="1.0" encoding="utf-8"?>
+<p:sld xmlns:a="http://schemas.openxmlformats.org/drawingml/2006/main" xmlns:r="http://schemas.openxmlformats.org/officeDocument/2006/relationships" xmlns:p="http://schemas.openxmlformats.org/presentationml/2006/main">
+  <p:cSld>
+    <p:spTree>
+      <p:nvGrpSpPr>
+        <p:cNvPr id="1" name=""/>
+        <p:cNvGrpSpPr/>
+        <p:nvPr/>
+      </p:nvGrpSpPr>
+      <p:grpSpPr>
+        <a:xfrm>
+          <a:off x="0" y="0"/>
+          <a:ext cx="0" cy="0"/>
+          <a:chOff x="0" y="0"/>
+          <a:chExt cx="0" cy="0"/>
+        </a:xfrm>
+      </p:grpSpPr>
+      <p:sp>
+        <p:nvSpPr>
+          <p:cNvPr id="2" name="Title 1"/>
+          <p:cNvSpPr>
+            <a:spLocks noGrp="1"/>
+          </p:cNvSpPr>
+          <p:nvPr>
+            <p:ph type="title"/>
+          </p:nvPr>
+        </p:nvSpPr>
+        <p:spPr/>
+        <p:txBody>
+          <a:bodyPr/>
+          <a:lstStyle/>
+          <a:p>
+            <a:r>
+              <a:rPr lang="en-US" dirty="0"/>
+              <a:t>Other Cache Control Settings</a:t>
+            </a:r>
+          </a:p>
+        </p:txBody>
+      </p:sp>
+      <p:sp>
+        <p:nvSpPr>
+          <p:cNvPr id="3" name="Content Placeholder 2"/>
+          <p:cNvSpPr>
+            <a:spLocks noGrp="1"/>
+          </p:cNvSpPr>
+          <p:nvPr>
+            <p:ph idx="1"/>
+          </p:nvPr>
+        </p:nvSpPr>
+        <p:spPr>
+          <a:xfrm>
+            <a:off x="178904" y="1825624"/>
+            <a:ext cx="11847444" cy="4932985"/>
+          </a:xfrm>
+        </p:spPr>
+        <p:txBody>
+          <a:bodyPr>
+            <a:normAutofit fontScale="92500" lnSpcReduction="10000"/>
+          </a:bodyPr>
+          <a:lstStyle/>
+          <a:p>
+            <a:r>
+              <a:rPr lang="en-US" b="1" i="1" dirty="0"/>
+              <a:t>public</a:t>
+            </a:r>
+            <a:r>
+              <a:rPr lang="en-US" dirty="0"/>
+              <a:t>: response can be cache</a:t>
+            </a:r>
+          </a:p>
+          <a:p>
+            <a:r>
+              <a:rPr lang="en-US" b="1" i="1" dirty="0"/>
+              <a:t>private</a:t>
+            </a:r>
+            <a:r>
+              <a:rPr lang="en-US" dirty="0"/>
+              <a:t>: can be cached only in a private cache, not public</a:t>
+            </a:r>
+          </a:p>
+          <a:p>
+            <a:r>
+              <a:rPr lang="en-US" b="1" i="1" dirty="0"/>
+              <a:t>no-cache</a:t>
+            </a:r>
+            <a:r>
+              <a:rPr lang="en-US" dirty="0"/>
+              <a:t>: can be cached, but each time ask for validation</a:t>
+            </a:r>
+          </a:p>
+          <a:p>
+            <a:pPr lvl="1"/>
+            <a:r>
+              <a:rPr lang="en-US" dirty="0"/>
+              <a:t>e.g.,  </a:t>
+            </a:r>
+            <a:r>
+              <a:rPr lang="en-US" b="1" i="1" dirty="0"/>
+              <a:t>no-cache</a:t>
+            </a:r>
+            <a:r>
+              <a:rPr lang="en-US" dirty="0"/>
+              <a:t> and </a:t>
+            </a:r>
+            <a:r>
+              <a:rPr lang="en-US" b="1" i="1" dirty="0"/>
+              <a:t>max-age=0</a:t>
+            </a:r>
+            <a:r>
+              <a:rPr lang="en-US" dirty="0"/>
+              <a:t> would be equivalent  </a:t>
+            </a:r>
+          </a:p>
+          <a:p>
+            <a:r>
+              <a:rPr lang="en-US" b="1" i="1" dirty="0"/>
+              <a:t>no-store</a:t>
+            </a:r>
+            <a:r>
+              <a:rPr lang="en-US" dirty="0"/>
+              <a:t>: never ever cache the response</a:t>
+            </a:r>
+          </a:p>
+          <a:p>
+            <a:pPr lvl="1"/>
+            <a:r>
+              <a:rPr lang="en-US" dirty="0"/>
+              <a:t>note: some systems wrongly treat </a:t>
+            </a:r>
+            <a:r>
+              <a:rPr lang="en-US" b="1" i="1" dirty="0"/>
+              <a:t>no-cache</a:t>
+            </a:r>
+            <a:r>
+              <a:rPr lang="en-US" dirty="0"/>
+              <a:t> as it was a </a:t>
+            </a:r>
+            <a:r>
+              <a:rPr lang="en-US" b="1" i="1" dirty="0"/>
+              <a:t>no-store</a:t>
+            </a:r>
+            <a:r>
+              <a:rPr lang="en-US" dirty="0"/>
+              <a:t>, and that is the reason why often you see </a:t>
+            </a:r>
+            <a:r>
+              <a:rPr lang="en-US" b="1" i="1" dirty="0"/>
+              <a:t>max-age=0 </a:t>
+            </a:r>
+            <a:r>
+              <a:rPr lang="en-US" dirty="0"/>
+              <a:t>instead of </a:t>
+            </a:r>
+            <a:r>
+              <a:rPr lang="en-US" b="1" i="1" dirty="0"/>
+              <a:t>no-cache</a:t>
+            </a:r>
+            <a:endParaRPr lang="en-US" dirty="0"/>
+          </a:p>
+          <a:p>
+            <a:r>
+              <a:rPr lang="en-US" b="1" i="1" dirty="0"/>
+              <a:t>must-revalidate</a:t>
+            </a:r>
+            <a:r>
+              <a:rPr lang="en-US" dirty="0"/>
+              <a:t>: under certain conditions, caches “might” return stale, non-fresh values. Make sure to avoid those special cases</a:t>
+            </a:r>
+            <a:endParaRPr lang="en-US" b="1" i="1" dirty="0"/>
+          </a:p>
+          <a:p>
+            <a:r>
+              <a:rPr lang="en-US" b="1" i="1" dirty="0"/>
+              <a:t>proxy-revalidate</a:t>
+            </a:r>
+            <a:r>
+              <a:rPr lang="en-US" dirty="0"/>
+              <a:t>: same as above, but for public caches</a:t>
+            </a:r>
+          </a:p>
+        </p:txBody>
+      </p:sp>
+    </p:spTree>
+    <p:extLst>
+      <p:ext uri="{BB962C8B-B14F-4D97-AF65-F5344CB8AC3E}">
+        <p14:creationId xmlns:p14="http://schemas.microsoft.com/office/powerpoint/2010/main" val="1367833609"/>
+      </p:ext>
+    </p:extLst>
+  </p:cSld>
+  <p:clrMapOvr>
+    <a:masterClrMapping/>
+  </p:clrMapOvr>
+</p:sld>
+</file>
+
+<file path=ppt/slides/slide36.xml><?xml version="1.0" encoding="utf-8"?>
+<p:sld xmlns:a="http://schemas.openxmlformats.org/drawingml/2006/main" xmlns:r="http://schemas.openxmlformats.org/officeDocument/2006/relationships" xmlns:p="http://schemas.openxmlformats.org/presentationml/2006/main">
+  <p:cSld>
+    <p:spTree>
+      <p:nvGrpSpPr>
+        <p:cNvPr id="1" name=""/>
+        <p:cNvGrpSpPr/>
+        <p:nvPr/>
+      </p:nvGrpSpPr>
+      <p:grpSpPr>
+        <a:xfrm>
+          <a:off x="0" y="0"/>
+          <a:ext cx="0" cy="0"/>
+          <a:chOff x="0" y="0"/>
+          <a:chExt cx="0" cy="0"/>
+        </a:xfrm>
+      </p:grpSpPr>
+      <p:sp>
+        <p:nvSpPr>
+          <p:cNvPr id="4" name="Title 3"/>
+          <p:cNvSpPr>
+            <a:spLocks noGrp="1"/>
+          </p:cNvSpPr>
+          <p:nvPr>
+            <p:ph type="title"/>
+          </p:nvPr>
+        </p:nvSpPr>
+        <p:spPr/>
+        <p:txBody>
+          <a:bodyPr/>
+          <a:lstStyle/>
+          <a:p>
+            <a:r>
+              <a:rPr lang="en-US" dirty="0" err="1"/>
+              <a:t>Git</a:t>
+            </a:r>
+            <a:r>
+              <a:rPr lang="en-US" dirty="0"/>
+              <a:t> Repository Modules</a:t>
+            </a:r>
+          </a:p>
+        </p:txBody>
+      </p:sp>
+      <p:sp>
+        <p:nvSpPr>
+          <p:cNvPr id="5" name="Content Placeholder 4"/>
+          <p:cNvSpPr>
+            <a:spLocks noGrp="1"/>
+          </p:cNvSpPr>
+          <p:nvPr>
+            <p:ph idx="1"/>
+          </p:nvPr>
+        </p:nvSpPr>
+        <p:spPr>
+          <a:xfrm>
+            <a:off x="296561" y="1825625"/>
+            <a:ext cx="11532973" cy="4972740"/>
+          </a:xfrm>
+        </p:spPr>
+        <p:txBody>
+          <a:bodyPr>
+            <a:normAutofit/>
+          </a:bodyPr>
+          <a:lstStyle/>
+          <a:p>
+            <a:r>
+              <a:rPr lang="en-US" i="1" dirty="0"/>
+              <a:t>NOTE: most of the explanations will be directly in the code as comments, and not here in the slides</a:t>
+            </a:r>
+            <a:endParaRPr lang="en-US" b="1" dirty="0"/>
+          </a:p>
+          <a:p>
+            <a:r>
+              <a:rPr lang="en-US" b="1" dirty="0"/>
+              <a:t>advanced/rest/redirect</a:t>
+            </a:r>
+          </a:p>
+          <a:p>
+            <a:r>
+              <a:rPr lang="en-US" b="1" dirty="0"/>
+              <a:t>advanced/rest/conditional-get</a:t>
+            </a:r>
+          </a:p>
+          <a:p>
+            <a:r>
+              <a:rPr lang="en-US" b="1" dirty="0"/>
+              <a:t>advanced/rest/conditional-change</a:t>
+            </a:r>
+          </a:p>
+          <a:p>
+            <a:r>
+              <a:rPr lang="en-US" b="1" dirty="0"/>
+              <a:t>advanced/rest/cache</a:t>
+            </a:r>
+          </a:p>
+          <a:p>
+            <a:r>
+              <a:rPr lang="en-US" dirty="0"/>
+              <a:t>Study relevant sections in RFC-7230, RFC-7231, RFC-7232 and RFC-7234</a:t>
+            </a:r>
+          </a:p>
+        </p:txBody>
+      </p:sp>
+    </p:spTree>
+    <p:extLst>
+      <p:ext uri="{BB962C8B-B14F-4D97-AF65-F5344CB8AC3E}">
+        <p14:creationId xmlns:p14="http://schemas.microsoft.com/office/powerpoint/2010/main" val="1023732187"/>
       </p:ext>
     </p:extLst>
   </p:cSld>
@@ -5589,7 +10630,7 @@
       </p:grpSpPr>
       <p:sp>
         <p:nvSpPr>
-          <p:cNvPr id="4" name="Title 3"/>
+          <p:cNvPr id="2" name="Title 1"/>
           <p:cNvSpPr>
             <a:spLocks noGrp="1"/>
           </p:cNvSpPr>
@@ -5603,16 +10644,15 @@
           <a:lstStyle/>
           <a:p>
             <a:r>
-              <a:rPr lang="en-US" dirty="0" smtClean="0"/>
-              <a:t>Errors</a:t>
-            </a:r>
-            <a:endParaRPr lang="en-US" dirty="0"/>
-          </a:p>
-        </p:txBody>
-      </p:sp>
-      <p:sp>
-        <p:nvSpPr>
-          <p:cNvPr id="5" name="Content Placeholder 4"/>
+              <a:rPr lang="en-US" dirty="0"/>
+              <a:t>3xx Status Code</a:t>
+            </a:r>
+          </a:p>
+        </p:txBody>
+      </p:sp>
+      <p:sp>
+        <p:nvSpPr>
+          <p:cNvPr id="3" name="Content Placeholder 2"/>
           <p:cNvSpPr>
             <a:spLocks noGrp="1"/>
           </p:cNvSpPr>
@@ -5622,63 +10662,61 @@
         </p:nvSpPr>
         <p:spPr>
           <a:xfrm>
-            <a:off x="304799" y="1690688"/>
-            <a:ext cx="11631827" cy="5080815"/>
-          </a:xfrm>
-        </p:spPr>
-        <p:txBody>
-          <a:bodyPr>
-            <a:normAutofit/>
-          </a:bodyPr>
-          <a:lstStyle/>
-          <a:p>
-            <a:r>
-              <a:rPr lang="en-US" dirty="0" smtClean="0"/>
-              <a:t>HTTP request can fail due to a 4xx or 5xx error</a:t>
-            </a:r>
-          </a:p>
-          <a:p>
-            <a:r>
-              <a:rPr lang="en-US" dirty="0" smtClean="0"/>
-              <a:t>But what was the reason?</a:t>
-            </a:r>
-          </a:p>
-          <a:p>
-            <a:r>
-              <a:rPr lang="en-US" dirty="0" smtClean="0"/>
-              <a:t>How to tell the user that a 400 was due to an invalid query parameter s/he provided?</a:t>
-            </a:r>
-          </a:p>
-          <a:p>
-            <a:r>
-              <a:rPr lang="en-US" dirty="0" smtClean="0"/>
-              <a:t>Not so great solution: provide a </a:t>
-            </a:r>
-            <a:r>
-              <a:rPr lang="en-US" i="1" dirty="0" smtClean="0"/>
-              <a:t>error message</a:t>
-            </a:r>
-            <a:r>
-              <a:rPr lang="en-US" dirty="0" smtClean="0"/>
-              <a:t> as a HTML body payload</a:t>
-            </a:r>
-          </a:p>
-          <a:p>
-            <a:r>
-              <a:rPr lang="en-US" dirty="0" smtClean="0"/>
-              <a:t>Why not so great? Need to marshal payloads in different ways based on status code…</a:t>
+            <a:off x="292308" y="1825624"/>
+            <a:ext cx="11624872" cy="4755057"/>
+          </a:xfrm>
+        </p:spPr>
+        <p:txBody>
+          <a:bodyPr/>
+          <a:lstStyle/>
+          <a:p>
+            <a:r>
+              <a:rPr lang="en-US" dirty="0"/>
+              <a:t>They represent </a:t>
+            </a:r>
+            <a:r>
+              <a:rPr lang="en-US" i="1" dirty="0"/>
+              <a:t>redirection</a:t>
+            </a:r>
+            <a:r>
+              <a:rPr lang="en-US" dirty="0"/>
+              <a:t> </a:t>
+            </a:r>
+          </a:p>
+          <a:p>
+            <a:r>
+              <a:rPr lang="en-US" dirty="0"/>
+              <a:t>You ask for a resource at URI X, but then the server tells you should rather go to URI Y</a:t>
             </a:r>
           </a:p>
           <a:p>
             <a:pPr lvl="1"/>
             <a:r>
-              <a:rPr lang="en-US" dirty="0" err="1" smtClean="0"/>
-              <a:t>ie</a:t>
-            </a:r>
-            <a:r>
-              <a:rPr lang="en-US" dirty="0" smtClean="0"/>
-              <a:t> JSON when OK, and HTML when errors</a:t>
-            </a:r>
+              <a:rPr lang="en-US" dirty="0"/>
+              <a:t>“where” to go will be specified in the </a:t>
+            </a:r>
+            <a:r>
+              <a:rPr lang="en-US" i="1" dirty="0"/>
+              <a:t>Location</a:t>
+            </a:r>
+            <a:r>
+              <a:rPr lang="en-US" dirty="0"/>
+              <a:t> header</a:t>
+            </a:r>
+          </a:p>
+          <a:p>
+            <a:r>
+              <a:rPr lang="en-US" dirty="0"/>
+              <a:t>… or operation on X is completed, and result is visible at Y</a:t>
+            </a:r>
+          </a:p>
+          <a:p>
+            <a:r>
+              <a:rPr lang="en-US" dirty="0"/>
+              <a:t>Example in a browser: how to tell the client to automatically go to homepage after a successful login on the login page?</a:t>
+            </a:r>
+          </a:p>
+          <a:p>
             <a:endParaRPr lang="en-US" dirty="0"/>
           </a:p>
         </p:txBody>
@@ -5686,7 +10724,7 @@
     </p:spTree>
     <p:extLst>
       <p:ext uri="{BB962C8B-B14F-4D97-AF65-F5344CB8AC3E}">
-        <p14:creationId xmlns:p14="http://schemas.microsoft.com/office/powerpoint/2010/main" val="1954393428"/>
+        <p14:creationId xmlns:p14="http://schemas.microsoft.com/office/powerpoint/2010/main" val="9426241"/>
       </p:ext>
     </p:extLst>
   </p:cSld>
@@ -5713,451 +10751,40 @@
           <a:chExt cx="0" cy="0"/>
         </a:xfrm>
       </p:grpSpPr>
-      <p:sp>
-        <p:nvSpPr>
-          <p:cNvPr id="2" name="Title 1"/>
-          <p:cNvSpPr>
-            <a:spLocks noGrp="1"/>
-          </p:cNvSpPr>
-          <p:nvPr>
-            <p:ph type="title"/>
-          </p:nvPr>
-        </p:nvSpPr>
-        <p:spPr/>
-        <p:txBody>
-          <a:bodyPr/>
-          <a:lstStyle/>
-          <a:p>
-            <a:r>
-              <a:rPr lang="en-US" dirty="0" smtClean="0"/>
-              <a:t>JSON Wrapped Response</a:t>
-            </a:r>
-            <a:endParaRPr lang="en-US" dirty="0"/>
-          </a:p>
-        </p:txBody>
-      </p:sp>
-      <p:sp>
-        <p:nvSpPr>
-          <p:cNvPr id="3" name="Content Placeholder 2"/>
-          <p:cNvSpPr>
-            <a:spLocks noGrp="1"/>
-          </p:cNvSpPr>
-          <p:nvPr>
-            <p:ph idx="1"/>
-          </p:nvPr>
-        </p:nvSpPr>
-        <p:spPr>
-          <a:xfrm>
-            <a:off x="263610" y="2949145"/>
-            <a:ext cx="8163697" cy="3756455"/>
-          </a:xfrm>
-        </p:spPr>
-        <p:txBody>
-          <a:bodyPr>
-            <a:normAutofit/>
-          </a:bodyPr>
-          <a:lstStyle/>
-          <a:p>
-            <a:pPr marL="0" indent="0">
-              <a:buNone/>
-            </a:pPr>
-            <a:r>
-              <a:rPr lang="en-US" dirty="0" smtClean="0"/>
-              <a:t>{</a:t>
-            </a:r>
-          </a:p>
-          <a:p>
-            <a:pPr marL="0" indent="0">
-              <a:buNone/>
-            </a:pPr>
-            <a:r>
-              <a:rPr lang="en-US" dirty="0"/>
-              <a:t> </a:t>
-            </a:r>
-            <a:r>
-              <a:rPr lang="en-US" dirty="0" smtClean="0"/>
-              <a:t>  “</a:t>
-            </a:r>
-            <a:r>
-              <a:rPr lang="en-US" b="1" dirty="0" smtClean="0"/>
-              <a:t>code</a:t>
-            </a:r>
-            <a:r>
-              <a:rPr lang="en-US" dirty="0" smtClean="0"/>
-              <a:t>”: 400,</a:t>
-            </a:r>
-          </a:p>
-          <a:p>
-            <a:pPr marL="0" indent="0">
-              <a:buNone/>
-            </a:pPr>
-            <a:r>
-              <a:rPr lang="en-US" dirty="0"/>
-              <a:t> </a:t>
-            </a:r>
-            <a:r>
-              <a:rPr lang="en-US" dirty="0" smtClean="0"/>
-              <a:t>  “</a:t>
-            </a:r>
-            <a:r>
-              <a:rPr lang="en-US" b="1" dirty="0" smtClean="0"/>
-              <a:t>status</a:t>
-            </a:r>
-            <a:r>
-              <a:rPr lang="en-US" dirty="0" smtClean="0"/>
-              <a:t>”: “ERROR”,</a:t>
-            </a:r>
-          </a:p>
-          <a:p>
-            <a:pPr marL="0" indent="0">
-              <a:buNone/>
-            </a:pPr>
-            <a:r>
-              <a:rPr lang="en-US" dirty="0"/>
-              <a:t> </a:t>
-            </a:r>
-            <a:r>
-              <a:rPr lang="en-US" dirty="0" smtClean="0"/>
-              <a:t>  “</a:t>
-            </a:r>
-            <a:r>
-              <a:rPr lang="en-US" b="1" dirty="0" smtClean="0"/>
-              <a:t>data</a:t>
-            </a:r>
-            <a:r>
-              <a:rPr lang="en-US" dirty="0" smtClean="0"/>
-              <a:t>”: null,</a:t>
-            </a:r>
-          </a:p>
-          <a:p>
-            <a:pPr marL="0" indent="0">
-              <a:buNone/>
-            </a:pPr>
-            <a:r>
-              <a:rPr lang="en-US" dirty="0"/>
-              <a:t> </a:t>
-            </a:r>
-            <a:r>
-              <a:rPr lang="en-US" dirty="0" smtClean="0"/>
-              <a:t>  “</a:t>
-            </a:r>
-            <a:r>
-              <a:rPr lang="en-US" b="1" dirty="0" smtClean="0"/>
-              <a:t>message</a:t>
-            </a:r>
-            <a:r>
-              <a:rPr lang="en-US" dirty="0" smtClean="0"/>
-              <a:t>”: “Invalid query parameter x”</a:t>
-            </a:r>
-          </a:p>
-          <a:p>
-            <a:pPr marL="0" indent="0">
-              <a:buNone/>
-            </a:pPr>
-            <a:r>
-              <a:rPr lang="en-US" dirty="0"/>
-              <a:t>}</a:t>
-            </a:r>
-            <a:r>
-              <a:rPr lang="en-US" dirty="0" smtClean="0"/>
-              <a:t> </a:t>
-            </a:r>
-            <a:endParaRPr lang="en-US" dirty="0"/>
-          </a:p>
-        </p:txBody>
-      </p:sp>
-      <p:sp>
-        <p:nvSpPr>
-          <p:cNvPr id="4" name="Content Placeholder 2"/>
-          <p:cNvSpPr txBox="1">
-            <a:spLocks/>
-          </p:cNvSpPr>
+      <p:pic>
+        <p:nvPicPr>
+          <p:cNvPr id="4" name="Picture 3"/>
+          <p:cNvPicPr>
+            <a:picLocks noChangeAspect="1"/>
+          </p:cNvPicPr>
           <p:nvPr/>
-        </p:nvSpPr>
-        <p:spPr>
-          <a:xfrm>
-            <a:off x="7175155" y="1552831"/>
-            <a:ext cx="5679989" cy="3698789"/>
+        </p:nvPicPr>
+        <p:blipFill>
+          <a:blip r:embed="rId2">
+            <a:extLst>
+              <a:ext uri="{28A0092B-C50C-407E-A947-70E740481C1C}">
+                <a14:useLocalDpi xmlns:a14="http://schemas.microsoft.com/office/drawing/2010/main" val="0"/>
+              </a:ext>
+            </a:extLst>
+          </a:blip>
+          <a:stretch>
+            <a:fillRect/>
+          </a:stretch>
+        </p:blipFill>
+        <p:spPr>
+          <a:xfrm>
+            <a:off x="2409825" y="266700"/>
+            <a:ext cx="7372350" cy="6324600"/>
           </a:xfrm>
           <a:prstGeom prst="rect">
             <a:avLst/>
           </a:prstGeom>
         </p:spPr>
-        <p:txBody>
-          <a:bodyPr vert="horz" lIns="91440" tIns="45720" rIns="91440" bIns="45720" rtlCol="0">
-            <a:normAutofit/>
-          </a:bodyPr>
-          <a:lstStyle>
-            <a:lvl1pPr marL="228600" indent="-228600" algn="l" defTabSz="914400" rtl="0" eaLnBrk="1" latinLnBrk="0" hangingPunct="1">
-              <a:lnSpc>
-                <a:spcPct val="90000"/>
-              </a:lnSpc>
-              <a:spcBef>
-                <a:spcPts val="1000"/>
-              </a:spcBef>
-              <a:buFont typeface="Arial"/>
-              <a:buChar char="•"/>
-              <a:defRPr sz="3600" kern="1200">
-                <a:solidFill>
-                  <a:schemeClr val="tx1"/>
-                </a:solidFill>
-                <a:latin typeface="+mn-lt"/>
-                <a:ea typeface="+mn-ea"/>
-                <a:cs typeface="+mn-cs"/>
-              </a:defRPr>
-            </a:lvl1pPr>
-            <a:lvl2pPr marL="685800" indent="-228600" algn="l" defTabSz="914400" rtl="0" eaLnBrk="1" latinLnBrk="0" hangingPunct="1">
-              <a:lnSpc>
-                <a:spcPct val="90000"/>
-              </a:lnSpc>
-              <a:spcBef>
-                <a:spcPts val="500"/>
-              </a:spcBef>
-              <a:buFont typeface="Arial"/>
-              <a:buChar char="•"/>
-              <a:defRPr sz="2800" kern="1200">
-                <a:solidFill>
-                  <a:schemeClr val="tx1"/>
-                </a:solidFill>
-                <a:latin typeface="+mn-lt"/>
-                <a:ea typeface="+mn-ea"/>
-                <a:cs typeface="+mn-cs"/>
-              </a:defRPr>
-            </a:lvl2pPr>
-            <a:lvl3pPr marL="1143000" indent="-228600" algn="l" defTabSz="914400" rtl="0" eaLnBrk="1" latinLnBrk="0" hangingPunct="1">
-              <a:lnSpc>
-                <a:spcPct val="90000"/>
-              </a:lnSpc>
-              <a:spcBef>
-                <a:spcPts val="500"/>
-              </a:spcBef>
-              <a:buFont typeface="Arial"/>
-              <a:buChar char="•"/>
-              <a:defRPr sz="2000" kern="1200">
-                <a:solidFill>
-                  <a:schemeClr val="tx1"/>
-                </a:solidFill>
-                <a:latin typeface="+mn-lt"/>
-                <a:ea typeface="+mn-ea"/>
-                <a:cs typeface="+mn-cs"/>
-              </a:defRPr>
-            </a:lvl3pPr>
-            <a:lvl4pPr marL="1600200" indent="-228600" algn="l" defTabSz="914400" rtl="0" eaLnBrk="1" latinLnBrk="0" hangingPunct="1">
-              <a:lnSpc>
-                <a:spcPct val="90000"/>
-              </a:lnSpc>
-              <a:spcBef>
-                <a:spcPts val="500"/>
-              </a:spcBef>
-              <a:buFont typeface="Arial"/>
-              <a:buChar char="•"/>
-              <a:defRPr sz="1800" kern="1200">
-                <a:solidFill>
-                  <a:schemeClr val="tx1"/>
-                </a:solidFill>
-                <a:latin typeface="+mn-lt"/>
-                <a:ea typeface="+mn-ea"/>
-                <a:cs typeface="+mn-cs"/>
-              </a:defRPr>
-            </a:lvl4pPr>
-            <a:lvl5pPr marL="2057400" indent="-228600" algn="l" defTabSz="914400" rtl="0" eaLnBrk="1" latinLnBrk="0" hangingPunct="1">
-              <a:lnSpc>
-                <a:spcPct val="90000"/>
-              </a:lnSpc>
-              <a:spcBef>
-                <a:spcPts val="500"/>
-              </a:spcBef>
-              <a:buFont typeface="Arial"/>
-              <a:buChar char="•"/>
-              <a:defRPr sz="1800" kern="1200">
-                <a:solidFill>
-                  <a:schemeClr val="tx1"/>
-                </a:solidFill>
-                <a:latin typeface="+mn-lt"/>
-                <a:ea typeface="+mn-ea"/>
-                <a:cs typeface="+mn-cs"/>
-              </a:defRPr>
-            </a:lvl5pPr>
-            <a:lvl6pPr marL="2514600" indent="-228600" algn="l" defTabSz="914400" rtl="0" eaLnBrk="1" latinLnBrk="0" hangingPunct="1">
-              <a:lnSpc>
-                <a:spcPct val="90000"/>
-              </a:lnSpc>
-              <a:spcBef>
-                <a:spcPts val="500"/>
-              </a:spcBef>
-              <a:buFont typeface="Arial"/>
-              <a:buChar char="•"/>
-              <a:defRPr sz="1800" kern="1200">
-                <a:solidFill>
-                  <a:schemeClr val="tx1"/>
-                </a:solidFill>
-                <a:latin typeface="+mn-lt"/>
-                <a:ea typeface="+mn-ea"/>
-                <a:cs typeface="+mn-cs"/>
-              </a:defRPr>
-            </a:lvl6pPr>
-            <a:lvl7pPr marL="2971800" indent="-228600" algn="l" defTabSz="914400" rtl="0" eaLnBrk="1" latinLnBrk="0" hangingPunct="1">
-              <a:lnSpc>
-                <a:spcPct val="90000"/>
-              </a:lnSpc>
-              <a:spcBef>
-                <a:spcPts val="500"/>
-              </a:spcBef>
-              <a:buFont typeface="Arial"/>
-              <a:buChar char="•"/>
-              <a:defRPr sz="1800" kern="1200">
-                <a:solidFill>
-                  <a:schemeClr val="tx1"/>
-                </a:solidFill>
-                <a:latin typeface="+mn-lt"/>
-                <a:ea typeface="+mn-ea"/>
-                <a:cs typeface="+mn-cs"/>
-              </a:defRPr>
-            </a:lvl7pPr>
-            <a:lvl8pPr marL="3429000" indent="-228600" algn="l" defTabSz="914400" rtl="0" eaLnBrk="1" latinLnBrk="0" hangingPunct="1">
-              <a:lnSpc>
-                <a:spcPct val="90000"/>
-              </a:lnSpc>
-              <a:spcBef>
-                <a:spcPts val="500"/>
-              </a:spcBef>
-              <a:buFont typeface="Arial"/>
-              <a:buChar char="•"/>
-              <a:defRPr sz="1800" kern="1200">
-                <a:solidFill>
-                  <a:schemeClr val="tx1"/>
-                </a:solidFill>
-                <a:latin typeface="+mn-lt"/>
-                <a:ea typeface="+mn-ea"/>
-                <a:cs typeface="+mn-cs"/>
-              </a:defRPr>
-            </a:lvl8pPr>
-            <a:lvl9pPr marL="3886200" indent="-228600" algn="l" defTabSz="914400" rtl="0" eaLnBrk="1" latinLnBrk="0" hangingPunct="1">
-              <a:lnSpc>
-                <a:spcPct val="90000"/>
-              </a:lnSpc>
-              <a:spcBef>
-                <a:spcPts val="500"/>
-              </a:spcBef>
-              <a:buFont typeface="Arial"/>
-              <a:buChar char="•"/>
-              <a:defRPr sz="1800" kern="1200">
-                <a:solidFill>
-                  <a:schemeClr val="tx1"/>
-                </a:solidFill>
-                <a:latin typeface="+mn-lt"/>
-                <a:ea typeface="+mn-ea"/>
-                <a:cs typeface="+mn-cs"/>
-              </a:defRPr>
-            </a:lvl9pPr>
-          </a:lstStyle>
-          <a:p>
-            <a:pPr marL="0" indent="0">
-              <a:buFont typeface="Arial"/>
-              <a:buNone/>
-            </a:pPr>
-            <a:r>
-              <a:rPr lang="en-US" dirty="0" smtClean="0"/>
-              <a:t>{</a:t>
-            </a:r>
-          </a:p>
-          <a:p>
-            <a:pPr marL="0" indent="0">
-              <a:buFont typeface="Arial"/>
-              <a:buNone/>
-            </a:pPr>
-            <a:r>
-              <a:rPr lang="en-US" dirty="0" smtClean="0"/>
-              <a:t>   “</a:t>
-            </a:r>
-            <a:r>
-              <a:rPr lang="en-US" b="1" dirty="0" smtClean="0"/>
-              <a:t>code</a:t>
-            </a:r>
-            <a:r>
-              <a:rPr lang="en-US" dirty="0" smtClean="0"/>
-              <a:t>”: 200,</a:t>
-            </a:r>
-          </a:p>
-          <a:p>
-            <a:pPr marL="0" indent="0">
-              <a:buFont typeface="Arial"/>
-              <a:buNone/>
-            </a:pPr>
-            <a:r>
-              <a:rPr lang="en-US" dirty="0" smtClean="0"/>
-              <a:t>   “</a:t>
-            </a:r>
-            <a:r>
-              <a:rPr lang="en-US" b="1" dirty="0" smtClean="0"/>
-              <a:t>status</a:t>
-            </a:r>
-            <a:r>
-              <a:rPr lang="en-US" dirty="0" smtClean="0"/>
-              <a:t>”: “SUCCESS”,</a:t>
-            </a:r>
-          </a:p>
-          <a:p>
-            <a:pPr marL="0" indent="0">
-              <a:buFont typeface="Arial"/>
-              <a:buNone/>
-            </a:pPr>
-            <a:r>
-              <a:rPr lang="en-US" dirty="0" smtClean="0"/>
-              <a:t>   “</a:t>
-            </a:r>
-            <a:r>
-              <a:rPr lang="en-US" b="1" dirty="0" smtClean="0"/>
-              <a:t>data</a:t>
-            </a:r>
-            <a:r>
-              <a:rPr lang="en-US" dirty="0" smtClean="0"/>
-              <a:t>”: {foo:4, </a:t>
-            </a:r>
-            <a:r>
-              <a:rPr lang="en-US" dirty="0" err="1" smtClean="0"/>
-              <a:t>bar:”a</a:t>
-            </a:r>
-            <a:r>
-              <a:rPr lang="en-US" dirty="0" smtClean="0"/>
-              <a:t>”}</a:t>
-            </a:r>
-          </a:p>
-          <a:p>
-            <a:pPr marL="0" indent="0">
-              <a:buFont typeface="Arial"/>
-              <a:buNone/>
-            </a:pPr>
-            <a:r>
-              <a:rPr lang="en-US" dirty="0" smtClean="0"/>
-              <a:t>   “</a:t>
-            </a:r>
-            <a:r>
-              <a:rPr lang="en-US" b="1" dirty="0" smtClean="0"/>
-              <a:t>message</a:t>
-            </a:r>
-            <a:r>
-              <a:rPr lang="en-US" dirty="0" smtClean="0"/>
-              <a:t>”: null</a:t>
-            </a:r>
-          </a:p>
-          <a:p>
-            <a:pPr marL="0" indent="0">
-              <a:buFont typeface="Arial"/>
-              <a:buNone/>
-            </a:pPr>
-            <a:r>
-              <a:rPr lang="en-US" dirty="0" smtClean="0"/>
-              <a:t>} </a:t>
-            </a:r>
-            <a:endParaRPr lang="en-US" dirty="0"/>
-          </a:p>
-        </p:txBody>
-      </p:sp>
+      </p:pic>
     </p:spTree>
     <p:extLst>
       <p:ext uri="{BB962C8B-B14F-4D97-AF65-F5344CB8AC3E}">
-        <p14:creationId xmlns:p14="http://schemas.microsoft.com/office/powerpoint/2010/main" val="2295312457"/>
+        <p14:creationId xmlns:p14="http://schemas.microsoft.com/office/powerpoint/2010/main" val="2349382681"/>
       </p:ext>
     </p:extLst>
   </p:cSld>
@@ -6200,107 +10827,95 @@
           <a:lstStyle/>
           <a:p>
             <a:r>
-              <a:rPr lang="en-US" dirty="0" smtClean="0"/>
-              <a:t>Wrapping</a:t>
+              <a:rPr lang="en-US" dirty="0"/>
+              <a:t>Messy Standard</a:t>
+            </a:r>
+          </a:p>
+        </p:txBody>
+      </p:sp>
+      <p:sp>
+        <p:nvSpPr>
+          <p:cNvPr id="3" name="Content Placeholder 2"/>
+          <p:cNvSpPr>
+            <a:spLocks noGrp="1"/>
+          </p:cNvSpPr>
+          <p:nvPr>
+            <p:ph idx="1"/>
+          </p:nvPr>
+        </p:nvSpPr>
+        <p:spPr>
+          <a:xfrm>
+            <a:off x="269823" y="1825625"/>
+            <a:ext cx="11647357" cy="4777542"/>
+          </a:xfrm>
+        </p:spPr>
+        <p:txBody>
+          <a:bodyPr/>
+          <a:lstStyle/>
+          <a:p>
+            <a:r>
+              <a:rPr lang="en-US" dirty="0"/>
+              <a:t>The HTTP standard is a mess when it comes to 3xx status codes</a:t>
+            </a:r>
+          </a:p>
+          <a:p>
+            <a:pPr lvl="1"/>
+            <a:r>
+              <a:rPr lang="en-US" dirty="0" err="1"/>
+              <a:t>ie</a:t>
+            </a:r>
+            <a:r>
+              <a:rPr lang="en-US" dirty="0"/>
+              <a:t>, lot of ambiguities and undefined behavior</a:t>
+            </a:r>
+          </a:p>
+          <a:p>
+            <a:pPr lvl="1"/>
+            <a:r>
+              <a:rPr lang="en-US" dirty="0" err="1"/>
+              <a:t>eg</a:t>
+            </a:r>
+            <a:r>
+              <a:rPr lang="en-US" dirty="0"/>
+              <a:t>, see  </a:t>
+            </a:r>
+            <a:r>
+              <a:rPr lang="en-US" dirty="0">
+                <a:hlinkClick r:id="rId2"/>
+              </a:rPr>
+              <a:t>http://insanecoding.blogspot.no/2014/02/http-308-incompetence-expected.html</a:t>
             </a:r>
             <a:endParaRPr lang="en-US" dirty="0"/>
           </a:p>
-        </p:txBody>
-      </p:sp>
-      <p:sp>
-        <p:nvSpPr>
-          <p:cNvPr id="3" name="Content Placeholder 2"/>
-          <p:cNvSpPr>
-            <a:spLocks noGrp="1"/>
-          </p:cNvSpPr>
-          <p:nvPr>
-            <p:ph idx="1"/>
-          </p:nvPr>
-        </p:nvSpPr>
-        <p:spPr>
-          <a:xfrm>
-            <a:off x="288324" y="1825624"/>
-            <a:ext cx="11714206" cy="4781122"/>
-          </a:xfrm>
-        </p:spPr>
-        <p:txBody>
-          <a:bodyPr/>
-          <a:lstStyle/>
-          <a:p>
-            <a:r>
-              <a:rPr lang="en-US" dirty="0" smtClean="0"/>
-              <a:t>Instead of returning a payload directly in the HTTP body of the response, wrap it in a JSON object</a:t>
-            </a:r>
-          </a:p>
-          <a:p>
-            <a:r>
-              <a:rPr lang="en-US" dirty="0" smtClean="0"/>
-              <a:t>The payload will be in a field called “</a:t>
-            </a:r>
-            <a:r>
-              <a:rPr lang="en-US" b="1" dirty="0" smtClean="0"/>
-              <a:t>data</a:t>
-            </a:r>
-            <a:r>
-              <a:rPr lang="en-US" dirty="0" smtClean="0"/>
-              <a:t>”</a:t>
-            </a:r>
-          </a:p>
-          <a:p>
-            <a:r>
-              <a:rPr lang="en-US" dirty="0" smtClean="0"/>
-              <a:t>If there is any error, then “</a:t>
-            </a:r>
-            <a:r>
-              <a:rPr lang="en-US" b="1" dirty="0" smtClean="0"/>
-              <a:t>data</a:t>
-            </a:r>
-            <a:r>
-              <a:rPr lang="en-US" dirty="0" smtClean="0"/>
-              <a:t>” will be null, with a field “</a:t>
-            </a:r>
-            <a:r>
-              <a:rPr lang="en-US" b="1" dirty="0" smtClean="0"/>
-              <a:t>message</a:t>
-            </a:r>
-            <a:r>
-              <a:rPr lang="en-US" dirty="0" smtClean="0"/>
-              <a:t>” explaining reason, </a:t>
-            </a:r>
-            <a:r>
-              <a:rPr lang="en-US" dirty="0" err="1" smtClean="0"/>
-              <a:t>ie</a:t>
-            </a:r>
-            <a:r>
-              <a:rPr lang="en-US" dirty="0" smtClean="0"/>
-              <a:t> the </a:t>
-            </a:r>
-            <a:r>
-              <a:rPr lang="en-US" i="1" dirty="0" smtClean="0"/>
-              <a:t>error message</a:t>
-            </a:r>
-          </a:p>
-          <a:p>
-            <a:r>
-              <a:rPr lang="en-US" dirty="0" smtClean="0"/>
-              <a:t>Can also have fields for the status of the response (</a:t>
-            </a:r>
-            <a:r>
-              <a:rPr lang="en-US" dirty="0" err="1" smtClean="0"/>
+          <a:p>
+            <a:r>
+              <a:rPr lang="en-US" dirty="0"/>
+              <a:t>You should use redirection when needed, but keep it minds that different clients might have different, strange behaviors</a:t>
+            </a:r>
+          </a:p>
+          <a:p>
+            <a:r>
+              <a:rPr lang="en-US" dirty="0"/>
+              <a:t>The main issue is on how HTTP methods could be changed</a:t>
+            </a:r>
+          </a:p>
+          <a:p>
+            <a:pPr lvl="1"/>
+            <a:r>
+              <a:rPr lang="en-US" dirty="0" err="1"/>
               <a:t>eg</a:t>
             </a:r>
             <a:r>
-              <a:rPr lang="en-US" dirty="0" smtClean="0"/>
-              <a:t> success vs failure/error) </a:t>
-            </a:r>
-            <a:endParaRPr lang="en-US" dirty="0"/>
+              <a:rPr lang="en-US" dirty="0"/>
+              <a:t>, in previous example, a POST was redirected into a GET</a:t>
+            </a:r>
           </a:p>
         </p:txBody>
       </p:sp>
     </p:spTree>
     <p:extLst>
       <p:ext uri="{BB962C8B-B14F-4D97-AF65-F5344CB8AC3E}">
-        <p14:creationId xmlns:p14="http://schemas.microsoft.com/office/powerpoint/2010/main" val="3282992915"/>
+        <p14:creationId xmlns:p14="http://schemas.microsoft.com/office/powerpoint/2010/main" val="3299870767"/>
       </p:ext>
     </p:extLst>
   </p:cSld>
@@ -6343,10 +10958,9 @@
           <a:lstStyle/>
           <a:p>
             <a:r>
-              <a:rPr lang="en-US" dirty="0" smtClean="0"/>
-              <a:t>Benefits</a:t>
-            </a:r>
-            <a:endParaRPr lang="en-US" dirty="0"/>
+              <a:rPr lang="en-US" dirty="0"/>
+              <a:t>Permanent Redirection</a:t>
+            </a:r>
           </a:p>
         </p:txBody>
       </p:sp>
@@ -6362,64 +10976,60 @@
         </p:nvSpPr>
         <p:spPr>
           <a:xfrm>
-            <a:off x="296561" y="1825625"/>
-            <a:ext cx="11730681" cy="4929402"/>
-          </a:xfrm>
-        </p:spPr>
-        <p:txBody>
-          <a:bodyPr>
-            <a:normAutofit/>
-          </a:bodyPr>
-          <a:lstStyle/>
-          <a:p>
-            <a:r>
-              <a:rPr lang="en-US" dirty="0"/>
-              <a:t>Error message, if any, is part of the response body, easy to access </a:t>
-            </a:r>
-          </a:p>
-          <a:p>
-            <a:endParaRPr lang="en-US" dirty="0" smtClean="0"/>
-          </a:p>
-          <a:p>
-            <a:r>
-              <a:rPr lang="en-US" dirty="0" err="1" smtClean="0"/>
-              <a:t>Unmarshaling</a:t>
-            </a:r>
-            <a:r>
-              <a:rPr lang="en-US" dirty="0" smtClean="0"/>
-              <a:t> of HTTP response payload from JSON regardless of success or failure/error</a:t>
+            <a:off x="419725" y="1825625"/>
+            <a:ext cx="11482465" cy="4732572"/>
+          </a:xfrm>
+        </p:spPr>
+        <p:txBody>
+          <a:bodyPr/>
+          <a:lstStyle/>
+          <a:p>
+            <a:r>
+              <a:rPr lang="en-US" dirty="0"/>
+              <a:t>You ask for X, but server tells you that now it is </a:t>
+            </a:r>
+            <a:r>
+              <a:rPr lang="en-US" i="1" dirty="0"/>
+              <a:t>permanently</a:t>
+            </a:r>
+            <a:r>
+              <a:rPr lang="en-US" dirty="0"/>
+              <a:t> moved to Y</a:t>
+            </a:r>
+          </a:p>
+          <a:p>
+            <a:r>
+              <a:rPr lang="en-US" dirty="0"/>
+              <a:t>A client, if it follows redirects automatically, will do a new request to Y</a:t>
+            </a:r>
+          </a:p>
+          <a:p>
+            <a:r>
+              <a:rPr lang="en-US" dirty="0"/>
+              <a:t>From now on, every time you ask for X, the client would rather call for Y directly, and never use X again</a:t>
             </a:r>
           </a:p>
           <a:p>
             <a:pPr lvl="1"/>
             <a:r>
-              <a:rPr lang="en-US" dirty="0" err="1" smtClean="0"/>
-              <a:t>ie</a:t>
-            </a:r>
-            <a:r>
-              <a:rPr lang="en-US" dirty="0" smtClean="0"/>
-              <a:t>, success and error responses have the same JSON structure</a:t>
-            </a:r>
-          </a:p>
-          <a:p>
-            <a:pPr marL="0" indent="0">
-              <a:buNone/>
-            </a:pPr>
-            <a:endParaRPr lang="en-US" dirty="0"/>
-          </a:p>
-          <a:p>
-            <a:r>
-              <a:rPr lang="en-US" dirty="0" smtClean="0"/>
-              <a:t>Very limited overhead</a:t>
-            </a:r>
-            <a:endParaRPr lang="en-US" dirty="0"/>
+              <a:rPr lang="en-US" dirty="0"/>
+              <a:t>as the redirection is </a:t>
+            </a:r>
+            <a:r>
+              <a:rPr lang="en-US" i="1" dirty="0"/>
+              <a:t>permanent,</a:t>
+            </a:r>
+            <a:r>
+              <a:rPr lang="en-US" dirty="0"/>
+              <a:t> there is no point in asking for X, you can just go directly for Y </a:t>
+            </a:r>
           </a:p>
         </p:txBody>
       </p:sp>
     </p:spTree>
     <p:extLst>
       <p:ext uri="{BB962C8B-B14F-4D97-AF65-F5344CB8AC3E}">
-        <p14:creationId xmlns:p14="http://schemas.microsoft.com/office/powerpoint/2010/main" val="1271967658"/>
+        <p14:creationId xmlns:p14="http://schemas.microsoft.com/office/powerpoint/2010/main" val="4180632106"/>
       </p:ext>
     </p:extLst>
   </p:cSld>
@@ -6462,10 +11072,9 @@
           <a:lstStyle/>
           <a:p>
             <a:r>
-              <a:rPr lang="en-US" dirty="0" smtClean="0"/>
-              <a:t>Standard</a:t>
-            </a:r>
-            <a:endParaRPr lang="en-US" dirty="0"/>
+              <a:rPr lang="en-US" dirty="0"/>
+              <a:t>Temporary Redirection</a:t>
+            </a:r>
           </a:p>
         </p:txBody>
       </p:sp>
@@ -6481,8 +11090,8 @@
         </p:nvSpPr>
         <p:spPr>
           <a:xfrm>
-            <a:off x="296562" y="1825625"/>
-            <a:ext cx="11607114" cy="4822310"/>
+            <a:off x="412230" y="1825625"/>
+            <a:ext cx="11504950" cy="4770047"/>
           </a:xfrm>
         </p:spPr>
         <p:txBody>
@@ -6490,71 +11099,51 @@
           <a:lstStyle/>
           <a:p>
             <a:r>
-              <a:rPr lang="en-US" dirty="0" smtClean="0"/>
-              <a:t>How to specify which fields to use in a wrapped response?</a:t>
-            </a:r>
-          </a:p>
-          <a:p>
-            <a:r>
-              <a:rPr lang="en-US" dirty="0" smtClean="0"/>
-              <a:t>This is not part of HTTP, nor something discussed in REST</a:t>
-            </a:r>
-          </a:p>
-          <a:p>
-            <a:r>
-              <a:rPr lang="en-US" dirty="0" smtClean="0"/>
-              <a:t>There is no “standard”</a:t>
-            </a:r>
-          </a:p>
-          <a:p>
-            <a:r>
-              <a:rPr lang="en-US" dirty="0" smtClean="0"/>
-              <a:t>Could use your own format for your APIs</a:t>
-            </a:r>
-          </a:p>
-          <a:p>
-            <a:r>
-              <a:rPr lang="en-US" dirty="0" smtClean="0"/>
-              <a:t>Or use some existing </a:t>
-            </a:r>
-            <a:r>
-              <a:rPr lang="en-US" dirty="0"/>
-              <a:t>specification like </a:t>
-            </a:r>
-            <a:r>
-              <a:rPr lang="en-US" i="1" dirty="0" err="1" smtClean="0"/>
-              <a:t>JSend</a:t>
-            </a:r>
-            <a:endParaRPr lang="en-US" i="1" dirty="0" smtClean="0"/>
+              <a:rPr lang="en-US" dirty="0"/>
+              <a:t>You ask for X, but server tells you that now it is </a:t>
+            </a:r>
+            <a:r>
+              <a:rPr lang="en-US" i="1" dirty="0"/>
+              <a:t>temporarily</a:t>
+            </a:r>
+            <a:r>
+              <a:rPr lang="en-US" dirty="0"/>
+              <a:t> moved to Y</a:t>
+            </a:r>
+          </a:p>
+          <a:p>
+            <a:r>
+              <a:rPr lang="en-US" dirty="0"/>
+              <a:t>A client, if it follows redirects automatically, will do a new request to Y</a:t>
+            </a:r>
+          </a:p>
+          <a:p>
+            <a:r>
+              <a:rPr lang="en-US" dirty="0"/>
+              <a:t>Every time you ask for X, the client will still ask for X, and ignore the previously obtained Ys</a:t>
+            </a:r>
           </a:p>
           <a:p>
             <a:pPr lvl="1"/>
             <a:r>
-              <a:rPr lang="en-US" i="1" dirty="0">
-                <a:hlinkClick r:id="rId2"/>
-              </a:rPr>
-              <a:t>https://</a:t>
-            </a:r>
-            <a:r>
-              <a:rPr lang="en-US" i="1" dirty="0" smtClean="0">
-                <a:hlinkClick r:id="rId2"/>
-              </a:rPr>
-              <a:t>labs.omniti.com/labs/jsend</a:t>
-            </a:r>
-            <a:endParaRPr lang="en-US" i="1" dirty="0" smtClean="0"/>
-          </a:p>
-          <a:p>
-            <a:pPr marL="457200" lvl="1" indent="0">
-              <a:buNone/>
-            </a:pPr>
-            <a:endParaRPr lang="en-US" i="1" dirty="0"/>
+              <a:rPr lang="en-US" dirty="0"/>
+              <a:t>as the redirection is </a:t>
+            </a:r>
+            <a:r>
+              <a:rPr lang="en-US" i="1" dirty="0"/>
+              <a:t>temporary,</a:t>
+            </a:r>
+            <a:r>
+              <a:rPr lang="en-US" dirty="0"/>
+              <a:t> each time you ask for X you could get a different Y’</a:t>
+            </a:r>
           </a:p>
         </p:txBody>
       </p:sp>
     </p:spTree>
     <p:extLst>
       <p:ext uri="{BB962C8B-B14F-4D97-AF65-F5344CB8AC3E}">
-        <p14:creationId xmlns:p14="http://schemas.microsoft.com/office/powerpoint/2010/main" val="3151851907"/>
+        <p14:creationId xmlns:p14="http://schemas.microsoft.com/office/powerpoint/2010/main" val="1377094553"/>
       </p:ext>
     </p:extLst>
   </p:cSld>
@@ -6583,7 +11172,7 @@
       </p:grpSpPr>
       <p:sp>
         <p:nvSpPr>
-          <p:cNvPr id="4" name="Title 3"/>
+          <p:cNvPr id="2" name="Title 1"/>
           <p:cNvSpPr>
             <a:spLocks noGrp="1"/>
           </p:cNvSpPr>
@@ -6597,36 +11186,94 @@
           <a:lstStyle/>
           <a:p>
             <a:r>
-              <a:rPr lang="en-US" dirty="0" smtClean="0"/>
-              <a:t>Pagination</a:t>
-            </a:r>
-            <a:endParaRPr lang="en-US" dirty="0"/>
-          </a:p>
-        </p:txBody>
-      </p:sp>
-      <p:sp>
-        <p:nvSpPr>
-          <p:cNvPr id="5" name="Text Placeholder 4"/>
-          <p:cNvSpPr>
-            <a:spLocks noGrp="1"/>
-          </p:cNvSpPr>
-          <p:nvPr>
-            <p:ph type="body" idx="1"/>
-          </p:nvPr>
-        </p:nvSpPr>
-        <p:spPr/>
+              <a:rPr lang="en-US" dirty="0"/>
+              <a:t>3xx Codes for RESTful APIs</a:t>
+            </a:r>
+          </a:p>
+        </p:txBody>
+      </p:sp>
+      <p:sp>
+        <p:nvSpPr>
+          <p:cNvPr id="3" name="Content Placeholder 2"/>
+          <p:cNvSpPr>
+            <a:spLocks noGrp="1"/>
+          </p:cNvSpPr>
+          <p:nvPr>
+            <p:ph idx="1"/>
+          </p:nvPr>
+        </p:nvSpPr>
+        <p:spPr>
+          <a:xfrm>
+            <a:off x="172388" y="1585781"/>
+            <a:ext cx="11797258" cy="5099831"/>
+          </a:xfrm>
+        </p:spPr>
         <p:txBody>
           <a:bodyPr/>
           <a:lstStyle/>
           <a:p>
-            <a:endParaRPr lang="en-US"/>
+            <a:r>
+              <a:rPr lang="en-US" dirty="0"/>
+              <a:t>301: Permanent redirection, but use it </a:t>
+            </a:r>
+            <a:r>
+              <a:rPr lang="en-US" i="1" dirty="0"/>
+              <a:t>only</a:t>
+            </a:r>
+            <a:r>
+              <a:rPr lang="en-US" dirty="0"/>
+              <a:t> for GET</a:t>
+            </a:r>
+          </a:p>
+          <a:p>
+            <a:pPr lvl="1"/>
+            <a:r>
+              <a:rPr lang="en-US" dirty="0"/>
+              <a:t>unless you like random surprises, like clients transforming a PUT into a GET</a:t>
+            </a:r>
+          </a:p>
+          <a:p>
+            <a:r>
+              <a:rPr lang="en-US" dirty="0"/>
+              <a:t>304: For cache control</a:t>
+            </a:r>
+          </a:p>
+          <a:p>
+            <a:pPr lvl="1"/>
+            <a:r>
+              <a:rPr lang="en-US" dirty="0" err="1"/>
+              <a:t>eg</a:t>
+            </a:r>
+            <a:r>
+              <a:rPr lang="en-US" dirty="0"/>
+              <a:t> no need to retrieve resource, as the one in cache is still valid</a:t>
+            </a:r>
+          </a:p>
+          <a:p>
+            <a:r>
+              <a:rPr lang="en-US" dirty="0"/>
+              <a:t>307: Temporary redirection</a:t>
+            </a:r>
+          </a:p>
+          <a:p>
+            <a:r>
+              <a:rPr lang="en-US" dirty="0"/>
+              <a:t>308: Permanent redirection, for methods other than GET</a:t>
+            </a:r>
+          </a:p>
+          <a:p>
+            <a:pPr lvl="1"/>
+            <a:r>
+              <a:rPr lang="en-US" dirty="0"/>
+              <a:t>note: many client libraries will not follow such redirect automatically, so do not rely too much on it  </a:t>
+            </a:r>
           </a:p>
         </p:txBody>
       </p:sp>
     </p:spTree>
     <p:extLst>
       <p:ext uri="{BB962C8B-B14F-4D97-AF65-F5344CB8AC3E}">
-        <p14:creationId xmlns:p14="http://schemas.microsoft.com/office/powerpoint/2010/main" val="3214461873"/>
+        <p14:creationId xmlns:p14="http://schemas.microsoft.com/office/powerpoint/2010/main" val="349129915"/>
       </p:ext>
     </p:extLst>
   </p:cSld>

--- a/doc/advanced/slides/lesson_05.pptx
+++ b/doc/advanced/slides/lesson_05.pptx
@@ -232,7 +232,7 @@
           <a:p>
             <a:fld id="{9B5B52BA-3295-0343-9E28-A260A811DD10}" type="datetimeFigureOut">
               <a:rPr lang="en-US" smtClean="0"/>
-              <a:t>8/4/19</a:t>
+              <a:t>13-Aug-19</a:t>
             </a:fld>
             <a:endParaRPr lang="en-US"/>
           </a:p>
@@ -564,6 +564,90 @@
           <a:p>
             <a:fld id="{D6FB5A5B-CC88-B64A-8F56-0DBE0ACA83DE}" type="slidenum">
               <a:rPr lang="en-US" smtClean="0"/>
+              <a:t>12</a:t>
+            </a:fld>
+            <a:endParaRPr lang="en-US"/>
+          </a:p>
+        </p:txBody>
+      </p:sp>
+    </p:spTree>
+    <p:extLst>
+      <p:ext uri="{BB962C8B-B14F-4D97-AF65-F5344CB8AC3E}">
+        <p14:creationId xmlns:p14="http://schemas.microsoft.com/office/powerpoint/2010/main" val="2020130685"/>
+      </p:ext>
+    </p:extLst>
+  </p:cSld>
+  <p:clrMapOvr>
+    <a:masterClrMapping/>
+  </p:clrMapOvr>
+</p:notes>
+</file>
+
+<file path=ppt/notesSlides/notesSlide2.xml><?xml version="1.0" encoding="utf-8"?>
+<p:notes xmlns:a="http://schemas.openxmlformats.org/drawingml/2006/main" xmlns:r="http://schemas.openxmlformats.org/officeDocument/2006/relationships" xmlns:p="http://schemas.openxmlformats.org/presentationml/2006/main">
+  <p:cSld>
+    <p:spTree>
+      <p:nvGrpSpPr>
+        <p:cNvPr id="1" name=""/>
+        <p:cNvGrpSpPr/>
+        <p:nvPr/>
+      </p:nvGrpSpPr>
+      <p:grpSpPr>
+        <a:xfrm>
+          <a:off x="0" y="0"/>
+          <a:ext cx="0" cy="0"/>
+          <a:chOff x="0" y="0"/>
+          <a:chExt cx="0" cy="0"/>
+        </a:xfrm>
+      </p:grpSpPr>
+      <p:sp>
+        <p:nvSpPr>
+          <p:cNvPr id="2" name="Slide Image Placeholder 1"/>
+          <p:cNvSpPr>
+            <a:spLocks noGrp="1" noRot="1" noChangeAspect="1"/>
+          </p:cNvSpPr>
+          <p:nvPr>
+            <p:ph type="sldImg"/>
+          </p:nvPr>
+        </p:nvSpPr>
+        <p:spPr/>
+      </p:sp>
+      <p:sp>
+        <p:nvSpPr>
+          <p:cNvPr id="3" name="Notes Placeholder 2"/>
+          <p:cNvSpPr>
+            <a:spLocks noGrp="1"/>
+          </p:cNvSpPr>
+          <p:nvPr>
+            <p:ph type="body" idx="1"/>
+          </p:nvPr>
+        </p:nvSpPr>
+        <p:spPr/>
+        <p:txBody>
+          <a:bodyPr/>
+          <a:lstStyle/>
+          <a:p>
+            <a:endParaRPr lang="en-US" dirty="0"/>
+          </a:p>
+        </p:txBody>
+      </p:sp>
+      <p:sp>
+        <p:nvSpPr>
+          <p:cNvPr id="4" name="Slide Number Placeholder 3"/>
+          <p:cNvSpPr>
+            <a:spLocks noGrp="1"/>
+          </p:cNvSpPr>
+          <p:nvPr>
+            <p:ph type="sldNum" sz="quarter" idx="10"/>
+          </p:nvPr>
+        </p:nvSpPr>
+        <p:spPr/>
+        <p:txBody>
+          <a:bodyPr/>
+          <a:lstStyle/>
+          <a:p>
+            <a:fld id="{D6FB5A5B-CC88-B64A-8F56-0DBE0ACA83DE}" type="slidenum">
+              <a:rPr lang="en-US" smtClean="0"/>
               <a:t>36</a:t>
             </a:fld>
             <a:endParaRPr lang="en-US"/>
@@ -712,7 +796,7 @@
           <a:p>
             <a:fld id="{04F1D4A2-813C-F741-B481-C92B3A596030}" type="datetimeFigureOut">
               <a:rPr lang="en-US" smtClean="0"/>
-              <a:t>8/4/19</a:t>
+              <a:t>13-Aug-19</a:t>
             </a:fld>
             <a:endParaRPr lang="en-US"/>
           </a:p>
@@ -880,7 +964,7 @@
           <a:p>
             <a:fld id="{04F1D4A2-813C-F741-B481-C92B3A596030}" type="datetimeFigureOut">
               <a:rPr lang="en-US" smtClean="0"/>
-              <a:t>8/4/19</a:t>
+              <a:t>13-Aug-19</a:t>
             </a:fld>
             <a:endParaRPr lang="en-US"/>
           </a:p>
@@ -1058,7 +1142,7 @@
           <a:p>
             <a:fld id="{04F1D4A2-813C-F741-B481-C92B3A596030}" type="datetimeFigureOut">
               <a:rPr lang="en-US" smtClean="0"/>
-              <a:t>8/4/19</a:t>
+              <a:t>13-Aug-19</a:t>
             </a:fld>
             <a:endParaRPr lang="en-US"/>
           </a:p>
@@ -1237,7 +1321,7 @@
           <a:p>
             <a:fld id="{04F1D4A2-813C-F741-B481-C92B3A596030}" type="datetimeFigureOut">
               <a:rPr lang="en-US" smtClean="0"/>
-              <a:t>8/4/19</a:t>
+              <a:t>13-Aug-19</a:t>
             </a:fld>
             <a:endParaRPr lang="en-US"/>
           </a:p>
@@ -1482,7 +1566,7 @@
           <a:p>
             <a:fld id="{04F1D4A2-813C-F741-B481-C92B3A596030}" type="datetimeFigureOut">
               <a:rPr lang="en-US" smtClean="0"/>
-              <a:t>8/4/19</a:t>
+              <a:t>13-Aug-19</a:t>
             </a:fld>
             <a:endParaRPr lang="en-US"/>
           </a:p>
@@ -1711,7 +1795,7 @@
           <a:p>
             <a:fld id="{04F1D4A2-813C-F741-B481-C92B3A596030}" type="datetimeFigureOut">
               <a:rPr lang="en-US" smtClean="0"/>
-              <a:t>8/4/19</a:t>
+              <a:t>13-Aug-19</a:t>
             </a:fld>
             <a:endParaRPr lang="en-US"/>
           </a:p>
@@ -2075,7 +2159,7 @@
           <a:p>
             <a:fld id="{04F1D4A2-813C-F741-B481-C92B3A596030}" type="datetimeFigureOut">
               <a:rPr lang="en-US" smtClean="0"/>
-              <a:t>8/4/19</a:t>
+              <a:t>13-Aug-19</a:t>
             </a:fld>
             <a:endParaRPr lang="en-US"/>
           </a:p>
@@ -2192,7 +2276,7 @@
           <a:p>
             <a:fld id="{04F1D4A2-813C-F741-B481-C92B3A596030}" type="datetimeFigureOut">
               <a:rPr lang="en-US" smtClean="0"/>
-              <a:t>8/4/19</a:t>
+              <a:t>13-Aug-19</a:t>
             </a:fld>
             <a:endParaRPr lang="en-US"/>
           </a:p>
@@ -2287,7 +2371,7 @@
           <a:p>
             <a:fld id="{04F1D4A2-813C-F741-B481-C92B3A596030}" type="datetimeFigureOut">
               <a:rPr lang="en-US" smtClean="0"/>
-              <a:t>8/4/19</a:t>
+              <a:t>13-Aug-19</a:t>
             </a:fld>
             <a:endParaRPr lang="en-US"/>
           </a:p>
@@ -2562,7 +2646,7 @@
           <a:p>
             <a:fld id="{04F1D4A2-813C-F741-B481-C92B3A596030}" type="datetimeFigureOut">
               <a:rPr lang="en-US" smtClean="0"/>
-              <a:t>8/4/19</a:t>
+              <a:t>13-Aug-19</a:t>
             </a:fld>
             <a:endParaRPr lang="en-US"/>
           </a:p>
@@ -2814,7 +2898,7 @@
           <a:p>
             <a:fld id="{04F1D4A2-813C-F741-B481-C92B3A596030}" type="datetimeFigureOut">
               <a:rPr lang="en-US" smtClean="0"/>
-              <a:t>8/4/19</a:t>
+              <a:t>13-Aug-19</a:t>
             </a:fld>
             <a:endParaRPr lang="en-US"/>
           </a:p>
@@ -3025,7 +3109,7 @@
           <a:p>
             <a:fld id="{04F1D4A2-813C-F741-B481-C92B3A596030}" type="datetimeFigureOut">
               <a:rPr lang="en-US" smtClean="0"/>
-              <a:t>8/4/19</a:t>
+              <a:t>13-Aug-19</a:t>
             </a:fld>
             <a:endParaRPr lang="en-US"/>
           </a:p>
@@ -3468,6 +3552,10 @@
             <a:br>
               <a:rPr lang="en-US" dirty="0"/>
             </a:br>
+            <a:r>
+              <a:rPr lang="en-US" dirty="0"/>
+              <a:t/>
+            </a:r>
             <a:br>
               <a:rPr lang="en-US" dirty="0"/>
             </a:br>
@@ -3850,8 +3938,36 @@
             <a:pPr lvl="1"/>
             <a:r>
               <a:rPr lang="en-US" dirty="0"/>
-              <a:t>could be computed as a hash of the response</a:t>
-            </a:r>
+              <a:t>could be computed as a hash of the </a:t>
+            </a:r>
+            <a:r>
+              <a:rPr lang="en-US" dirty="0" smtClean="0"/>
+              <a:t>response</a:t>
+            </a:r>
+          </a:p>
+          <a:p>
+            <a:pPr lvl="1"/>
+            <a:r>
+              <a:rPr lang="en-US" dirty="0" smtClean="0"/>
+              <a:t>if based on a JPA entity, could use its </a:t>
+            </a:r>
+            <a:r>
+              <a:rPr lang="en-US" i="1" dirty="0" smtClean="0"/>
+              <a:t>@</a:t>
+            </a:r>
+            <a:r>
+              <a:rPr lang="en-US" i="1" smtClean="0"/>
+              <a:t>Version</a:t>
+            </a:r>
+            <a:r>
+              <a:rPr lang="en-US" smtClean="0"/>
+              <a:t> (if </a:t>
+            </a:r>
+            <a:r>
+              <a:rPr lang="en-US" dirty="0" smtClean="0"/>
+              <a:t>any)</a:t>
+            </a:r>
+            <a:endParaRPr lang="en-US" dirty="0"/>
           </a:p>
           <a:p>
             <a:endParaRPr lang="en-US" dirty="0"/>
@@ -4523,25 +4639,6 @@
               <a:rPr lang="en-US" dirty="0"/>
               <a:t>HTTP Caches</a:t>
             </a:r>
-          </a:p>
-        </p:txBody>
-      </p:sp>
-      <p:sp>
-        <p:nvSpPr>
-          <p:cNvPr id="3" name="Text Placeholder 2"/>
-          <p:cNvSpPr>
-            <a:spLocks noGrp="1"/>
-          </p:cNvSpPr>
-          <p:nvPr>
-            <p:ph type="body" idx="1"/>
-          </p:nvPr>
-        </p:nvSpPr>
-        <p:spPr/>
-        <p:txBody>
-          <a:bodyPr/>
-          <a:lstStyle/>
-          <a:p>
-            <a:endParaRPr lang="en-US"/>
           </a:p>
         </p:txBody>
       </p:sp>
@@ -5597,25 +5694,6 @@
               <a:rPr lang="en-US" dirty="0"/>
               <a:t>Public HTTP Caches</a:t>
             </a:r>
-          </a:p>
-        </p:txBody>
-      </p:sp>
-      <p:sp>
-        <p:nvSpPr>
-          <p:cNvPr id="5" name="Text Placeholder 4"/>
-          <p:cNvSpPr>
-            <a:spLocks noGrp="1"/>
-          </p:cNvSpPr>
-          <p:nvPr>
-            <p:ph type="body" idx="1"/>
-          </p:nvPr>
-        </p:nvSpPr>
-        <p:spPr/>
-        <p:txBody>
-          <a:bodyPr/>
-          <a:lstStyle/>
-          <a:p>
-            <a:endParaRPr lang="en-US" dirty="0"/>
           </a:p>
         </p:txBody>
       </p:sp>
@@ -10367,8 +10445,13 @@
             </a:r>
             <a:r>
               <a:rPr lang="en-US" dirty="0"/>
-              <a:t>: response can be cache</a:t>
-            </a:r>
+              <a:t>: response can be </a:t>
+            </a:r>
+            <a:r>
+              <a:rPr lang="en-US" dirty="0" smtClean="0"/>
+              <a:t>cached</a:t>
+            </a:r>
+            <a:endParaRPr lang="en-US" dirty="0"/>
           </a:p>
           <a:p>
             <a:r>
@@ -10713,8 +10796,20 @@
           <a:p>
             <a:r>
               <a:rPr lang="en-US" dirty="0"/>
-              <a:t>Example in a browser: how to tell the client to automatically go to homepage after a successful login on the login page?</a:t>
-            </a:r>
+              <a:t>Example in a browser: how to tell the client to automatically go to homepage after a successful login on the login page</a:t>
+            </a:r>
+            <a:r>
+              <a:rPr lang="en-US" dirty="0" smtClean="0"/>
+              <a:t>?</a:t>
+            </a:r>
+          </a:p>
+          <a:p>
+            <a:pPr lvl="1"/>
+            <a:r>
+              <a:rPr lang="en-US" dirty="0" smtClean="0"/>
+              <a:t>assuming HTML forms, and no JavaScript</a:t>
+            </a:r>
+            <a:endParaRPr lang="en-US" dirty="0"/>
           </a:p>
           <a:p>
             <a:endParaRPr lang="en-US" dirty="0"/>
@@ -11209,7 +11304,9 @@
           </a:xfrm>
         </p:spPr>
         <p:txBody>
-          <a:bodyPr/>
+          <a:bodyPr>
+            <a:normAutofit lnSpcReduction="10000"/>
+          </a:bodyPr>
           <a:lstStyle/>
           <a:p>
             <a:r>
@@ -11229,8 +11326,26 @@
             <a:pPr lvl="1"/>
             <a:r>
               <a:rPr lang="en-US" dirty="0"/>
-              <a:t>unless you like random surprises, like clients transforming a PUT into a GET</a:t>
-            </a:r>
+              <a:t>unless you like random surprises, like clients transforming a PUT into a </a:t>
+            </a:r>
+            <a:r>
+              <a:rPr lang="en-US" dirty="0" smtClean="0"/>
+              <a:t>GET</a:t>
+            </a:r>
+          </a:p>
+          <a:p>
+            <a:r>
+              <a:rPr lang="en-US" dirty="0" smtClean="0"/>
+              <a:t>302: change from POST to GET</a:t>
+            </a:r>
+          </a:p>
+          <a:p>
+            <a:pPr lvl="1"/>
+            <a:r>
+              <a:rPr lang="en-US" dirty="0" smtClean="0"/>
+              <a:t>important for HTML forms, but arguably no need in a REST API</a:t>
+            </a:r>
+            <a:endParaRPr lang="en-US" dirty="0"/>
           </a:p>
           <a:p>
             <a:r>
